--- a/Дипломный проект/Дипломная работа Николаев В.А.pptx
+++ b/Дипломный проект/Дипломная работа Николаев В.А.pptx
@@ -6,11 +6,12 @@
   </p:sldMasterIdLst>
   <p:sldIdLst>
     <p:sldId id="256" r:id="rId2"/>
-    <p:sldId id="260" r:id="rId3"/>
-    <p:sldId id="261" r:id="rId4"/>
-    <p:sldId id="262" r:id="rId5"/>
-    <p:sldId id="263" r:id="rId6"/>
-    <p:sldId id="257" r:id="rId7"/>
+    <p:sldId id="265" r:id="rId3"/>
+    <p:sldId id="260" r:id="rId4"/>
+    <p:sldId id="261" r:id="rId5"/>
+    <p:sldId id="262" r:id="rId6"/>
+    <p:sldId id="263" r:id="rId7"/>
+    <p:sldId id="264" r:id="rId8"/>
   </p:sldIdLst>
   <p:sldSz cx="12192000" cy="6858000"/>
   <p:notesSz cx="6858000" cy="9144000"/>
@@ -287,7 +288,7 @@
           <a:p>
             <a:fld id="{D6E302DD-AB53-48EE-857D-3B9B7649DF6B}" type="datetimeFigureOut">
               <a:rPr lang="ru-RU" smtClean="0"/>
-              <a:t>02.06.2024</a:t>
+              <a:t>06.06.2024</a:t>
             </a:fld>
             <a:endParaRPr lang="ru-RU"/>
           </a:p>
@@ -554,7 +555,7 @@
           <a:p>
             <a:fld id="{D6E302DD-AB53-48EE-857D-3B9B7649DF6B}" type="datetimeFigureOut">
               <a:rPr lang="ru-RU" smtClean="0"/>
-              <a:t>02.06.2024</a:t>
+              <a:t>06.06.2024</a:t>
             </a:fld>
             <a:endParaRPr lang="ru-RU"/>
           </a:p>
@@ -785,7 +786,7 @@
           <a:p>
             <a:fld id="{D6E302DD-AB53-48EE-857D-3B9B7649DF6B}" type="datetimeFigureOut">
               <a:rPr lang="ru-RU" smtClean="0"/>
-              <a:t>02.06.2024</a:t>
+              <a:t>06.06.2024</a:t>
             </a:fld>
             <a:endParaRPr lang="ru-RU"/>
           </a:p>
@@ -1095,7 +1096,7 @@
           <a:p>
             <a:fld id="{D6E302DD-AB53-48EE-857D-3B9B7649DF6B}" type="datetimeFigureOut">
               <a:rPr lang="ru-RU" smtClean="0"/>
-              <a:t>02.06.2024</a:t>
+              <a:t>06.06.2024</a:t>
             </a:fld>
             <a:endParaRPr lang="ru-RU"/>
           </a:p>
@@ -1568,7 +1569,7 @@
           <a:p>
             <a:fld id="{D6E302DD-AB53-48EE-857D-3B9B7649DF6B}" type="datetimeFigureOut">
               <a:rPr lang="ru-RU" smtClean="0"/>
-              <a:t>02.06.2024</a:t>
+              <a:t>06.06.2024</a:t>
             </a:fld>
             <a:endParaRPr lang="ru-RU"/>
           </a:p>
@@ -2115,7 +2116,7 @@
           <a:p>
             <a:fld id="{D6E302DD-AB53-48EE-857D-3B9B7649DF6B}" type="datetimeFigureOut">
               <a:rPr lang="ru-RU" smtClean="0"/>
-              <a:t>02.06.2024</a:t>
+              <a:t>06.06.2024</a:t>
             </a:fld>
             <a:endParaRPr lang="ru-RU"/>
           </a:p>
@@ -2889,7 +2890,7 @@
           <a:p>
             <a:fld id="{D6E302DD-AB53-48EE-857D-3B9B7649DF6B}" type="datetimeFigureOut">
               <a:rPr lang="ru-RU" smtClean="0"/>
-              <a:t>02.06.2024</a:t>
+              <a:t>06.06.2024</a:t>
             </a:fld>
             <a:endParaRPr lang="ru-RU"/>
           </a:p>
@@ -3064,7 +3065,7 @@
           <a:p>
             <a:fld id="{D6E302DD-AB53-48EE-857D-3B9B7649DF6B}" type="datetimeFigureOut">
               <a:rPr lang="ru-RU" smtClean="0"/>
-              <a:t>02.06.2024</a:t>
+              <a:t>06.06.2024</a:t>
             </a:fld>
             <a:endParaRPr lang="ru-RU"/>
           </a:p>
@@ -3287,7 +3288,7 @@
           <a:p>
             <a:fld id="{D6E302DD-AB53-48EE-857D-3B9B7649DF6B}" type="datetimeFigureOut">
               <a:rPr lang="ru-RU" smtClean="0"/>
-              <a:t>02.06.2024</a:t>
+              <a:t>06.06.2024</a:t>
             </a:fld>
             <a:endParaRPr lang="ru-RU"/>
           </a:p>
@@ -3467,7 +3468,7 @@
           <a:p>
             <a:fld id="{D6E302DD-AB53-48EE-857D-3B9B7649DF6B}" type="datetimeFigureOut">
               <a:rPr lang="ru-RU" smtClean="0"/>
-              <a:t>02.06.2024</a:t>
+              <a:t>06.06.2024</a:t>
             </a:fld>
             <a:endParaRPr lang="ru-RU"/>
           </a:p>
@@ -3756,7 +3757,7 @@
           <a:p>
             <a:fld id="{D6E302DD-AB53-48EE-857D-3B9B7649DF6B}" type="datetimeFigureOut">
               <a:rPr lang="ru-RU" smtClean="0"/>
-              <a:t>02.06.2024</a:t>
+              <a:t>06.06.2024</a:t>
             </a:fld>
             <a:endParaRPr lang="ru-RU"/>
           </a:p>
@@ -3998,7 +3999,7 @@
           <a:p>
             <a:fld id="{D6E302DD-AB53-48EE-857D-3B9B7649DF6B}" type="datetimeFigureOut">
               <a:rPr lang="ru-RU" smtClean="0"/>
-              <a:t>02.06.2024</a:t>
+              <a:t>06.06.2024</a:t>
             </a:fld>
             <a:endParaRPr lang="ru-RU"/>
           </a:p>
@@ -4377,7 +4378,7 @@
           <a:p>
             <a:fld id="{D6E302DD-AB53-48EE-857D-3B9B7649DF6B}" type="datetimeFigureOut">
               <a:rPr lang="ru-RU" smtClean="0"/>
-              <a:t>02.06.2024</a:t>
+              <a:t>06.06.2024</a:t>
             </a:fld>
             <a:endParaRPr lang="ru-RU"/>
           </a:p>
@@ -4495,7 +4496,7 @@
           <a:p>
             <a:fld id="{D6E302DD-AB53-48EE-857D-3B9B7649DF6B}" type="datetimeFigureOut">
               <a:rPr lang="ru-RU" smtClean="0"/>
-              <a:t>02.06.2024</a:t>
+              <a:t>06.06.2024</a:t>
             </a:fld>
             <a:endParaRPr lang="ru-RU"/>
           </a:p>
@@ -4590,7 +4591,7 @@
           <a:p>
             <a:fld id="{D6E302DD-AB53-48EE-857D-3B9B7649DF6B}" type="datetimeFigureOut">
               <a:rPr lang="ru-RU" smtClean="0"/>
-              <a:t>02.06.2024</a:t>
+              <a:t>06.06.2024</a:t>
             </a:fld>
             <a:endParaRPr lang="ru-RU"/>
           </a:p>
@@ -4839,7 +4840,7 @@
           <a:p>
             <a:fld id="{D6E302DD-AB53-48EE-857D-3B9B7649DF6B}" type="datetimeFigureOut">
               <a:rPr lang="ru-RU" smtClean="0"/>
-              <a:t>02.06.2024</a:t>
+              <a:t>06.06.2024</a:t>
             </a:fld>
             <a:endParaRPr lang="ru-RU"/>
           </a:p>
@@ -5096,7 +5097,7 @@
           <a:p>
             <a:fld id="{D6E302DD-AB53-48EE-857D-3B9B7649DF6B}" type="datetimeFigureOut">
               <a:rPr lang="ru-RU" smtClean="0"/>
-              <a:t>02.06.2024</a:t>
+              <a:t>06.06.2024</a:t>
             </a:fld>
             <a:endParaRPr lang="ru-RU"/>
           </a:p>
@@ -5339,7 +5340,7 @@
           <a:p>
             <a:fld id="{D6E302DD-AB53-48EE-857D-3B9B7649DF6B}" type="datetimeFigureOut">
               <a:rPr lang="ru-RU" smtClean="0"/>
-              <a:t>02.06.2024</a:t>
+              <a:t>06.06.2024</a:t>
             </a:fld>
             <a:endParaRPr lang="ru-RU"/>
           </a:p>
@@ -5778,7 +5779,28 @@
                 <a:latin typeface="Times New Roman" panose="02020603050405020304" pitchFamily="18" charset="0"/>
                 <a:cs typeface="Times New Roman" panose="02020603050405020304" pitchFamily="18" charset="0"/>
               </a:rPr>
-              <a:t>Дипломная работа на тему</a:t>
+              <a:t>Дипломн</a:t>
+            </a:r>
+            <a:r>
+              <a:rPr lang="ru-RU" sz="3600" dirty="0" smtClean="0">
+                <a:latin typeface="Times New Roman" panose="02020603050405020304" pitchFamily="18" charset="0"/>
+                <a:cs typeface="Times New Roman" panose="02020603050405020304" pitchFamily="18" charset="0"/>
+              </a:rPr>
+              <a:t>ый</a:t>
+            </a:r>
+            <a:r>
+              <a:rPr lang="ru-RU" sz="3600" dirty="0" smtClean="0">
+                <a:latin typeface="Times New Roman" panose="02020603050405020304" pitchFamily="18" charset="0"/>
+                <a:cs typeface="Times New Roman" panose="02020603050405020304" pitchFamily="18" charset="0"/>
+              </a:rPr>
+              <a:t> проект </a:t>
+            </a:r>
+            <a:r>
+              <a:rPr lang="ru-RU" sz="3600" dirty="0" smtClean="0">
+                <a:latin typeface="Times New Roman" panose="02020603050405020304" pitchFamily="18" charset="0"/>
+                <a:cs typeface="Times New Roman" panose="02020603050405020304" pitchFamily="18" charset="0"/>
+              </a:rPr>
+              <a:t>на тему</a:t>
             </a:r>
             <a:r>
               <a:rPr lang="en-US" sz="3600" dirty="0" smtClean="0">
@@ -6254,22 +6276,69 @@
               <a:buNone/>
             </a:pPr>
             <a:r>
-              <a:rPr lang="ru-RU" sz="2400" dirty="0">
+              <a:rPr lang="ru-RU" sz="2400" dirty="0" smtClean="0">
                 <a:latin typeface="Times New Roman" panose="02020603050405020304" pitchFamily="18" charset="0"/>
                 <a:ea typeface="Calibri" panose="020F0502020204030204" pitchFamily="34" charset="0"/>
                 <a:cs typeface="Calibri" panose="020F0502020204030204" pitchFamily="34" charset="0"/>
               </a:rPr>
-              <a:t>Разработанная в рамках данной дипломной работы компьютерная игра предназначена для организации досуга, снятия стресса, создания захватывающей и запоминающейся игровой вселенной с увлекательным геймплеем.</a:t>
-            </a:r>
-            <a:endParaRPr lang="ru-RU" sz="2400" dirty="0">
-              <a:latin typeface="Times New Roman" panose="02020603050405020304" pitchFamily="18" charset="0"/>
-              <a:ea typeface="Arial Unicode MS"/>
-            </a:endParaRPr>
-          </a:p>
-          <a:p>
-            <a:pPr marL="0" indent="0">
-              <a:buNone/>
-            </a:pPr>
+              <a:t>Основными технологиями в проекте</a:t>
+            </a:r>
+            <a:r>
+              <a:rPr lang="en-US" sz="2400" dirty="0" smtClean="0">
+                <a:latin typeface="Times New Roman" panose="02020603050405020304" pitchFamily="18" charset="0"/>
+                <a:ea typeface="Calibri" panose="020F0502020204030204" pitchFamily="34" charset="0"/>
+                <a:cs typeface="Calibri" panose="020F0502020204030204" pitchFamily="34" charset="0"/>
+              </a:rPr>
+              <a:t>, </a:t>
+            </a:r>
+            <a:r>
+              <a:rPr lang="ru-RU" sz="2400" dirty="0" smtClean="0">
+                <a:latin typeface="Times New Roman" panose="02020603050405020304" pitchFamily="18" charset="0"/>
+                <a:ea typeface="Calibri" panose="020F0502020204030204" pitchFamily="34" charset="0"/>
+                <a:cs typeface="Calibri" panose="020F0502020204030204" pitchFamily="34" charset="0"/>
+              </a:rPr>
+              <a:t>являются игровой движок </a:t>
+            </a:r>
+            <a:r>
+              <a:rPr lang="en-US" sz="2400" dirty="0" smtClean="0">
+                <a:latin typeface="Times New Roman" panose="02020603050405020304" pitchFamily="18" charset="0"/>
+                <a:ea typeface="Calibri" panose="020F0502020204030204" pitchFamily="34" charset="0"/>
+                <a:cs typeface="Calibri" panose="020F0502020204030204" pitchFamily="34" charset="0"/>
+              </a:rPr>
+              <a:t>Unity, </a:t>
+            </a:r>
+            <a:r>
+              <a:rPr lang="ru-RU" sz="2400" dirty="0" smtClean="0">
+                <a:latin typeface="Times New Roman" panose="02020603050405020304" pitchFamily="18" charset="0"/>
+                <a:ea typeface="Calibri" panose="020F0502020204030204" pitchFamily="34" charset="0"/>
+                <a:cs typeface="Calibri" panose="020F0502020204030204" pitchFamily="34" charset="0"/>
+              </a:rPr>
+              <a:t>в котором для написания скриптов используется язык программирования </a:t>
+            </a:r>
+            <a:r>
+              <a:rPr lang="en-US" sz="2400" dirty="0" smtClean="0">
+                <a:latin typeface="Times New Roman" panose="02020603050405020304" pitchFamily="18" charset="0"/>
+                <a:ea typeface="Calibri" panose="020F0502020204030204" pitchFamily="34" charset="0"/>
+                <a:cs typeface="Calibri" panose="020F0502020204030204" pitchFamily="34" charset="0"/>
+              </a:rPr>
+              <a:t>C#</a:t>
+            </a:r>
+            <a:r>
+              <a:rPr lang="ru-RU" sz="2400" dirty="0" smtClean="0">
+                <a:latin typeface="Times New Roman" panose="02020603050405020304" pitchFamily="18" charset="0"/>
+                <a:ea typeface="Calibri" panose="020F0502020204030204" pitchFamily="34" charset="0"/>
+                <a:cs typeface="Calibri" panose="020F0502020204030204" pitchFamily="34" charset="0"/>
+              </a:rPr>
+              <a:t> и редактор кода </a:t>
+            </a:r>
+            <a:r>
+              <a:rPr lang="en-US" sz="2400" dirty="0" smtClean="0">
+                <a:latin typeface="Times New Roman" panose="02020603050405020304" pitchFamily="18" charset="0"/>
+                <a:ea typeface="Calibri" panose="020F0502020204030204" pitchFamily="34" charset="0"/>
+                <a:cs typeface="Calibri" panose="020F0502020204030204" pitchFamily="34" charset="0"/>
+              </a:rPr>
+              <a:t>Visual Studio 2022.</a:t>
+            </a:r>
             <a:endParaRPr lang="ru-RU" dirty="0"/>
           </a:p>
         </p:txBody>
@@ -6284,8 +6353,8 @@
         </p:nvSpPr>
         <p:spPr>
           <a:xfrm>
-            <a:off x="5505450" y="0"/>
-            <a:ext cx="6686549" cy="1190624"/>
+            <a:off x="5245768" y="0"/>
+            <a:ext cx="6946231" cy="1190624"/>
           </a:xfrm>
           <a:prstGeom prst="rect">
             <a:avLst/>
@@ -6466,16 +6535,76 @@
                 <a:latin typeface="Times New Roman" panose="02020603050405020304" pitchFamily="18" charset="0"/>
                 <a:cs typeface="Times New Roman" panose="02020603050405020304" pitchFamily="18" charset="0"/>
               </a:rPr>
-              <a:t>Введение</a:t>
+              <a:t>Используемые технологии</a:t>
             </a:r>
             <a:endParaRPr lang="ru-RU" sz="4400" dirty="0"/>
           </a:p>
         </p:txBody>
       </p:sp>
+      <p:pic>
+        <p:nvPicPr>
+          <p:cNvPr id="8" name="Рисунок 7"/>
+          <p:cNvPicPr>
+            <a:picLocks noChangeAspect="1"/>
+          </p:cNvPicPr>
+          <p:nvPr/>
+        </p:nvPicPr>
+        <p:blipFill>
+          <a:blip r:embed="rId2">
+            <a:extLst>
+              <a:ext uri="{28A0092B-C50C-407E-A947-70E740481C1C}">
+                <a14:useLocalDpi xmlns:a14="http://schemas.microsoft.com/office/drawing/2010/main" val="0"/>
+              </a:ext>
+            </a:extLst>
+          </a:blip>
+          <a:stretch>
+            <a:fillRect/>
+          </a:stretch>
+        </p:blipFill>
+        <p:spPr>
+          <a:xfrm>
+            <a:off x="827772" y="3785403"/>
+            <a:ext cx="3742824" cy="3072597"/>
+          </a:xfrm>
+          <a:prstGeom prst="rect">
+            <a:avLst/>
+          </a:prstGeom>
+        </p:spPr>
+      </p:pic>
+      <p:pic>
+        <p:nvPicPr>
+          <p:cNvPr id="9" name="Рисунок 8"/>
+          <p:cNvPicPr>
+            <a:picLocks noChangeAspect="1"/>
+          </p:cNvPicPr>
+          <p:nvPr/>
+        </p:nvPicPr>
+        <p:blipFill>
+          <a:blip r:embed="rId3" cstate="print">
+            <a:extLst>
+              <a:ext uri="{28A0092B-C50C-407E-A947-70E740481C1C}">
+                <a14:useLocalDpi xmlns:a14="http://schemas.microsoft.com/office/drawing/2010/main" val="0"/>
+              </a:ext>
+            </a:extLst>
+          </a:blip>
+          <a:stretch>
+            <a:fillRect/>
+          </a:stretch>
+        </p:blipFill>
+        <p:spPr>
+          <a:xfrm>
+            <a:off x="6552494" y="3785403"/>
+            <a:ext cx="5401557" cy="2682774"/>
+          </a:xfrm>
+          <a:prstGeom prst="rect">
+            <a:avLst/>
+          </a:prstGeom>
+        </p:spPr>
+      </p:pic>
     </p:spTree>
     <p:extLst>
       <p:ext uri="{BB962C8B-B14F-4D97-AF65-F5344CB8AC3E}">
-        <p14:creationId xmlns:p14="http://schemas.microsoft.com/office/powerpoint/2010/main" val="4123485768"/>
+        <p14:creationId xmlns:p14="http://schemas.microsoft.com/office/powerpoint/2010/main" val="2045038865"/>
       </p:ext>
     </p:extLst>
   </p:cSld>
@@ -6529,394 +6658,34 @@
           <a:bodyPr/>
           <a:lstStyle/>
           <a:p>
-            <a:pPr marL="0" lvl="0" indent="450000" algn="just">
+            <a:pPr marL="0" indent="450000" algn="just">
               <a:lnSpc>
                 <a:spcPct val="150000"/>
               </a:lnSpc>
               <a:spcBef>
                 <a:spcPts val="0"/>
               </a:spcBef>
-              <a:spcAft>
-                <a:spcPts val="0"/>
-              </a:spcAft>
-              <a:buFont typeface="Symbol" panose="05050102010706020507" pitchFamily="18" charset="2"/>
-              <a:buChar char=""/>
+              <a:buNone/>
             </a:pPr>
             <a:r>
               <a:rPr lang="ru-RU" sz="2400" dirty="0">
-                <a:solidFill>
-                  <a:srgbClr val="000000"/>
-                </a:solidFill>
-                <a:uFill>
-                  <a:solidFill>
-                    <a:srgbClr val="000000"/>
-                  </a:solidFill>
-                </a:uFill>
-                <a:latin typeface="Times New Roman" panose="02020603050405020304" pitchFamily="18" charset="0"/>
-                <a:ea typeface="Arial Unicode MS"/>
-                <a:cs typeface="Arial Unicode MS"/>
-              </a:rPr>
-              <a:t>Исследовать огромный мир</a:t>
-            </a:r>
-            <a:r>
-              <a:rPr lang="en-US" sz="2400" dirty="0">
-                <a:solidFill>
-                  <a:srgbClr val="000000"/>
-                </a:solidFill>
-                <a:uFill>
-                  <a:solidFill>
-                    <a:srgbClr val="000000"/>
-                  </a:solidFill>
-                </a:uFill>
-                <a:latin typeface="Times New Roman" panose="02020603050405020304" pitchFamily="18" charset="0"/>
-                <a:ea typeface="Arial Unicode MS"/>
-                <a:cs typeface="Arial Unicode MS"/>
-              </a:rPr>
-              <a:t>;</a:t>
-            </a:r>
-            <a:endParaRPr lang="ru-RU" sz="2000" dirty="0">
-              <a:solidFill>
-                <a:srgbClr val="000000"/>
-              </a:solidFill>
-              <a:uFill>
-                <a:solidFill>
-                  <a:srgbClr val="000000"/>
-                </a:solidFill>
-              </a:uFill>
-              <a:latin typeface="Times New Roman" panose="02020603050405020304" pitchFamily="18" charset="0"/>
-              <a:ea typeface="Arial Unicode MS"/>
-              <a:cs typeface="Arial Unicode MS"/>
-            </a:endParaRPr>
-          </a:p>
-          <a:p>
-            <a:pPr marL="0" lvl="0" indent="450000" algn="just">
-              <a:lnSpc>
-                <a:spcPct val="150000"/>
-              </a:lnSpc>
-              <a:spcBef>
-                <a:spcPts val="0"/>
-              </a:spcBef>
-              <a:spcAft>
-                <a:spcPts val="0"/>
-              </a:spcAft>
-              <a:buFont typeface="Symbol" panose="05050102010706020507" pitchFamily="18" charset="2"/>
-              <a:buChar char=""/>
-            </a:pPr>
-            <a:r>
-              <a:rPr lang="ru-RU" sz="2400" dirty="0">
-                <a:solidFill>
-                  <a:srgbClr val="000000"/>
-                </a:solidFill>
-                <a:uFill>
-                  <a:solidFill>
-                    <a:srgbClr val="000000"/>
-                  </a:solidFill>
-                </a:uFill>
-                <a:latin typeface="Times New Roman" panose="02020603050405020304" pitchFamily="18" charset="0"/>
-                <a:ea typeface="Arial Unicode MS"/>
-                <a:cs typeface="Arial Unicode MS"/>
-              </a:rPr>
-              <a:t>Сражаться с монстрами</a:t>
-            </a:r>
-            <a:r>
-              <a:rPr lang="en-US" sz="2400" dirty="0">
-                <a:solidFill>
-                  <a:srgbClr val="000000"/>
-                </a:solidFill>
-                <a:uFill>
-                  <a:solidFill>
-                    <a:srgbClr val="000000"/>
-                  </a:solidFill>
-                </a:uFill>
-                <a:latin typeface="Times New Roman" panose="02020603050405020304" pitchFamily="18" charset="0"/>
-                <a:ea typeface="Arial Unicode MS"/>
-                <a:cs typeface="Arial Unicode MS"/>
-              </a:rPr>
-              <a:t>;</a:t>
-            </a:r>
-            <a:endParaRPr lang="ru-RU" sz="2000" dirty="0">
-              <a:solidFill>
-                <a:srgbClr val="000000"/>
-              </a:solidFill>
-              <a:uFill>
-                <a:solidFill>
-                  <a:srgbClr val="000000"/>
-                </a:solidFill>
-              </a:uFill>
-              <a:latin typeface="Times New Roman" panose="02020603050405020304" pitchFamily="18" charset="0"/>
-              <a:ea typeface="Arial Unicode MS"/>
-              <a:cs typeface="Arial Unicode MS"/>
-            </a:endParaRPr>
-          </a:p>
-          <a:p>
-            <a:pPr marL="0" lvl="0" indent="450000" algn="just">
-              <a:lnSpc>
-                <a:spcPct val="150000"/>
-              </a:lnSpc>
-              <a:spcBef>
-                <a:spcPts val="0"/>
-              </a:spcBef>
-              <a:spcAft>
-                <a:spcPts val="0"/>
-              </a:spcAft>
-              <a:buFont typeface="Symbol" panose="05050102010706020507" pitchFamily="18" charset="2"/>
-              <a:buChar char=""/>
-            </a:pPr>
-            <a:r>
-              <a:rPr lang="ru-RU" sz="2400" dirty="0">
-                <a:solidFill>
-                  <a:srgbClr val="000000"/>
-                </a:solidFill>
-                <a:uFill>
-                  <a:solidFill>
-                    <a:srgbClr val="000000"/>
-                  </a:solidFill>
-                </a:uFill>
-                <a:latin typeface="Times New Roman" panose="02020603050405020304" pitchFamily="18" charset="0"/>
-                <a:ea typeface="Arial Unicode MS"/>
-                <a:cs typeface="Arial Unicode MS"/>
-              </a:rPr>
-              <a:t>Собирать ресурсы</a:t>
-            </a:r>
-            <a:r>
-              <a:rPr lang="en-US" sz="2400" dirty="0">
-                <a:solidFill>
-                  <a:srgbClr val="000000"/>
-                </a:solidFill>
-                <a:uFill>
-                  <a:solidFill>
-                    <a:srgbClr val="000000"/>
-                  </a:solidFill>
-                </a:uFill>
-                <a:latin typeface="Times New Roman" panose="02020603050405020304" pitchFamily="18" charset="0"/>
-                <a:ea typeface="Arial Unicode MS"/>
-                <a:cs typeface="Arial Unicode MS"/>
-              </a:rPr>
-              <a:t>;</a:t>
-            </a:r>
-            <a:endParaRPr lang="ru-RU" sz="2000" dirty="0">
-              <a:solidFill>
-                <a:srgbClr val="000000"/>
-              </a:solidFill>
-              <a:uFill>
-                <a:solidFill>
-                  <a:srgbClr val="000000"/>
-                </a:solidFill>
-              </a:uFill>
-              <a:latin typeface="Times New Roman" panose="02020603050405020304" pitchFamily="18" charset="0"/>
-              <a:ea typeface="Arial Unicode MS"/>
-              <a:cs typeface="Arial Unicode MS"/>
-            </a:endParaRPr>
-          </a:p>
-          <a:p>
-            <a:pPr marL="0" lvl="0" indent="450000" algn="just">
-              <a:lnSpc>
-                <a:spcPct val="150000"/>
-              </a:lnSpc>
-              <a:spcBef>
-                <a:spcPts val="0"/>
-              </a:spcBef>
-              <a:spcAft>
-                <a:spcPts val="0"/>
-              </a:spcAft>
-              <a:buFont typeface="Symbol" panose="05050102010706020507" pitchFamily="18" charset="2"/>
-              <a:buChar char=""/>
-            </a:pPr>
-            <a:r>
-              <a:rPr lang="ru-RU" sz="2400" dirty="0">
-                <a:solidFill>
-                  <a:srgbClr val="000000"/>
-                </a:solidFill>
-                <a:uFill>
-                  <a:solidFill>
-                    <a:srgbClr val="000000"/>
-                  </a:solidFill>
-                </a:uFill>
-                <a:latin typeface="Times New Roman" panose="02020603050405020304" pitchFamily="18" charset="0"/>
-                <a:ea typeface="Arial Unicode MS"/>
-                <a:cs typeface="Arial Unicode MS"/>
-              </a:rPr>
-              <a:t>Прокачивать персонажа</a:t>
-            </a:r>
-            <a:r>
-              <a:rPr lang="en-US" sz="2400" dirty="0">
-                <a:solidFill>
-                  <a:srgbClr val="000000"/>
-                </a:solidFill>
-                <a:uFill>
-                  <a:solidFill>
-                    <a:srgbClr val="000000"/>
-                  </a:solidFill>
-                </a:uFill>
-                <a:latin typeface="Times New Roman" panose="02020603050405020304" pitchFamily="18" charset="0"/>
-                <a:ea typeface="Arial Unicode MS"/>
-                <a:cs typeface="Arial Unicode MS"/>
-              </a:rPr>
-              <a:t>;</a:t>
-            </a:r>
-            <a:endParaRPr lang="ru-RU" sz="2000" dirty="0">
-              <a:solidFill>
-                <a:srgbClr val="000000"/>
-              </a:solidFill>
-              <a:uFill>
-                <a:solidFill>
-                  <a:srgbClr val="000000"/>
-                </a:solidFill>
-              </a:uFill>
-              <a:latin typeface="Times New Roman" panose="02020603050405020304" pitchFamily="18" charset="0"/>
-              <a:ea typeface="Arial Unicode MS"/>
-              <a:cs typeface="Arial Unicode MS"/>
-            </a:endParaRPr>
-          </a:p>
-          <a:p>
-            <a:pPr marL="0" lvl="0" indent="450000" algn="just">
-              <a:lnSpc>
-                <a:spcPct val="150000"/>
-              </a:lnSpc>
-              <a:spcBef>
-                <a:spcPts val="0"/>
-              </a:spcBef>
-              <a:spcAft>
-                <a:spcPts val="0"/>
-              </a:spcAft>
-              <a:buFont typeface="Symbol" panose="05050102010706020507" pitchFamily="18" charset="2"/>
-              <a:buChar char=""/>
-            </a:pPr>
-            <a:r>
-              <a:rPr lang="ru-RU" sz="2400" dirty="0">
-                <a:solidFill>
-                  <a:srgbClr val="000000"/>
-                </a:solidFill>
-                <a:uFill>
-                  <a:solidFill>
-                    <a:srgbClr val="000000"/>
-                  </a:solidFill>
-                </a:uFill>
-                <a:latin typeface="Times New Roman" panose="02020603050405020304" pitchFamily="18" charset="0"/>
-                <a:ea typeface="Arial Unicode MS"/>
-                <a:cs typeface="Arial Unicode MS"/>
-              </a:rPr>
-              <a:t>Использовать магию</a:t>
-            </a:r>
-            <a:r>
-              <a:rPr lang="en-US" sz="2400" dirty="0">
-                <a:solidFill>
-                  <a:srgbClr val="000000"/>
-                </a:solidFill>
-                <a:uFill>
-                  <a:solidFill>
-                    <a:srgbClr val="000000"/>
-                  </a:solidFill>
-                </a:uFill>
-                <a:latin typeface="Times New Roman" panose="02020603050405020304" pitchFamily="18" charset="0"/>
-                <a:ea typeface="Arial Unicode MS"/>
-                <a:cs typeface="Arial Unicode MS"/>
-              </a:rPr>
-              <a:t>;</a:t>
-            </a:r>
-            <a:endParaRPr lang="ru-RU" sz="2000" dirty="0">
-              <a:solidFill>
-                <a:srgbClr val="000000"/>
-              </a:solidFill>
-              <a:uFill>
-                <a:solidFill>
-                  <a:srgbClr val="000000"/>
-                </a:solidFill>
-              </a:uFill>
-              <a:latin typeface="Times New Roman" panose="02020603050405020304" pitchFamily="18" charset="0"/>
-              <a:ea typeface="Arial Unicode MS"/>
-              <a:cs typeface="Arial Unicode MS"/>
-            </a:endParaRPr>
-          </a:p>
-          <a:p>
-            <a:pPr marL="0" lvl="0" indent="450000" algn="just">
-              <a:lnSpc>
-                <a:spcPct val="150000"/>
-              </a:lnSpc>
-              <a:spcBef>
-                <a:spcPts val="0"/>
-              </a:spcBef>
-              <a:spcAft>
-                <a:spcPts val="0"/>
-              </a:spcAft>
-              <a:buFont typeface="Symbol" panose="05050102010706020507" pitchFamily="18" charset="2"/>
-              <a:buChar char=""/>
-            </a:pPr>
-            <a:r>
-              <a:rPr lang="ru-RU" sz="2400" dirty="0">
-                <a:solidFill>
-                  <a:srgbClr val="000000"/>
-                </a:solidFill>
-                <a:uFill>
-                  <a:solidFill>
-                    <a:srgbClr val="000000"/>
-                  </a:solidFill>
-                </a:uFill>
-                <a:latin typeface="Times New Roman" panose="02020603050405020304" pitchFamily="18" charset="0"/>
-                <a:ea typeface="Arial Unicode MS"/>
-                <a:cs typeface="Arial Unicode MS"/>
-              </a:rPr>
-              <a:t>Взаимодействовать с предметами</a:t>
-            </a:r>
-            <a:r>
-              <a:rPr lang="en-US" sz="2400" dirty="0">
-                <a:solidFill>
-                  <a:srgbClr val="000000"/>
-                </a:solidFill>
-                <a:uFill>
-                  <a:solidFill>
-                    <a:srgbClr val="000000"/>
-                  </a:solidFill>
-                </a:uFill>
-                <a:latin typeface="Times New Roman" panose="02020603050405020304" pitchFamily="18" charset="0"/>
-                <a:ea typeface="Arial Unicode MS"/>
-                <a:cs typeface="Arial Unicode MS"/>
-              </a:rPr>
-              <a:t>;</a:t>
-            </a:r>
-            <a:endParaRPr lang="ru-RU" sz="2000" dirty="0">
-              <a:solidFill>
-                <a:srgbClr val="000000"/>
-              </a:solidFill>
-              <a:uFill>
-                <a:solidFill>
-                  <a:srgbClr val="000000"/>
-                </a:solidFill>
-              </a:uFill>
-              <a:latin typeface="Times New Roman" panose="02020603050405020304" pitchFamily="18" charset="0"/>
-              <a:ea typeface="Arial Unicode MS"/>
-              <a:cs typeface="Arial Unicode MS"/>
-            </a:endParaRPr>
-          </a:p>
-          <a:p>
-            <a:pPr algn="just">
-              <a:lnSpc>
-                <a:spcPct val="150000"/>
-              </a:lnSpc>
-              <a:spcBef>
-                <a:spcPts val="0"/>
-              </a:spcBef>
-            </a:pPr>
-            <a:endParaRPr lang="en-US" sz="2400" dirty="0" smtClean="0">
-              <a:latin typeface="Times New Roman" panose="02020603050405020304" pitchFamily="18" charset="0"/>
-              <a:ea typeface="Arial Unicode MS"/>
-              <a:cs typeface="Calibri" panose="020F0502020204030204" pitchFamily="34" charset="0"/>
-            </a:endParaRPr>
-          </a:p>
-          <a:p>
-            <a:pPr algn="just">
-              <a:lnSpc>
-                <a:spcPct val="150000"/>
-              </a:lnSpc>
-              <a:spcBef>
-                <a:spcPts val="0"/>
-              </a:spcBef>
-            </a:pPr>
-            <a:endParaRPr lang="ru-RU" sz="2400" dirty="0" smtClean="0">
+                <a:latin typeface="Times New Roman" panose="02020603050405020304" pitchFamily="18" charset="0"/>
+                <a:ea typeface="Calibri" panose="020F0502020204030204" pitchFamily="34" charset="0"/>
+                <a:cs typeface="Calibri" panose="020F0502020204030204" pitchFamily="34" charset="0"/>
+              </a:rPr>
+              <a:t>Разработанная в рамках данной дипломной работы компьютерная игра предназначена для организации досуга, снятия стресса, создания захватывающей и запоминающейся игровой вселенной с увлекательным геймплеем.</a:t>
+            </a:r>
+            <a:endParaRPr lang="ru-RU" sz="2400" dirty="0">
               <a:latin typeface="Times New Roman" panose="02020603050405020304" pitchFamily="18" charset="0"/>
               <a:ea typeface="Arial Unicode MS"/>
             </a:endParaRPr>
           </a:p>
+          <a:p>
+            <a:pPr marL="0" indent="0">
+              <a:buNone/>
+            </a:pPr>
+            <a:endParaRPr lang="ru-RU" dirty="0"/>
+          </a:p>
         </p:txBody>
       </p:sp>
       <p:sp>
@@ -6929,8 +6698,8 @@
         </p:nvSpPr>
         <p:spPr>
           <a:xfrm>
-            <a:off x="5502166" y="0"/>
-            <a:ext cx="6689834" cy="1079938"/>
+            <a:off x="5505450" y="0"/>
+            <a:ext cx="6686549" cy="1190624"/>
           </a:xfrm>
           <a:prstGeom prst="rect">
             <a:avLst/>
@@ -7111,7 +6880,7 @@
                 <a:latin typeface="Times New Roman" panose="02020603050405020304" pitchFamily="18" charset="0"/>
                 <a:cs typeface="Times New Roman" panose="02020603050405020304" pitchFamily="18" charset="0"/>
               </a:rPr>
-              <a:t>Основные функции</a:t>
+              <a:t>Введение</a:t>
             </a:r>
             <a:endParaRPr lang="ru-RU" sz="4400" dirty="0"/>
           </a:p>
@@ -7120,7 +6889,7 @@
     </p:spTree>
     <p:extLst>
       <p:ext uri="{BB962C8B-B14F-4D97-AF65-F5344CB8AC3E}">
-        <p14:creationId xmlns:p14="http://schemas.microsoft.com/office/powerpoint/2010/main" val="295981650"/>
+        <p14:creationId xmlns:p14="http://schemas.microsoft.com/office/powerpoint/2010/main" val="4123485768"/>
       </p:ext>
     </p:extLst>
   </p:cSld>
@@ -7181,10 +6950,14 @@
               <a:spcBef>
                 <a:spcPts val="0"/>
               </a:spcBef>
-              <a:buNone/>
+              <a:spcAft>
+                <a:spcPts val="0"/>
+              </a:spcAft>
+              <a:buFont typeface="Symbol" panose="05050102010706020507" pitchFamily="18" charset="2"/>
+              <a:buChar char=""/>
             </a:pPr>
             <a:r>
-              <a:rPr lang="ru-RU" sz="2400" dirty="0" smtClean="0">
+              <a:rPr lang="ru-RU" sz="2400" dirty="0">
                 <a:solidFill>
                   <a:srgbClr val="000000"/>
                 </a:solidFill>
@@ -7197,10 +6970,10 @@
                 <a:ea typeface="Arial Unicode MS"/>
                 <a:cs typeface="Arial Unicode MS"/>
               </a:rPr>
-              <a:t>Сохранение данных реализовано в виде бинарной сериализации данных.</a:t>
-            </a:r>
-            <a:r>
-              <a:rPr lang="ru-RU" sz="2000" dirty="0" smtClean="0">
+              <a:t>Исследовать огромный мир</a:t>
+            </a:r>
+            <a:r>
+              <a:rPr lang="en-US" sz="2400" dirty="0">
                 <a:solidFill>
                   <a:srgbClr val="000000"/>
                 </a:solidFill>
@@ -7213,8 +6986,21 @@
                 <a:ea typeface="Arial Unicode MS"/>
                 <a:cs typeface="Arial Unicode MS"/>
               </a:rPr>
-              <a:t> </a:t>
-            </a:r>
+              <a:t>;</a:t>
+            </a:r>
+            <a:endParaRPr lang="ru-RU" sz="2000" dirty="0">
+              <a:solidFill>
+                <a:srgbClr val="000000"/>
+              </a:solidFill>
+              <a:uFill>
+                <a:solidFill>
+                  <a:srgbClr val="000000"/>
+                </a:solidFill>
+              </a:uFill>
+              <a:latin typeface="Times New Roman" panose="02020603050405020304" pitchFamily="18" charset="0"/>
+              <a:ea typeface="Arial Unicode MS"/>
+              <a:cs typeface="Arial Unicode MS"/>
+            </a:endParaRPr>
           </a:p>
           <a:p>
             <a:pPr marL="0" lvl="0" indent="450000" algn="just">
@@ -7224,27 +7010,300 @@
               <a:spcBef>
                 <a:spcPts val="0"/>
               </a:spcBef>
-              <a:buNone/>
+              <a:spcAft>
+                <a:spcPts val="0"/>
+              </a:spcAft>
+              <a:buFont typeface="Symbol" panose="05050102010706020507" pitchFamily="18" charset="2"/>
+              <a:buChar char=""/>
             </a:pPr>
             <a:r>
-              <a:rPr lang="ru-RU" sz="2400" dirty="0" smtClean="0">
+              <a:rPr lang="ru-RU" sz="2400" dirty="0">
+                <a:solidFill>
+                  <a:srgbClr val="000000"/>
+                </a:solidFill>
+                <a:uFill>
+                  <a:solidFill>
+                    <a:srgbClr val="000000"/>
+                  </a:solidFill>
+                </a:uFill>
                 <a:latin typeface="Times New Roman" panose="02020603050405020304" pitchFamily="18" charset="0"/>
                 <a:ea typeface="Arial Unicode MS"/>
-                <a:cs typeface="Calibri" panose="020F0502020204030204" pitchFamily="34" charset="0"/>
-              </a:rPr>
-              <a:t>Преимущества бинарной сериализации</a:t>
-            </a:r>
-            <a:r>
-              <a:rPr lang="en-US" sz="2400" dirty="0" smtClean="0">
+                <a:cs typeface="Arial Unicode MS"/>
+              </a:rPr>
+              <a:t>Сражаться с монстрами</a:t>
+            </a:r>
+            <a:r>
+              <a:rPr lang="en-US" sz="2400" dirty="0">
+                <a:solidFill>
+                  <a:srgbClr val="000000"/>
+                </a:solidFill>
+                <a:uFill>
+                  <a:solidFill>
+                    <a:srgbClr val="000000"/>
+                  </a:solidFill>
+                </a:uFill>
                 <a:latin typeface="Times New Roman" panose="02020603050405020304" pitchFamily="18" charset="0"/>
                 <a:ea typeface="Arial Unicode MS"/>
-                <a:cs typeface="Calibri" panose="020F0502020204030204" pitchFamily="34" charset="0"/>
-              </a:rPr>
-              <a:t>:</a:t>
-            </a:r>
-          </a:p>
-          <a:p>
-            <a:pPr marL="0" indent="450000" algn="just">
+                <a:cs typeface="Arial Unicode MS"/>
+              </a:rPr>
+              <a:t>;</a:t>
+            </a:r>
+            <a:endParaRPr lang="ru-RU" sz="2000" dirty="0">
+              <a:solidFill>
+                <a:srgbClr val="000000"/>
+              </a:solidFill>
+              <a:uFill>
+                <a:solidFill>
+                  <a:srgbClr val="000000"/>
+                </a:solidFill>
+              </a:uFill>
+              <a:latin typeface="Times New Roman" panose="02020603050405020304" pitchFamily="18" charset="0"/>
+              <a:ea typeface="Arial Unicode MS"/>
+              <a:cs typeface="Arial Unicode MS"/>
+            </a:endParaRPr>
+          </a:p>
+          <a:p>
+            <a:pPr marL="0" lvl="0" indent="450000" algn="just">
+              <a:lnSpc>
+                <a:spcPct val="150000"/>
+              </a:lnSpc>
+              <a:spcBef>
+                <a:spcPts val="0"/>
+              </a:spcBef>
+              <a:spcAft>
+                <a:spcPts val="0"/>
+              </a:spcAft>
+              <a:buFont typeface="Symbol" panose="05050102010706020507" pitchFamily="18" charset="2"/>
+              <a:buChar char=""/>
+            </a:pPr>
+            <a:r>
+              <a:rPr lang="ru-RU" sz="2400" dirty="0">
+                <a:solidFill>
+                  <a:srgbClr val="000000"/>
+                </a:solidFill>
+                <a:uFill>
+                  <a:solidFill>
+                    <a:srgbClr val="000000"/>
+                  </a:solidFill>
+                </a:uFill>
+                <a:latin typeface="Times New Roman" panose="02020603050405020304" pitchFamily="18" charset="0"/>
+                <a:ea typeface="Arial Unicode MS"/>
+                <a:cs typeface="Arial Unicode MS"/>
+              </a:rPr>
+              <a:t>Собирать ресурсы</a:t>
+            </a:r>
+            <a:r>
+              <a:rPr lang="en-US" sz="2400" dirty="0">
+                <a:solidFill>
+                  <a:srgbClr val="000000"/>
+                </a:solidFill>
+                <a:uFill>
+                  <a:solidFill>
+                    <a:srgbClr val="000000"/>
+                  </a:solidFill>
+                </a:uFill>
+                <a:latin typeface="Times New Roman" panose="02020603050405020304" pitchFamily="18" charset="0"/>
+                <a:ea typeface="Arial Unicode MS"/>
+                <a:cs typeface="Arial Unicode MS"/>
+              </a:rPr>
+              <a:t>;</a:t>
+            </a:r>
+            <a:endParaRPr lang="ru-RU" sz="2000" dirty="0">
+              <a:solidFill>
+                <a:srgbClr val="000000"/>
+              </a:solidFill>
+              <a:uFill>
+                <a:solidFill>
+                  <a:srgbClr val="000000"/>
+                </a:solidFill>
+              </a:uFill>
+              <a:latin typeface="Times New Roman" panose="02020603050405020304" pitchFamily="18" charset="0"/>
+              <a:ea typeface="Arial Unicode MS"/>
+              <a:cs typeface="Arial Unicode MS"/>
+            </a:endParaRPr>
+          </a:p>
+          <a:p>
+            <a:pPr marL="0" lvl="0" indent="450000" algn="just">
+              <a:lnSpc>
+                <a:spcPct val="150000"/>
+              </a:lnSpc>
+              <a:spcBef>
+                <a:spcPts val="0"/>
+              </a:spcBef>
+              <a:spcAft>
+                <a:spcPts val="0"/>
+              </a:spcAft>
+              <a:buFont typeface="Symbol" panose="05050102010706020507" pitchFamily="18" charset="2"/>
+              <a:buChar char=""/>
+            </a:pPr>
+            <a:r>
+              <a:rPr lang="ru-RU" sz="2400" dirty="0">
+                <a:solidFill>
+                  <a:srgbClr val="000000"/>
+                </a:solidFill>
+                <a:uFill>
+                  <a:solidFill>
+                    <a:srgbClr val="000000"/>
+                  </a:solidFill>
+                </a:uFill>
+                <a:latin typeface="Times New Roman" panose="02020603050405020304" pitchFamily="18" charset="0"/>
+                <a:ea typeface="Arial Unicode MS"/>
+                <a:cs typeface="Arial Unicode MS"/>
+              </a:rPr>
+              <a:t>Прокачивать персонажа</a:t>
+            </a:r>
+            <a:r>
+              <a:rPr lang="en-US" sz="2400" dirty="0">
+                <a:solidFill>
+                  <a:srgbClr val="000000"/>
+                </a:solidFill>
+                <a:uFill>
+                  <a:solidFill>
+                    <a:srgbClr val="000000"/>
+                  </a:solidFill>
+                </a:uFill>
+                <a:latin typeface="Times New Roman" panose="02020603050405020304" pitchFamily="18" charset="0"/>
+                <a:ea typeface="Arial Unicode MS"/>
+                <a:cs typeface="Arial Unicode MS"/>
+              </a:rPr>
+              <a:t>;</a:t>
+            </a:r>
+            <a:endParaRPr lang="ru-RU" sz="2000" dirty="0">
+              <a:solidFill>
+                <a:srgbClr val="000000"/>
+              </a:solidFill>
+              <a:uFill>
+                <a:solidFill>
+                  <a:srgbClr val="000000"/>
+                </a:solidFill>
+              </a:uFill>
+              <a:latin typeface="Times New Roman" panose="02020603050405020304" pitchFamily="18" charset="0"/>
+              <a:ea typeface="Arial Unicode MS"/>
+              <a:cs typeface="Arial Unicode MS"/>
+            </a:endParaRPr>
+          </a:p>
+          <a:p>
+            <a:pPr marL="0" lvl="0" indent="450000" algn="just">
+              <a:lnSpc>
+                <a:spcPct val="150000"/>
+              </a:lnSpc>
+              <a:spcBef>
+                <a:spcPts val="0"/>
+              </a:spcBef>
+              <a:spcAft>
+                <a:spcPts val="0"/>
+              </a:spcAft>
+              <a:buFont typeface="Symbol" panose="05050102010706020507" pitchFamily="18" charset="2"/>
+              <a:buChar char=""/>
+            </a:pPr>
+            <a:r>
+              <a:rPr lang="ru-RU" sz="2400" dirty="0">
+                <a:solidFill>
+                  <a:srgbClr val="000000"/>
+                </a:solidFill>
+                <a:uFill>
+                  <a:solidFill>
+                    <a:srgbClr val="000000"/>
+                  </a:solidFill>
+                </a:uFill>
+                <a:latin typeface="Times New Roman" panose="02020603050405020304" pitchFamily="18" charset="0"/>
+                <a:ea typeface="Arial Unicode MS"/>
+                <a:cs typeface="Arial Unicode MS"/>
+              </a:rPr>
+              <a:t>Использовать магию</a:t>
+            </a:r>
+            <a:r>
+              <a:rPr lang="en-US" sz="2400" dirty="0">
+                <a:solidFill>
+                  <a:srgbClr val="000000"/>
+                </a:solidFill>
+                <a:uFill>
+                  <a:solidFill>
+                    <a:srgbClr val="000000"/>
+                  </a:solidFill>
+                </a:uFill>
+                <a:latin typeface="Times New Roman" panose="02020603050405020304" pitchFamily="18" charset="0"/>
+                <a:ea typeface="Arial Unicode MS"/>
+                <a:cs typeface="Arial Unicode MS"/>
+              </a:rPr>
+              <a:t>;</a:t>
+            </a:r>
+            <a:endParaRPr lang="ru-RU" sz="2000" dirty="0">
+              <a:solidFill>
+                <a:srgbClr val="000000"/>
+              </a:solidFill>
+              <a:uFill>
+                <a:solidFill>
+                  <a:srgbClr val="000000"/>
+                </a:solidFill>
+              </a:uFill>
+              <a:latin typeface="Times New Roman" panose="02020603050405020304" pitchFamily="18" charset="0"/>
+              <a:ea typeface="Arial Unicode MS"/>
+              <a:cs typeface="Arial Unicode MS"/>
+            </a:endParaRPr>
+          </a:p>
+          <a:p>
+            <a:pPr marL="0" lvl="0" indent="450000" algn="just">
+              <a:lnSpc>
+                <a:spcPct val="150000"/>
+              </a:lnSpc>
+              <a:spcBef>
+                <a:spcPts val="0"/>
+              </a:spcBef>
+              <a:spcAft>
+                <a:spcPts val="0"/>
+              </a:spcAft>
+              <a:buFont typeface="Symbol" panose="05050102010706020507" pitchFamily="18" charset="2"/>
+              <a:buChar char=""/>
+            </a:pPr>
+            <a:r>
+              <a:rPr lang="ru-RU" sz="2400" dirty="0">
+                <a:solidFill>
+                  <a:srgbClr val="000000"/>
+                </a:solidFill>
+                <a:uFill>
+                  <a:solidFill>
+                    <a:srgbClr val="000000"/>
+                  </a:solidFill>
+                </a:uFill>
+                <a:latin typeface="Times New Roman" panose="02020603050405020304" pitchFamily="18" charset="0"/>
+                <a:ea typeface="Arial Unicode MS"/>
+                <a:cs typeface="Arial Unicode MS"/>
+              </a:rPr>
+              <a:t>Взаимодействовать с предметами</a:t>
+            </a:r>
+            <a:r>
+              <a:rPr lang="en-US" sz="2400" dirty="0">
+                <a:solidFill>
+                  <a:srgbClr val="000000"/>
+                </a:solidFill>
+                <a:uFill>
+                  <a:solidFill>
+                    <a:srgbClr val="000000"/>
+                  </a:solidFill>
+                </a:uFill>
+                <a:latin typeface="Times New Roman" panose="02020603050405020304" pitchFamily="18" charset="0"/>
+                <a:ea typeface="Arial Unicode MS"/>
+                <a:cs typeface="Arial Unicode MS"/>
+              </a:rPr>
+              <a:t>;</a:t>
+            </a:r>
+            <a:endParaRPr lang="ru-RU" sz="2000" dirty="0">
+              <a:solidFill>
+                <a:srgbClr val="000000"/>
+              </a:solidFill>
+              <a:uFill>
+                <a:solidFill>
+                  <a:srgbClr val="000000"/>
+                </a:solidFill>
+              </a:uFill>
+              <a:latin typeface="Times New Roman" panose="02020603050405020304" pitchFamily="18" charset="0"/>
+              <a:ea typeface="Arial Unicode MS"/>
+              <a:cs typeface="Arial Unicode MS"/>
+            </a:endParaRPr>
+          </a:p>
+          <a:p>
+            <a:pPr algn="just">
               <a:lnSpc>
                 <a:spcPct val="150000"/>
               </a:lnSpc>
@@ -7252,162 +7311,20 @@
                 <a:spcPts val="0"/>
               </a:spcBef>
             </a:pPr>
-            <a:r>
-              <a:rPr lang="ru-RU" sz="2400" dirty="0">
-                <a:latin typeface="Times New Roman" panose="02020603050405020304" pitchFamily="18" charset="0"/>
-                <a:ea typeface="Arial Unicode MS"/>
-                <a:cs typeface="Calibri" panose="020F0502020204030204" pitchFamily="34" charset="0"/>
-              </a:rPr>
-              <a:t>Н</a:t>
-            </a:r>
-            <a:r>
-              <a:rPr lang="ru-RU" sz="2400" dirty="0" smtClean="0">
-                <a:latin typeface="Times New Roman" panose="02020603050405020304" pitchFamily="18" charset="0"/>
-                <a:ea typeface="Arial Unicode MS"/>
-                <a:cs typeface="Calibri" panose="020F0502020204030204" pitchFamily="34" charset="0"/>
-              </a:rPr>
-              <a:t>ечитабельное </a:t>
-            </a:r>
-            <a:r>
-              <a:rPr lang="ru-RU" sz="2400" dirty="0">
-                <a:latin typeface="Times New Roman" panose="02020603050405020304" pitchFamily="18" charset="0"/>
-                <a:ea typeface="Arial Unicode MS"/>
-                <a:cs typeface="Calibri" panose="020F0502020204030204" pitchFamily="34" charset="0"/>
-              </a:rPr>
-              <a:t>содержимое, позволяющее скрыть информацию от сторонних </a:t>
-            </a:r>
-            <a:r>
-              <a:rPr lang="ru-RU" sz="2400" dirty="0" smtClean="0">
-                <a:latin typeface="Times New Roman" panose="02020603050405020304" pitchFamily="18" charset="0"/>
-                <a:ea typeface="Arial Unicode MS"/>
-                <a:cs typeface="Calibri" panose="020F0502020204030204" pitchFamily="34" charset="0"/>
-              </a:rPr>
-              <a:t>глаз</a:t>
-            </a:r>
-            <a:r>
-              <a:rPr lang="en-US" sz="2400" dirty="0" smtClean="0">
-                <a:latin typeface="Times New Roman" panose="02020603050405020304" pitchFamily="18" charset="0"/>
-                <a:ea typeface="Arial Unicode MS"/>
-                <a:cs typeface="Calibri" panose="020F0502020204030204" pitchFamily="34" charset="0"/>
-              </a:rPr>
-              <a:t>;</a:t>
-            </a:r>
-          </a:p>
-          <a:p>
-            <a:pPr marL="0" indent="450000" algn="just">
+            <a:endParaRPr lang="en-US" sz="2400" dirty="0" smtClean="0">
+              <a:latin typeface="Times New Roman" panose="02020603050405020304" pitchFamily="18" charset="0"/>
+              <a:ea typeface="Arial Unicode MS"/>
+              <a:cs typeface="Calibri" panose="020F0502020204030204" pitchFamily="34" charset="0"/>
+            </a:endParaRPr>
+          </a:p>
+          <a:p>
+            <a:pPr algn="just">
               <a:lnSpc>
                 <a:spcPct val="150000"/>
               </a:lnSpc>
               <a:spcBef>
                 <a:spcPts val="0"/>
               </a:spcBef>
-            </a:pPr>
-            <a:r>
-              <a:rPr lang="ru-RU" sz="2400" dirty="0">
-                <a:latin typeface="Times New Roman" panose="02020603050405020304" pitchFamily="18" charset="0"/>
-                <a:ea typeface="Arial Unicode MS"/>
-                <a:cs typeface="Calibri" panose="020F0502020204030204" pitchFamily="34" charset="0"/>
-              </a:rPr>
-              <a:t>П</a:t>
-            </a:r>
-            <a:r>
-              <a:rPr lang="ru-RU" sz="2400" dirty="0" smtClean="0">
-                <a:latin typeface="Times New Roman" panose="02020603050405020304" pitchFamily="18" charset="0"/>
-                <a:ea typeface="Arial Unicode MS"/>
-                <a:cs typeface="Calibri" panose="020F0502020204030204" pitchFamily="34" charset="0"/>
-              </a:rPr>
-              <a:t>оддерживает </a:t>
-            </a:r>
-            <a:r>
-              <a:rPr lang="ru-RU" sz="2400" dirty="0">
-                <a:latin typeface="Times New Roman" panose="02020603050405020304" pitchFamily="18" charset="0"/>
-                <a:ea typeface="Arial Unicode MS"/>
-                <a:cs typeface="Calibri" panose="020F0502020204030204" pitchFamily="34" charset="0"/>
-              </a:rPr>
-              <a:t>больше типов для </a:t>
-            </a:r>
-            <a:r>
-              <a:rPr lang="ru-RU" sz="2400" dirty="0" smtClean="0">
-                <a:latin typeface="Times New Roman" panose="02020603050405020304" pitchFamily="18" charset="0"/>
-                <a:ea typeface="Arial Unicode MS"/>
-                <a:cs typeface="Calibri" panose="020F0502020204030204" pitchFamily="34" charset="0"/>
-              </a:rPr>
-              <a:t>де/сериализации</a:t>
-            </a:r>
-            <a:r>
-              <a:rPr lang="en-US" sz="2400" dirty="0" smtClean="0">
-                <a:latin typeface="Times New Roman" panose="02020603050405020304" pitchFamily="18" charset="0"/>
-                <a:ea typeface="Arial Unicode MS"/>
-                <a:cs typeface="Calibri" panose="020F0502020204030204" pitchFamily="34" charset="0"/>
-              </a:rPr>
-              <a:t>;</a:t>
-            </a:r>
-          </a:p>
-          <a:p>
-            <a:pPr marL="0" indent="450000" algn="just">
-              <a:lnSpc>
-                <a:spcPct val="150000"/>
-              </a:lnSpc>
-              <a:spcBef>
-                <a:spcPts val="0"/>
-              </a:spcBef>
-              <a:buNone/>
-            </a:pPr>
-            <a:r>
-              <a:rPr lang="ru-RU" sz="2400" dirty="0">
-                <a:latin typeface="Times New Roman" panose="02020603050405020304" pitchFamily="18" charset="0"/>
-                <a:ea typeface="Arial Unicode MS"/>
-                <a:cs typeface="Calibri" panose="020F0502020204030204" pitchFamily="34" charset="0"/>
-              </a:rPr>
-              <a:t>Подходит к долговременной сериализации объектов Unity, где подразумевается сокрытие данных от </a:t>
-            </a:r>
-            <a:r>
-              <a:rPr lang="en-US" sz="2400" dirty="0" smtClean="0">
-                <a:latin typeface="Times New Roman" panose="02020603050405020304" pitchFamily="18" charset="0"/>
-                <a:ea typeface="Arial Unicode MS"/>
-                <a:cs typeface="Calibri" panose="020F0502020204030204" pitchFamily="34" charset="0"/>
-              </a:rPr>
-              <a:t>“</a:t>
-            </a:r>
-            <a:r>
-              <a:rPr lang="ru-RU" sz="2400" dirty="0" smtClean="0">
-                <a:latin typeface="Times New Roman" panose="02020603050405020304" pitchFamily="18" charset="0"/>
-                <a:ea typeface="Arial Unicode MS"/>
-                <a:cs typeface="Calibri" panose="020F0502020204030204" pitchFamily="34" charset="0"/>
-              </a:rPr>
-              <a:t>взломщиков</a:t>
-            </a:r>
-            <a:r>
-              <a:rPr lang="en-US" sz="2400" dirty="0" smtClean="0">
-                <a:latin typeface="Times New Roman" panose="02020603050405020304" pitchFamily="18" charset="0"/>
-                <a:ea typeface="Arial Unicode MS"/>
-                <a:cs typeface="Calibri" panose="020F0502020204030204" pitchFamily="34" charset="0"/>
-              </a:rPr>
-              <a:t>”</a:t>
-            </a:r>
-            <a:r>
-              <a:rPr lang="ru-RU" sz="2400" dirty="0" smtClean="0">
-                <a:latin typeface="Times New Roman" panose="02020603050405020304" pitchFamily="18" charset="0"/>
-                <a:ea typeface="Arial Unicode MS"/>
-                <a:cs typeface="Calibri" panose="020F0502020204030204" pitchFamily="34" charset="0"/>
-              </a:rPr>
-              <a:t>.</a:t>
-            </a:r>
-            <a:endParaRPr lang="en-US" sz="2400" dirty="0">
-              <a:latin typeface="Times New Roman" panose="02020603050405020304" pitchFamily="18" charset="0"/>
-              <a:ea typeface="Arial Unicode MS"/>
-              <a:cs typeface="Calibri" panose="020F0502020204030204" pitchFamily="34" charset="0"/>
-            </a:endParaRPr>
-          </a:p>
-          <a:p>
-            <a:pPr marL="0" indent="0" algn="just">
-              <a:lnSpc>
-                <a:spcPct val="150000"/>
-              </a:lnSpc>
-              <a:spcBef>
-                <a:spcPts val="0"/>
-              </a:spcBef>
-              <a:buNone/>
             </a:pPr>
             <a:endParaRPr lang="ru-RU" sz="2400" dirty="0" smtClean="0">
               <a:latin typeface="Times New Roman" panose="02020603050405020304" pitchFamily="18" charset="0"/>
@@ -7608,7 +7525,7 @@
                 <a:latin typeface="Times New Roman" panose="02020603050405020304" pitchFamily="18" charset="0"/>
                 <a:cs typeface="Times New Roman" panose="02020603050405020304" pitchFamily="18" charset="0"/>
               </a:rPr>
-              <a:t>Безопасность</a:t>
+              <a:t>Основные функции</a:t>
             </a:r>
             <a:endParaRPr lang="ru-RU" sz="4400" dirty="0"/>
           </a:p>
@@ -7617,7 +7534,7 @@
     </p:spTree>
     <p:extLst>
       <p:ext uri="{BB962C8B-B14F-4D97-AF65-F5344CB8AC3E}">
-        <p14:creationId xmlns:p14="http://schemas.microsoft.com/office/powerpoint/2010/main" val="242716700"/>
+        <p14:creationId xmlns:p14="http://schemas.microsoft.com/office/powerpoint/2010/main" val="295981650"/>
       </p:ext>
     </p:extLst>
   </p:cSld>
@@ -7653,6 +7570,268 @@
       </p:grpSpPr>
       <p:sp>
         <p:nvSpPr>
+          <p:cNvPr id="3" name="Объект 2"/>
+          <p:cNvSpPr>
+            <a:spLocks noGrp="1"/>
+          </p:cNvSpPr>
+          <p:nvPr>
+            <p:ph idx="1"/>
+          </p:nvPr>
+        </p:nvSpPr>
+        <p:spPr>
+          <a:xfrm>
+            <a:off x="0" y="1584434"/>
+            <a:ext cx="12192000" cy="5273566"/>
+          </a:xfrm>
+        </p:spPr>
+        <p:txBody>
+          <a:bodyPr/>
+          <a:lstStyle/>
+          <a:p>
+            <a:pPr marL="0" lvl="0" indent="450000" algn="just">
+              <a:lnSpc>
+                <a:spcPct val="150000"/>
+              </a:lnSpc>
+              <a:spcBef>
+                <a:spcPts val="0"/>
+              </a:spcBef>
+              <a:buNone/>
+            </a:pPr>
+            <a:r>
+              <a:rPr lang="ru-RU" sz="2400" dirty="0" smtClean="0">
+                <a:solidFill>
+                  <a:srgbClr val="000000"/>
+                </a:solidFill>
+                <a:uFill>
+                  <a:solidFill>
+                    <a:srgbClr val="000000"/>
+                  </a:solidFill>
+                </a:uFill>
+                <a:latin typeface="Times New Roman" panose="02020603050405020304" pitchFamily="18" charset="0"/>
+                <a:ea typeface="Arial Unicode MS"/>
+                <a:cs typeface="Arial Unicode MS"/>
+              </a:rPr>
+              <a:t>Сохранение данных реализовано в виде бинарной сериализации данных.</a:t>
+            </a:r>
+            <a:r>
+              <a:rPr lang="ru-RU" sz="2000" dirty="0" smtClean="0">
+                <a:solidFill>
+                  <a:srgbClr val="000000"/>
+                </a:solidFill>
+                <a:uFill>
+                  <a:solidFill>
+                    <a:srgbClr val="000000"/>
+                  </a:solidFill>
+                </a:uFill>
+                <a:latin typeface="Times New Roman" panose="02020603050405020304" pitchFamily="18" charset="0"/>
+                <a:ea typeface="Arial Unicode MS"/>
+                <a:cs typeface="Arial Unicode MS"/>
+              </a:rPr>
+              <a:t> </a:t>
+            </a:r>
+          </a:p>
+          <a:p>
+            <a:pPr marL="0" lvl="0" indent="450000" algn="just">
+              <a:lnSpc>
+                <a:spcPct val="150000"/>
+              </a:lnSpc>
+              <a:spcBef>
+                <a:spcPts val="0"/>
+              </a:spcBef>
+              <a:buNone/>
+            </a:pPr>
+            <a:r>
+              <a:rPr lang="ru-RU" sz="2400" dirty="0" smtClean="0">
+                <a:latin typeface="Times New Roman" panose="02020603050405020304" pitchFamily="18" charset="0"/>
+                <a:ea typeface="Arial Unicode MS"/>
+                <a:cs typeface="Calibri" panose="020F0502020204030204" pitchFamily="34" charset="0"/>
+              </a:rPr>
+              <a:t>Преимущества бинарной сериализации</a:t>
+            </a:r>
+            <a:r>
+              <a:rPr lang="en-US" sz="2400" dirty="0" smtClean="0">
+                <a:latin typeface="Times New Roman" panose="02020603050405020304" pitchFamily="18" charset="0"/>
+                <a:ea typeface="Arial Unicode MS"/>
+                <a:cs typeface="Calibri" panose="020F0502020204030204" pitchFamily="34" charset="0"/>
+              </a:rPr>
+              <a:t>:</a:t>
+            </a:r>
+          </a:p>
+          <a:p>
+            <a:pPr marL="0" indent="450000" algn="just">
+              <a:lnSpc>
+                <a:spcPct val="150000"/>
+              </a:lnSpc>
+              <a:spcBef>
+                <a:spcPts val="0"/>
+              </a:spcBef>
+            </a:pPr>
+            <a:r>
+              <a:rPr lang="ru-RU" sz="2400" dirty="0">
+                <a:latin typeface="Times New Roman" panose="02020603050405020304" pitchFamily="18" charset="0"/>
+                <a:ea typeface="Arial Unicode MS"/>
+                <a:cs typeface="Calibri" panose="020F0502020204030204" pitchFamily="34" charset="0"/>
+              </a:rPr>
+              <a:t>Н</a:t>
+            </a:r>
+            <a:r>
+              <a:rPr lang="ru-RU" sz="2400" dirty="0" smtClean="0">
+                <a:latin typeface="Times New Roman" panose="02020603050405020304" pitchFamily="18" charset="0"/>
+                <a:ea typeface="Arial Unicode MS"/>
+                <a:cs typeface="Calibri" panose="020F0502020204030204" pitchFamily="34" charset="0"/>
+              </a:rPr>
+              <a:t>ечитабельное </a:t>
+            </a:r>
+            <a:r>
+              <a:rPr lang="ru-RU" sz="2400" dirty="0">
+                <a:latin typeface="Times New Roman" panose="02020603050405020304" pitchFamily="18" charset="0"/>
+                <a:ea typeface="Arial Unicode MS"/>
+                <a:cs typeface="Calibri" panose="020F0502020204030204" pitchFamily="34" charset="0"/>
+              </a:rPr>
+              <a:t>содержимое, позволяющее скрыть информацию от сторонних </a:t>
+            </a:r>
+            <a:r>
+              <a:rPr lang="ru-RU" sz="2400" dirty="0" smtClean="0">
+                <a:latin typeface="Times New Roman" panose="02020603050405020304" pitchFamily="18" charset="0"/>
+                <a:ea typeface="Arial Unicode MS"/>
+                <a:cs typeface="Calibri" panose="020F0502020204030204" pitchFamily="34" charset="0"/>
+              </a:rPr>
+              <a:t>глаз</a:t>
+            </a:r>
+            <a:r>
+              <a:rPr lang="en-US" sz="2400" dirty="0" smtClean="0">
+                <a:latin typeface="Times New Roman" panose="02020603050405020304" pitchFamily="18" charset="0"/>
+                <a:ea typeface="Arial Unicode MS"/>
+                <a:cs typeface="Calibri" panose="020F0502020204030204" pitchFamily="34" charset="0"/>
+              </a:rPr>
+              <a:t>;</a:t>
+            </a:r>
+          </a:p>
+          <a:p>
+            <a:pPr marL="0" indent="450000" algn="just">
+              <a:lnSpc>
+                <a:spcPct val="150000"/>
+              </a:lnSpc>
+              <a:spcBef>
+                <a:spcPts val="0"/>
+              </a:spcBef>
+            </a:pPr>
+            <a:r>
+              <a:rPr lang="ru-RU" sz="2400" dirty="0">
+                <a:latin typeface="Times New Roman" panose="02020603050405020304" pitchFamily="18" charset="0"/>
+                <a:ea typeface="Arial Unicode MS"/>
+                <a:cs typeface="Calibri" panose="020F0502020204030204" pitchFamily="34" charset="0"/>
+              </a:rPr>
+              <a:t>П</a:t>
+            </a:r>
+            <a:r>
+              <a:rPr lang="ru-RU" sz="2400" dirty="0" smtClean="0">
+                <a:latin typeface="Times New Roman" panose="02020603050405020304" pitchFamily="18" charset="0"/>
+                <a:ea typeface="Arial Unicode MS"/>
+                <a:cs typeface="Calibri" panose="020F0502020204030204" pitchFamily="34" charset="0"/>
+              </a:rPr>
+              <a:t>оддерживает </a:t>
+            </a:r>
+            <a:r>
+              <a:rPr lang="ru-RU" sz="2400" dirty="0">
+                <a:latin typeface="Times New Roman" panose="02020603050405020304" pitchFamily="18" charset="0"/>
+                <a:ea typeface="Arial Unicode MS"/>
+                <a:cs typeface="Calibri" panose="020F0502020204030204" pitchFamily="34" charset="0"/>
+              </a:rPr>
+              <a:t>больше типов для </a:t>
+            </a:r>
+            <a:r>
+              <a:rPr lang="ru-RU" sz="2400" dirty="0" smtClean="0">
+                <a:latin typeface="Times New Roman" panose="02020603050405020304" pitchFamily="18" charset="0"/>
+                <a:ea typeface="Arial Unicode MS"/>
+                <a:cs typeface="Calibri" panose="020F0502020204030204" pitchFamily="34" charset="0"/>
+              </a:rPr>
+              <a:t>де/сериализации</a:t>
+            </a:r>
+            <a:r>
+              <a:rPr lang="en-US" sz="2400" dirty="0" smtClean="0">
+                <a:latin typeface="Times New Roman" panose="02020603050405020304" pitchFamily="18" charset="0"/>
+                <a:ea typeface="Arial Unicode MS"/>
+                <a:cs typeface="Calibri" panose="020F0502020204030204" pitchFamily="34" charset="0"/>
+              </a:rPr>
+              <a:t>;</a:t>
+            </a:r>
+          </a:p>
+          <a:p>
+            <a:pPr marL="0" indent="450000" algn="just">
+              <a:lnSpc>
+                <a:spcPct val="150000"/>
+              </a:lnSpc>
+              <a:spcBef>
+                <a:spcPts val="0"/>
+              </a:spcBef>
+              <a:buNone/>
+            </a:pPr>
+            <a:r>
+              <a:rPr lang="ru-RU" sz="2400" dirty="0">
+                <a:latin typeface="Times New Roman" panose="02020603050405020304" pitchFamily="18" charset="0"/>
+                <a:ea typeface="Arial Unicode MS"/>
+                <a:cs typeface="Calibri" panose="020F0502020204030204" pitchFamily="34" charset="0"/>
+              </a:rPr>
+              <a:t>Подходит к долговременной сериализации объектов Unity, где подразумевается сокрытие данных от </a:t>
+            </a:r>
+            <a:r>
+              <a:rPr lang="en-US" sz="2400" dirty="0" smtClean="0">
+                <a:latin typeface="Times New Roman" panose="02020603050405020304" pitchFamily="18" charset="0"/>
+                <a:ea typeface="Arial Unicode MS"/>
+                <a:cs typeface="Calibri" panose="020F0502020204030204" pitchFamily="34" charset="0"/>
+              </a:rPr>
+              <a:t>“</a:t>
+            </a:r>
+            <a:r>
+              <a:rPr lang="ru-RU" sz="2400" dirty="0" smtClean="0">
+                <a:latin typeface="Times New Roman" panose="02020603050405020304" pitchFamily="18" charset="0"/>
+                <a:ea typeface="Arial Unicode MS"/>
+                <a:cs typeface="Calibri" panose="020F0502020204030204" pitchFamily="34" charset="0"/>
+              </a:rPr>
+              <a:t>взломщиков</a:t>
+            </a:r>
+            <a:r>
+              <a:rPr lang="en-US" sz="2400" dirty="0" smtClean="0">
+                <a:latin typeface="Times New Roman" panose="02020603050405020304" pitchFamily="18" charset="0"/>
+                <a:ea typeface="Arial Unicode MS"/>
+                <a:cs typeface="Calibri" panose="020F0502020204030204" pitchFamily="34" charset="0"/>
+              </a:rPr>
+              <a:t>”</a:t>
+            </a:r>
+            <a:r>
+              <a:rPr lang="ru-RU" sz="2400" dirty="0" smtClean="0">
+                <a:latin typeface="Times New Roman" panose="02020603050405020304" pitchFamily="18" charset="0"/>
+                <a:ea typeface="Arial Unicode MS"/>
+                <a:cs typeface="Calibri" panose="020F0502020204030204" pitchFamily="34" charset="0"/>
+              </a:rPr>
+              <a:t>.</a:t>
+            </a:r>
+            <a:endParaRPr lang="en-US" sz="2400" dirty="0">
+              <a:latin typeface="Times New Roman" panose="02020603050405020304" pitchFamily="18" charset="0"/>
+              <a:ea typeface="Arial Unicode MS"/>
+              <a:cs typeface="Calibri" panose="020F0502020204030204" pitchFamily="34" charset="0"/>
+            </a:endParaRPr>
+          </a:p>
+          <a:p>
+            <a:pPr marL="0" indent="0" algn="just">
+              <a:lnSpc>
+                <a:spcPct val="150000"/>
+              </a:lnSpc>
+              <a:spcBef>
+                <a:spcPts val="0"/>
+              </a:spcBef>
+              <a:buNone/>
+            </a:pPr>
+            <a:endParaRPr lang="ru-RU" sz="2400" dirty="0" smtClean="0">
+              <a:latin typeface="Times New Roman" panose="02020603050405020304" pitchFamily="18" charset="0"/>
+              <a:ea typeface="Arial Unicode MS"/>
+            </a:endParaRPr>
+          </a:p>
+        </p:txBody>
+      </p:sp>
+      <p:sp>
+        <p:nvSpPr>
           <p:cNvPr id="4" name="Подзаголовок 2"/>
           <p:cNvSpPr txBox="1">
             <a:spLocks/>
@@ -7843,37 +8022,16 @@
                 <a:latin typeface="Times New Roman" panose="02020603050405020304" pitchFamily="18" charset="0"/>
                 <a:cs typeface="Times New Roman" panose="02020603050405020304" pitchFamily="18" charset="0"/>
               </a:rPr>
-              <a:t>Архитектура</a:t>
+              <a:t>Безопасность</a:t>
             </a:r>
             <a:endParaRPr lang="ru-RU" sz="4400" dirty="0"/>
           </a:p>
         </p:txBody>
       </p:sp>
-      <p:pic>
-        <p:nvPicPr>
-          <p:cNvPr id="6" name="Рисунок 5"/>
-          <p:cNvPicPr/>
-          <p:nvPr/>
-        </p:nvPicPr>
-        <p:blipFill rotWithShape="1">
-          <a:blip r:embed="rId2"/>
-          <a:srcRect l="5163" t="2722" r="7054" b="4306"/>
-          <a:stretch/>
-        </p:blipFill>
-        <p:spPr>
-          <a:xfrm>
-            <a:off x="4097866" y="1718733"/>
-            <a:ext cx="3623734" cy="4936067"/>
-          </a:xfrm>
-          <a:prstGeom prst="rect">
-            <a:avLst/>
-          </a:prstGeom>
-        </p:spPr>
-      </p:pic>
     </p:spTree>
     <p:extLst>
       <p:ext uri="{BB962C8B-B14F-4D97-AF65-F5344CB8AC3E}">
-        <p14:creationId xmlns:p14="http://schemas.microsoft.com/office/powerpoint/2010/main" val="2370411269"/>
+        <p14:creationId xmlns:p14="http://schemas.microsoft.com/office/powerpoint/2010/main" val="242716700"/>
       </p:ext>
     </p:extLst>
   </p:cSld>
@@ -7917,8 +8075,8 @@
         </p:nvSpPr>
         <p:spPr>
           <a:xfrm>
-            <a:off x="0" y="0"/>
-            <a:ext cx="12192000" cy="6858000"/>
+            <a:off x="5502166" y="0"/>
+            <a:ext cx="6689834" cy="1079938"/>
           </a:xfrm>
           <a:prstGeom prst="rect">
             <a:avLst/>
@@ -8095,27 +8253,536 @@
           <a:p>
             <a:pPr algn="ctr"/>
             <a:r>
-              <a:rPr lang="ru-RU" sz="6600" dirty="0" smtClean="0">
+              <a:rPr lang="ru-RU" sz="4400" b="1" dirty="0" smtClean="0">
                 <a:latin typeface="Times New Roman" panose="02020603050405020304" pitchFamily="18" charset="0"/>
                 <a:cs typeface="Times New Roman" panose="02020603050405020304" pitchFamily="18" charset="0"/>
               </a:rPr>
-              <a:t>Спасибо </a:t>
-            </a:r>
-            <a:r>
-              <a:rPr lang="ru-RU" sz="6600" dirty="0">
-                <a:latin typeface="Times New Roman" panose="02020603050405020304" pitchFamily="18" charset="0"/>
-                <a:cs typeface="Times New Roman" panose="02020603050405020304" pitchFamily="18" charset="0"/>
-              </a:rPr>
-              <a:t>за внимание !</a:t>
-            </a:r>
-            <a:endParaRPr lang="ru-RU" sz="6600" dirty="0"/>
-          </a:p>
-        </p:txBody>
-      </p:sp>
+              <a:t>Архитектура</a:t>
+            </a:r>
+            <a:endParaRPr lang="ru-RU" sz="4400" dirty="0"/>
+          </a:p>
+        </p:txBody>
+      </p:sp>
+      <p:pic>
+        <p:nvPicPr>
+          <p:cNvPr id="6" name="Рисунок 5"/>
+          <p:cNvPicPr/>
+          <p:nvPr/>
+        </p:nvPicPr>
+        <p:blipFill rotWithShape="1">
+          <a:blip r:embed="rId2"/>
+          <a:srcRect l="5163" t="2722" r="7054" b="4306"/>
+          <a:stretch/>
+        </p:blipFill>
+        <p:spPr>
+          <a:xfrm>
+            <a:off x="4097866" y="1718733"/>
+            <a:ext cx="3623734" cy="4936067"/>
+          </a:xfrm>
+          <a:prstGeom prst="rect">
+            <a:avLst/>
+          </a:prstGeom>
+        </p:spPr>
+      </p:pic>
     </p:spTree>
     <p:extLst>
       <p:ext uri="{BB962C8B-B14F-4D97-AF65-F5344CB8AC3E}">
-        <p14:creationId xmlns:p14="http://schemas.microsoft.com/office/powerpoint/2010/main" val="4131178485"/>
+        <p14:creationId xmlns:p14="http://schemas.microsoft.com/office/powerpoint/2010/main" val="2370411269"/>
+      </p:ext>
+    </p:extLst>
+  </p:cSld>
+  <p:clrMapOvr>
+    <a:masterClrMapping/>
+  </p:clrMapOvr>
+  <p:timing>
+    <p:tnLst>
+      <p:par>
+        <p:cTn id="1" dur="indefinite" restart="never" nodeType="tmRoot"/>
+      </p:par>
+    </p:tnLst>
+  </p:timing>
+</p:sld>
+</file>
+
+<file path=ppt/slides/slide7.xml><?xml version="1.0" encoding="utf-8"?>
+<p:sld xmlns:a="http://schemas.openxmlformats.org/drawingml/2006/main" xmlns:r="http://schemas.openxmlformats.org/officeDocument/2006/relationships" xmlns:p="http://schemas.openxmlformats.org/presentationml/2006/main">
+  <p:cSld>
+    <p:spTree>
+      <p:nvGrpSpPr>
+        <p:cNvPr id="1" name=""/>
+        <p:cNvGrpSpPr/>
+        <p:nvPr/>
+      </p:nvGrpSpPr>
+      <p:grpSpPr>
+        <a:xfrm>
+          <a:off x="0" y="0"/>
+          <a:ext cx="0" cy="0"/>
+          <a:chOff x="0" y="0"/>
+          <a:chExt cx="0" cy="0"/>
+        </a:xfrm>
+      </p:grpSpPr>
+      <p:sp>
+        <p:nvSpPr>
+          <p:cNvPr id="3" name="Подзаголовок 2"/>
+          <p:cNvSpPr>
+            <a:spLocks noGrp="1"/>
+          </p:cNvSpPr>
+          <p:nvPr>
+            <p:ph type="subTitle" idx="1"/>
+          </p:nvPr>
+        </p:nvSpPr>
+        <p:spPr>
+          <a:xfrm>
+            <a:off x="1371600" y="1790925"/>
+            <a:ext cx="9448800" cy="1837576"/>
+          </a:xfrm>
+        </p:spPr>
+        <p:txBody>
+          <a:bodyPr anchor="ctr">
+            <a:normAutofit/>
+          </a:bodyPr>
+          <a:lstStyle/>
+          <a:p>
+            <a:pPr algn="ctr"/>
+            <a:r>
+              <a:rPr lang="ru-RU" sz="3600" dirty="0" smtClean="0">
+                <a:latin typeface="Times New Roman" panose="02020603050405020304" pitchFamily="18" charset="0"/>
+                <a:cs typeface="Times New Roman" panose="02020603050405020304" pitchFamily="18" charset="0"/>
+              </a:rPr>
+              <a:t>Дипломн</a:t>
+            </a:r>
+            <a:r>
+              <a:rPr lang="ru-RU" sz="3600" dirty="0" smtClean="0">
+                <a:latin typeface="Times New Roman" panose="02020603050405020304" pitchFamily="18" charset="0"/>
+                <a:cs typeface="Times New Roman" panose="02020603050405020304" pitchFamily="18" charset="0"/>
+              </a:rPr>
+              <a:t>ый</a:t>
+            </a:r>
+            <a:r>
+              <a:rPr lang="ru-RU" sz="3600" dirty="0" smtClean="0">
+                <a:latin typeface="Times New Roman" panose="02020603050405020304" pitchFamily="18" charset="0"/>
+                <a:cs typeface="Times New Roman" panose="02020603050405020304" pitchFamily="18" charset="0"/>
+              </a:rPr>
+              <a:t> проект </a:t>
+            </a:r>
+            <a:r>
+              <a:rPr lang="ru-RU" sz="3600" dirty="0" smtClean="0">
+                <a:latin typeface="Times New Roman" panose="02020603050405020304" pitchFamily="18" charset="0"/>
+                <a:cs typeface="Times New Roman" panose="02020603050405020304" pitchFamily="18" charset="0"/>
+              </a:rPr>
+              <a:t>на тему</a:t>
+            </a:r>
+            <a:r>
+              <a:rPr lang="en-US" sz="3600" dirty="0" smtClean="0">
+                <a:latin typeface="Times New Roman" panose="02020603050405020304" pitchFamily="18" charset="0"/>
+                <a:cs typeface="Times New Roman" panose="02020603050405020304" pitchFamily="18" charset="0"/>
+              </a:rPr>
+              <a:t>:</a:t>
+            </a:r>
+            <a:r>
+              <a:rPr lang="ru-RU" sz="3600" dirty="0">
+                <a:latin typeface="Times New Roman" panose="02020603050405020304" pitchFamily="18" charset="0"/>
+                <a:cs typeface="Times New Roman" panose="02020603050405020304" pitchFamily="18" charset="0"/>
+              </a:rPr>
+              <a:t/>
+            </a:r>
+            <a:br>
+              <a:rPr lang="ru-RU" sz="3600" dirty="0">
+                <a:latin typeface="Times New Roman" panose="02020603050405020304" pitchFamily="18" charset="0"/>
+                <a:cs typeface="Times New Roman" panose="02020603050405020304" pitchFamily="18" charset="0"/>
+              </a:rPr>
+            </a:br>
+            <a:r>
+              <a:rPr lang="ru-RU" sz="3600" dirty="0" smtClean="0">
+                <a:latin typeface="Times New Roman" panose="02020603050405020304" pitchFamily="18" charset="0"/>
+                <a:cs typeface="Times New Roman" panose="02020603050405020304" pitchFamily="18" charset="0"/>
+              </a:rPr>
+              <a:t>Разработка </a:t>
+            </a:r>
+            <a:r>
+              <a:rPr lang="en-US" sz="3600" dirty="0">
+                <a:latin typeface="Times New Roman" panose="02020603050405020304" pitchFamily="18" charset="0"/>
+                <a:cs typeface="Times New Roman" panose="02020603050405020304" pitchFamily="18" charset="0"/>
+              </a:rPr>
+              <a:t>Top-Down </a:t>
+            </a:r>
+            <a:r>
+              <a:rPr lang="ru-RU" sz="3600" dirty="0">
+                <a:latin typeface="Times New Roman" panose="02020603050405020304" pitchFamily="18" charset="0"/>
+                <a:cs typeface="Times New Roman" panose="02020603050405020304" pitchFamily="18" charset="0"/>
+              </a:rPr>
+              <a:t>игры на движке </a:t>
+            </a:r>
+            <a:r>
+              <a:rPr lang="en-US" sz="3600" dirty="0" smtClean="0">
+                <a:latin typeface="Times New Roman" panose="02020603050405020304" pitchFamily="18" charset="0"/>
+                <a:cs typeface="Times New Roman" panose="02020603050405020304" pitchFamily="18" charset="0"/>
+              </a:rPr>
+              <a:t>Unity</a:t>
+            </a:r>
+            <a:endParaRPr lang="ru-RU" sz="3600" dirty="0"/>
+          </a:p>
+        </p:txBody>
+      </p:sp>
+      <p:sp>
+        <p:nvSpPr>
+          <p:cNvPr id="4" name="Подзаголовок 2"/>
+          <p:cNvSpPr txBox="1">
+            <a:spLocks/>
+          </p:cNvSpPr>
+          <p:nvPr/>
+        </p:nvSpPr>
+        <p:spPr>
+          <a:xfrm>
+            <a:off x="2254469" y="3886200"/>
+            <a:ext cx="7835462" cy="1584434"/>
+          </a:xfrm>
+          <a:prstGeom prst="rect">
+            <a:avLst/>
+          </a:prstGeom>
+        </p:spPr>
+        <p:txBody>
+          <a:bodyPr vert="horz" lIns="91440" tIns="45720" rIns="91440" bIns="45720" rtlCol="0">
+            <a:noAutofit/>
+          </a:bodyPr>
+          <a:lstStyle>
+            <a:lvl1pPr marL="0" indent="0" algn="l" defTabSz="914400" rtl="0" eaLnBrk="1" latinLnBrk="0" hangingPunct="1">
+              <a:lnSpc>
+                <a:spcPct val="90000"/>
+              </a:lnSpc>
+              <a:spcBef>
+                <a:spcPts val="1000"/>
+              </a:spcBef>
+              <a:buFont typeface="Arial" panose="020B0604020202020204" pitchFamily="34" charset="0"/>
+              <a:buNone/>
+              <a:defRPr sz="2000" kern="1200">
+                <a:solidFill>
+                  <a:schemeClr val="tx1"/>
+                </a:solidFill>
+                <a:latin typeface="+mn-lt"/>
+                <a:ea typeface="+mn-ea"/>
+                <a:cs typeface="+mn-cs"/>
+              </a:defRPr>
+            </a:lvl1pPr>
+            <a:lvl2pPr marL="457200" indent="0" algn="ctr" defTabSz="914400" rtl="0" eaLnBrk="1" latinLnBrk="0" hangingPunct="1">
+              <a:lnSpc>
+                <a:spcPct val="90000"/>
+              </a:lnSpc>
+              <a:spcBef>
+                <a:spcPts val="500"/>
+              </a:spcBef>
+              <a:buFont typeface="Arial" panose="020B0604020202020204" pitchFamily="34" charset="0"/>
+              <a:buNone/>
+              <a:defRPr sz="2000" kern="1200">
+                <a:solidFill>
+                  <a:schemeClr val="tx1"/>
+                </a:solidFill>
+                <a:latin typeface="+mn-lt"/>
+                <a:ea typeface="+mn-ea"/>
+                <a:cs typeface="+mn-cs"/>
+              </a:defRPr>
+            </a:lvl2pPr>
+            <a:lvl3pPr marL="914400" indent="0" algn="ctr" defTabSz="914400" rtl="0" eaLnBrk="1" latinLnBrk="0" hangingPunct="1">
+              <a:lnSpc>
+                <a:spcPct val="90000"/>
+              </a:lnSpc>
+              <a:spcBef>
+                <a:spcPts val="500"/>
+              </a:spcBef>
+              <a:buFont typeface="Arial" panose="020B0604020202020204" pitchFamily="34" charset="0"/>
+              <a:buNone/>
+              <a:defRPr sz="1800" kern="1200">
+                <a:solidFill>
+                  <a:schemeClr val="tx1"/>
+                </a:solidFill>
+                <a:latin typeface="+mn-lt"/>
+                <a:ea typeface="+mn-ea"/>
+                <a:cs typeface="+mn-cs"/>
+              </a:defRPr>
+            </a:lvl3pPr>
+            <a:lvl4pPr marL="1371600" indent="0" algn="ctr" defTabSz="914400" rtl="0" eaLnBrk="1" latinLnBrk="0" hangingPunct="1">
+              <a:lnSpc>
+                <a:spcPct val="90000"/>
+              </a:lnSpc>
+              <a:spcBef>
+                <a:spcPts val="500"/>
+              </a:spcBef>
+              <a:buFont typeface="Arial" panose="020B0604020202020204" pitchFamily="34" charset="0"/>
+              <a:buNone/>
+              <a:defRPr sz="1600" kern="1200">
+                <a:solidFill>
+                  <a:schemeClr val="tx1"/>
+                </a:solidFill>
+                <a:latin typeface="+mn-lt"/>
+                <a:ea typeface="+mn-ea"/>
+                <a:cs typeface="+mn-cs"/>
+              </a:defRPr>
+            </a:lvl4pPr>
+            <a:lvl5pPr marL="1828800" indent="0" algn="ctr" defTabSz="914400" rtl="0" eaLnBrk="1" latinLnBrk="0" hangingPunct="1">
+              <a:lnSpc>
+                <a:spcPct val="90000"/>
+              </a:lnSpc>
+              <a:spcBef>
+                <a:spcPts val="500"/>
+              </a:spcBef>
+              <a:buFont typeface="Arial" panose="020B0604020202020204" pitchFamily="34" charset="0"/>
+              <a:buNone/>
+              <a:defRPr sz="1600" kern="1200">
+                <a:solidFill>
+                  <a:schemeClr val="tx1"/>
+                </a:solidFill>
+                <a:latin typeface="+mn-lt"/>
+                <a:ea typeface="+mn-ea"/>
+                <a:cs typeface="+mn-cs"/>
+              </a:defRPr>
+            </a:lvl5pPr>
+            <a:lvl6pPr marL="2286000" indent="0" algn="ctr" defTabSz="914400" rtl="0" eaLnBrk="1" latinLnBrk="0" hangingPunct="1">
+              <a:lnSpc>
+                <a:spcPct val="90000"/>
+              </a:lnSpc>
+              <a:spcBef>
+                <a:spcPts val="500"/>
+              </a:spcBef>
+              <a:buFont typeface="Arial" panose="020B0604020202020204" pitchFamily="34" charset="0"/>
+              <a:buNone/>
+              <a:defRPr sz="1600" kern="1200">
+                <a:solidFill>
+                  <a:schemeClr val="tx1"/>
+                </a:solidFill>
+                <a:latin typeface="+mn-lt"/>
+                <a:ea typeface="+mn-ea"/>
+                <a:cs typeface="+mn-cs"/>
+              </a:defRPr>
+            </a:lvl6pPr>
+            <a:lvl7pPr marL="2743200" indent="0" algn="ctr" defTabSz="914400" rtl="0" eaLnBrk="1" latinLnBrk="0" hangingPunct="1">
+              <a:lnSpc>
+                <a:spcPct val="90000"/>
+              </a:lnSpc>
+              <a:spcBef>
+                <a:spcPts val="500"/>
+              </a:spcBef>
+              <a:buFont typeface="Arial" panose="020B0604020202020204" pitchFamily="34" charset="0"/>
+              <a:buNone/>
+              <a:defRPr sz="1600" kern="1200">
+                <a:solidFill>
+                  <a:schemeClr val="tx1"/>
+                </a:solidFill>
+                <a:latin typeface="+mn-lt"/>
+                <a:ea typeface="+mn-ea"/>
+                <a:cs typeface="+mn-cs"/>
+              </a:defRPr>
+            </a:lvl7pPr>
+            <a:lvl8pPr marL="3200400" indent="0" algn="ctr" defTabSz="914400" rtl="0" eaLnBrk="1" latinLnBrk="0" hangingPunct="1">
+              <a:lnSpc>
+                <a:spcPct val="90000"/>
+              </a:lnSpc>
+              <a:spcBef>
+                <a:spcPts val="500"/>
+              </a:spcBef>
+              <a:buFont typeface="Arial" panose="020B0604020202020204" pitchFamily="34" charset="0"/>
+              <a:buNone/>
+              <a:defRPr sz="1600" kern="1200">
+                <a:solidFill>
+                  <a:schemeClr val="tx1"/>
+                </a:solidFill>
+                <a:latin typeface="+mn-lt"/>
+                <a:ea typeface="+mn-ea"/>
+                <a:cs typeface="+mn-cs"/>
+              </a:defRPr>
+            </a:lvl8pPr>
+            <a:lvl9pPr marL="3657600" indent="0" algn="ctr" defTabSz="914400" rtl="0" eaLnBrk="1" latinLnBrk="0" hangingPunct="1">
+              <a:lnSpc>
+                <a:spcPct val="90000"/>
+              </a:lnSpc>
+              <a:spcBef>
+                <a:spcPts val="500"/>
+              </a:spcBef>
+              <a:buFont typeface="Arial" panose="020B0604020202020204" pitchFamily="34" charset="0"/>
+              <a:buNone/>
+              <a:defRPr sz="1600" kern="1200">
+                <a:solidFill>
+                  <a:schemeClr val="tx1"/>
+                </a:solidFill>
+                <a:latin typeface="+mn-lt"/>
+                <a:ea typeface="+mn-ea"/>
+                <a:cs typeface="+mn-cs"/>
+              </a:defRPr>
+            </a:lvl9pPr>
+          </a:lstStyle>
+          <a:p>
+            <a:pPr lvl="0">
+              <a:lnSpc>
+                <a:spcPts val="3579"/>
+              </a:lnSpc>
+              <a:spcBef>
+                <a:spcPts val="0"/>
+              </a:spcBef>
+            </a:pPr>
+            <a:r>
+              <a:rPr lang="en-US" sz="1600" b="1" dirty="0" smtClean="0">
+                <a:solidFill>
+                  <a:srgbClr val="000000"/>
+                </a:solidFill>
+                <a:latin typeface="Times New Roman" panose="02020603050405020304" pitchFamily="18" charset="0"/>
+                <a:cs typeface="Times New Roman" panose="02020603050405020304" pitchFamily="18" charset="0"/>
+              </a:rPr>
+              <a:t>Специальность</a:t>
+            </a:r>
+            <a:r>
+              <a:rPr lang="en-US" sz="1600" dirty="0" smtClean="0">
+                <a:solidFill>
+                  <a:srgbClr val="000000"/>
+                </a:solidFill>
+                <a:latin typeface="Times New Roman" panose="02020603050405020304" pitchFamily="18" charset="0"/>
+                <a:cs typeface="Times New Roman" panose="02020603050405020304" pitchFamily="18" charset="0"/>
+              </a:rPr>
+              <a:t>: </a:t>
+            </a:r>
+            <a:r>
+              <a:rPr lang="en-US" sz="1600" dirty="0">
+                <a:solidFill>
+                  <a:srgbClr val="000000"/>
+                </a:solidFill>
+                <a:latin typeface="Times New Roman" panose="02020603050405020304" pitchFamily="18" charset="0"/>
+                <a:cs typeface="Times New Roman" panose="02020603050405020304" pitchFamily="18" charset="0"/>
+              </a:rPr>
+              <a:t>09.02.07 – Информационные </a:t>
+            </a:r>
+            <a:r>
+              <a:rPr lang="ru-RU" sz="1600" dirty="0">
+                <a:solidFill>
+                  <a:srgbClr val="000000"/>
+                </a:solidFill>
+                <a:latin typeface="Times New Roman" panose="02020603050405020304" pitchFamily="18" charset="0"/>
+                <a:cs typeface="Times New Roman" panose="02020603050405020304" pitchFamily="18" charset="0"/>
+              </a:rPr>
+              <a:t>системы</a:t>
+            </a:r>
+            <a:r>
+              <a:rPr lang="en-US" sz="1600" dirty="0">
+                <a:solidFill>
+                  <a:srgbClr val="000000"/>
+                </a:solidFill>
+                <a:latin typeface="Times New Roman" panose="02020603050405020304" pitchFamily="18" charset="0"/>
+                <a:cs typeface="Times New Roman" panose="02020603050405020304" pitchFamily="18" charset="0"/>
+              </a:rPr>
+              <a:t> и </a:t>
+            </a:r>
+            <a:r>
+              <a:rPr lang="en-US" sz="1600" dirty="0" smtClean="0">
+                <a:solidFill>
+                  <a:srgbClr val="000000"/>
+                </a:solidFill>
+                <a:latin typeface="Times New Roman" panose="02020603050405020304" pitchFamily="18" charset="0"/>
+                <a:cs typeface="Times New Roman" panose="02020603050405020304" pitchFamily="18" charset="0"/>
+              </a:rPr>
+              <a:t>программирование</a:t>
+            </a:r>
+            <a:endParaRPr lang="ru-RU" sz="1600" b="1" dirty="0" smtClean="0">
+              <a:latin typeface="Times New Roman" panose="02020603050405020304" pitchFamily="18" charset="0"/>
+              <a:cs typeface="Times New Roman" panose="02020603050405020304" pitchFamily="18" charset="0"/>
+            </a:endParaRPr>
+          </a:p>
+          <a:p>
+            <a:r>
+              <a:rPr lang="ru-RU" sz="1600" b="1" dirty="0" smtClean="0">
+                <a:latin typeface="Times New Roman" panose="02020603050405020304" pitchFamily="18" charset="0"/>
+                <a:cs typeface="Times New Roman" panose="02020603050405020304" pitchFamily="18" charset="0"/>
+              </a:rPr>
+              <a:t>Студент</a:t>
+            </a:r>
+            <a:r>
+              <a:rPr lang="en-US" sz="1600" b="1" dirty="0" smtClean="0">
+                <a:latin typeface="Times New Roman" panose="02020603050405020304" pitchFamily="18" charset="0"/>
+                <a:cs typeface="Times New Roman" panose="02020603050405020304" pitchFamily="18" charset="0"/>
+              </a:rPr>
+              <a:t>:</a:t>
+            </a:r>
+            <a:r>
+              <a:rPr lang="ru-RU" sz="1600" b="1" dirty="0" smtClean="0">
+                <a:latin typeface="Times New Roman" panose="02020603050405020304" pitchFamily="18" charset="0"/>
+                <a:cs typeface="Times New Roman" panose="02020603050405020304" pitchFamily="18" charset="0"/>
+              </a:rPr>
+              <a:t> </a:t>
+            </a:r>
+            <a:r>
+              <a:rPr lang="ru-RU" sz="1600" dirty="0" smtClean="0">
+                <a:latin typeface="Times New Roman" panose="02020603050405020304" pitchFamily="18" charset="0"/>
+                <a:cs typeface="Times New Roman" panose="02020603050405020304" pitchFamily="18" charset="0"/>
+              </a:rPr>
+              <a:t>Николаев В.А.</a:t>
+            </a:r>
+          </a:p>
+          <a:p>
+            <a:r>
+              <a:rPr lang="ru-RU" sz="1600" b="1" dirty="0" smtClean="0">
+                <a:latin typeface="Times New Roman" panose="02020603050405020304" pitchFamily="18" charset="0"/>
+                <a:cs typeface="Times New Roman" panose="02020603050405020304" pitchFamily="18" charset="0"/>
+              </a:rPr>
+              <a:t>Группа</a:t>
+            </a:r>
+            <a:r>
+              <a:rPr lang="en-US" sz="1600" dirty="0" smtClean="0">
+                <a:latin typeface="Times New Roman" panose="02020603050405020304" pitchFamily="18" charset="0"/>
+                <a:cs typeface="Times New Roman" panose="02020603050405020304" pitchFamily="18" charset="0"/>
+              </a:rPr>
+              <a:t>: </a:t>
+            </a:r>
+            <a:r>
+              <a:rPr lang="ru-RU" sz="1600" dirty="0" smtClean="0">
+                <a:latin typeface="Times New Roman" panose="02020603050405020304" pitchFamily="18" charset="0"/>
+                <a:cs typeface="Times New Roman" panose="02020603050405020304" pitchFamily="18" charset="0"/>
+              </a:rPr>
+              <a:t>ИП-20-3</a:t>
+            </a:r>
+          </a:p>
+          <a:p>
+            <a:r>
+              <a:rPr lang="ru-RU" sz="1600" b="1" dirty="0">
+                <a:latin typeface="Times New Roman" panose="02020603050405020304" pitchFamily="18" charset="0"/>
+                <a:cs typeface="Times New Roman" panose="02020603050405020304" pitchFamily="18" charset="0"/>
+              </a:rPr>
+              <a:t>Р</a:t>
+            </a:r>
+            <a:r>
+              <a:rPr lang="ru-RU" sz="1600" b="1" dirty="0" smtClean="0">
+                <a:latin typeface="Times New Roman" panose="02020603050405020304" pitchFamily="18" charset="0"/>
+                <a:cs typeface="Times New Roman" panose="02020603050405020304" pitchFamily="18" charset="0"/>
+              </a:rPr>
+              <a:t>уководитель</a:t>
+            </a:r>
+            <a:r>
+              <a:rPr lang="en-US" sz="1600" b="1" dirty="0" smtClean="0">
+                <a:latin typeface="Times New Roman" panose="02020603050405020304" pitchFamily="18" charset="0"/>
+                <a:cs typeface="Times New Roman" panose="02020603050405020304" pitchFamily="18" charset="0"/>
+              </a:rPr>
+              <a:t>:</a:t>
+            </a:r>
+            <a:r>
+              <a:rPr lang="ru-RU" sz="1600" b="1" dirty="0" smtClean="0">
+                <a:latin typeface="Times New Roman" panose="02020603050405020304" pitchFamily="18" charset="0"/>
+                <a:cs typeface="Times New Roman" panose="02020603050405020304" pitchFamily="18" charset="0"/>
+              </a:rPr>
+              <a:t> </a:t>
+            </a:r>
+            <a:r>
+              <a:rPr lang="ru-RU" sz="1600" dirty="0" smtClean="0">
+                <a:latin typeface="Times New Roman" panose="02020603050405020304" pitchFamily="18" charset="0"/>
+                <a:cs typeface="Times New Roman" panose="02020603050405020304" pitchFamily="18" charset="0"/>
+              </a:rPr>
+              <a:t>Исаенко С.В.</a:t>
+            </a:r>
+            <a:endParaRPr lang="ru-RU" sz="1600" dirty="0">
+              <a:latin typeface="Times New Roman" panose="02020603050405020304" pitchFamily="18" charset="0"/>
+              <a:cs typeface="Times New Roman" panose="02020603050405020304" pitchFamily="18" charset="0"/>
+            </a:endParaRPr>
+          </a:p>
+        </p:txBody>
+      </p:sp>
+    </p:spTree>
+    <p:extLst>
+      <p:ext uri="{BB962C8B-B14F-4D97-AF65-F5344CB8AC3E}">
+        <p14:creationId xmlns:p14="http://schemas.microsoft.com/office/powerpoint/2010/main" val="3297833484"/>
       </p:ext>
     </p:extLst>
   </p:cSld>

--- a/Дипломный проект/Дипломная работа Николаев В.А.pptx
+++ b/Дипломный проект/Дипломная работа Николаев В.А.pptx
@@ -5779,28 +5779,7 @@
                 <a:latin typeface="Times New Roman" panose="02020603050405020304" pitchFamily="18" charset="0"/>
                 <a:cs typeface="Times New Roman" panose="02020603050405020304" pitchFamily="18" charset="0"/>
               </a:rPr>
-              <a:t>Дипломн</a:t>
-            </a:r>
-            <a:r>
-              <a:rPr lang="ru-RU" sz="3600" dirty="0" smtClean="0">
-                <a:latin typeface="Times New Roman" panose="02020603050405020304" pitchFamily="18" charset="0"/>
-                <a:cs typeface="Times New Roman" panose="02020603050405020304" pitchFamily="18" charset="0"/>
-              </a:rPr>
-              <a:t>ый</a:t>
-            </a:r>
-            <a:r>
-              <a:rPr lang="ru-RU" sz="3600" dirty="0" smtClean="0">
-                <a:latin typeface="Times New Roman" panose="02020603050405020304" pitchFamily="18" charset="0"/>
-                <a:cs typeface="Times New Roman" panose="02020603050405020304" pitchFamily="18" charset="0"/>
-              </a:rPr>
-              <a:t> проект </a:t>
-            </a:r>
-            <a:r>
-              <a:rPr lang="ru-RU" sz="3600" dirty="0" smtClean="0">
-                <a:latin typeface="Times New Roman" panose="02020603050405020304" pitchFamily="18" charset="0"/>
-                <a:cs typeface="Times New Roman" panose="02020603050405020304" pitchFamily="18" charset="0"/>
-              </a:rPr>
-              <a:t>на тему</a:t>
+              <a:t>Дипломный проект на тему</a:t>
             </a:r>
             <a:r>
               <a:rPr lang="en-US" sz="3600" dirty="0" smtClean="0">
@@ -8349,28 +8328,7 @@
                 <a:latin typeface="Times New Roman" panose="02020603050405020304" pitchFamily="18" charset="0"/>
                 <a:cs typeface="Times New Roman" panose="02020603050405020304" pitchFamily="18" charset="0"/>
               </a:rPr>
-              <a:t>Дипломн</a:t>
-            </a:r>
-            <a:r>
-              <a:rPr lang="ru-RU" sz="3600" dirty="0" smtClean="0">
-                <a:latin typeface="Times New Roman" panose="02020603050405020304" pitchFamily="18" charset="0"/>
-                <a:cs typeface="Times New Roman" panose="02020603050405020304" pitchFamily="18" charset="0"/>
-              </a:rPr>
-              <a:t>ый</a:t>
-            </a:r>
-            <a:r>
-              <a:rPr lang="ru-RU" sz="3600" dirty="0" smtClean="0">
-                <a:latin typeface="Times New Roman" panose="02020603050405020304" pitchFamily="18" charset="0"/>
-                <a:cs typeface="Times New Roman" panose="02020603050405020304" pitchFamily="18" charset="0"/>
-              </a:rPr>
-              <a:t> проект </a:t>
-            </a:r>
-            <a:r>
-              <a:rPr lang="ru-RU" sz="3600" dirty="0" smtClean="0">
-                <a:latin typeface="Times New Roman" panose="02020603050405020304" pitchFamily="18" charset="0"/>
-                <a:cs typeface="Times New Roman" panose="02020603050405020304" pitchFamily="18" charset="0"/>
-              </a:rPr>
-              <a:t>на тему</a:t>
+              <a:t>Дипломный проект на тему</a:t>
             </a:r>
             <a:r>
               <a:rPr lang="en-US" sz="3600" dirty="0" smtClean="0">

--- a/Дипломный проект/Дипломная работа Николаев В.А.pptx
+++ b/Дипломный проект/Дипломная работа Николаев В.А.pptx
@@ -288,7 +288,7 @@
           <a:p>
             <a:fld id="{D6E302DD-AB53-48EE-857D-3B9B7649DF6B}" type="datetimeFigureOut">
               <a:rPr lang="ru-RU" smtClean="0"/>
-              <a:t>06.06.2024</a:t>
+              <a:t>08.06.2024</a:t>
             </a:fld>
             <a:endParaRPr lang="ru-RU"/>
           </a:p>
@@ -555,7 +555,7 @@
           <a:p>
             <a:fld id="{D6E302DD-AB53-48EE-857D-3B9B7649DF6B}" type="datetimeFigureOut">
               <a:rPr lang="ru-RU" smtClean="0"/>
-              <a:t>06.06.2024</a:t>
+              <a:t>08.06.2024</a:t>
             </a:fld>
             <a:endParaRPr lang="ru-RU"/>
           </a:p>
@@ -786,7 +786,7 @@
           <a:p>
             <a:fld id="{D6E302DD-AB53-48EE-857D-3B9B7649DF6B}" type="datetimeFigureOut">
               <a:rPr lang="ru-RU" smtClean="0"/>
-              <a:t>06.06.2024</a:t>
+              <a:t>08.06.2024</a:t>
             </a:fld>
             <a:endParaRPr lang="ru-RU"/>
           </a:p>
@@ -1096,7 +1096,7 @@
           <a:p>
             <a:fld id="{D6E302DD-AB53-48EE-857D-3B9B7649DF6B}" type="datetimeFigureOut">
               <a:rPr lang="ru-RU" smtClean="0"/>
-              <a:t>06.06.2024</a:t>
+              <a:t>08.06.2024</a:t>
             </a:fld>
             <a:endParaRPr lang="ru-RU"/>
           </a:p>
@@ -1569,7 +1569,7 @@
           <a:p>
             <a:fld id="{D6E302DD-AB53-48EE-857D-3B9B7649DF6B}" type="datetimeFigureOut">
               <a:rPr lang="ru-RU" smtClean="0"/>
-              <a:t>06.06.2024</a:t>
+              <a:t>08.06.2024</a:t>
             </a:fld>
             <a:endParaRPr lang="ru-RU"/>
           </a:p>
@@ -2116,7 +2116,7 @@
           <a:p>
             <a:fld id="{D6E302DD-AB53-48EE-857D-3B9B7649DF6B}" type="datetimeFigureOut">
               <a:rPr lang="ru-RU" smtClean="0"/>
-              <a:t>06.06.2024</a:t>
+              <a:t>08.06.2024</a:t>
             </a:fld>
             <a:endParaRPr lang="ru-RU"/>
           </a:p>
@@ -2890,7 +2890,7 @@
           <a:p>
             <a:fld id="{D6E302DD-AB53-48EE-857D-3B9B7649DF6B}" type="datetimeFigureOut">
               <a:rPr lang="ru-RU" smtClean="0"/>
-              <a:t>06.06.2024</a:t>
+              <a:t>08.06.2024</a:t>
             </a:fld>
             <a:endParaRPr lang="ru-RU"/>
           </a:p>
@@ -3065,7 +3065,7 @@
           <a:p>
             <a:fld id="{D6E302DD-AB53-48EE-857D-3B9B7649DF6B}" type="datetimeFigureOut">
               <a:rPr lang="ru-RU" smtClean="0"/>
-              <a:t>06.06.2024</a:t>
+              <a:t>08.06.2024</a:t>
             </a:fld>
             <a:endParaRPr lang="ru-RU"/>
           </a:p>
@@ -3288,7 +3288,7 @@
           <a:p>
             <a:fld id="{D6E302DD-AB53-48EE-857D-3B9B7649DF6B}" type="datetimeFigureOut">
               <a:rPr lang="ru-RU" smtClean="0"/>
-              <a:t>06.06.2024</a:t>
+              <a:t>08.06.2024</a:t>
             </a:fld>
             <a:endParaRPr lang="ru-RU"/>
           </a:p>
@@ -3468,7 +3468,7 @@
           <a:p>
             <a:fld id="{D6E302DD-AB53-48EE-857D-3B9B7649DF6B}" type="datetimeFigureOut">
               <a:rPr lang="ru-RU" smtClean="0"/>
-              <a:t>06.06.2024</a:t>
+              <a:t>08.06.2024</a:t>
             </a:fld>
             <a:endParaRPr lang="ru-RU"/>
           </a:p>
@@ -3757,7 +3757,7 @@
           <a:p>
             <a:fld id="{D6E302DD-AB53-48EE-857D-3B9B7649DF6B}" type="datetimeFigureOut">
               <a:rPr lang="ru-RU" smtClean="0"/>
-              <a:t>06.06.2024</a:t>
+              <a:t>08.06.2024</a:t>
             </a:fld>
             <a:endParaRPr lang="ru-RU"/>
           </a:p>
@@ -3999,7 +3999,7 @@
           <a:p>
             <a:fld id="{D6E302DD-AB53-48EE-857D-3B9B7649DF6B}" type="datetimeFigureOut">
               <a:rPr lang="ru-RU" smtClean="0"/>
-              <a:t>06.06.2024</a:t>
+              <a:t>08.06.2024</a:t>
             </a:fld>
             <a:endParaRPr lang="ru-RU"/>
           </a:p>
@@ -4378,7 +4378,7 @@
           <a:p>
             <a:fld id="{D6E302DD-AB53-48EE-857D-3B9B7649DF6B}" type="datetimeFigureOut">
               <a:rPr lang="ru-RU" smtClean="0"/>
-              <a:t>06.06.2024</a:t>
+              <a:t>08.06.2024</a:t>
             </a:fld>
             <a:endParaRPr lang="ru-RU"/>
           </a:p>
@@ -4496,7 +4496,7 @@
           <a:p>
             <a:fld id="{D6E302DD-AB53-48EE-857D-3B9B7649DF6B}" type="datetimeFigureOut">
               <a:rPr lang="ru-RU" smtClean="0"/>
-              <a:t>06.06.2024</a:t>
+              <a:t>08.06.2024</a:t>
             </a:fld>
             <a:endParaRPr lang="ru-RU"/>
           </a:p>
@@ -4591,7 +4591,7 @@
           <a:p>
             <a:fld id="{D6E302DD-AB53-48EE-857D-3B9B7649DF6B}" type="datetimeFigureOut">
               <a:rPr lang="ru-RU" smtClean="0"/>
-              <a:t>06.06.2024</a:t>
+              <a:t>08.06.2024</a:t>
             </a:fld>
             <a:endParaRPr lang="ru-RU"/>
           </a:p>
@@ -4840,7 +4840,7 @@
           <a:p>
             <a:fld id="{D6E302DD-AB53-48EE-857D-3B9B7649DF6B}" type="datetimeFigureOut">
               <a:rPr lang="ru-RU" smtClean="0"/>
-              <a:t>06.06.2024</a:t>
+              <a:t>08.06.2024</a:t>
             </a:fld>
             <a:endParaRPr lang="ru-RU"/>
           </a:p>
@@ -5097,7 +5097,7 @@
           <a:p>
             <a:fld id="{D6E302DD-AB53-48EE-857D-3B9B7649DF6B}" type="datetimeFigureOut">
               <a:rPr lang="ru-RU" smtClean="0"/>
-              <a:t>06.06.2024</a:t>
+              <a:t>08.06.2024</a:t>
             </a:fld>
             <a:endParaRPr lang="ru-RU"/>
           </a:p>
@@ -5340,7 +5340,7 @@
           <a:p>
             <a:fld id="{D6E302DD-AB53-48EE-857D-3B9B7649DF6B}" type="datetimeFigureOut">
               <a:rPr lang="ru-RU" smtClean="0"/>
-              <a:t>06.06.2024</a:t>
+              <a:t>08.06.2024</a:t>
             </a:fld>
             <a:endParaRPr lang="ru-RU"/>
           </a:p>
@@ -7176,7 +7176,7 @@
               <a:buChar char=""/>
             </a:pPr>
             <a:r>
-              <a:rPr lang="ru-RU" sz="2400" dirty="0">
+              <a:rPr lang="ru-RU" sz="2400">
                 <a:solidFill>
                   <a:srgbClr val="000000"/>
                 </a:solidFill>
@@ -7189,10 +7189,26 @@
                 <a:ea typeface="Arial Unicode MS"/>
                 <a:cs typeface="Arial Unicode MS"/>
               </a:rPr>
-              <a:t>Использовать магию</a:t>
-            </a:r>
-            <a:r>
-              <a:rPr lang="en-US" sz="2400" dirty="0">
+              <a:t>Использовать </a:t>
+            </a:r>
+            <a:r>
+              <a:rPr lang="ru-RU" sz="2400" smtClean="0">
+                <a:solidFill>
+                  <a:srgbClr val="000000"/>
+                </a:solidFill>
+                <a:uFill>
+                  <a:solidFill>
+                    <a:srgbClr val="000000"/>
+                  </a:solidFill>
+                </a:uFill>
+                <a:latin typeface="Times New Roman" panose="02020603050405020304" pitchFamily="18" charset="0"/>
+                <a:ea typeface="Arial Unicode MS"/>
+                <a:cs typeface="Arial Unicode MS"/>
+              </a:rPr>
+              <a:t>навыки</a:t>
+            </a:r>
+            <a:r>
+              <a:rPr lang="en-US" sz="2400" smtClean="0">
                 <a:solidFill>
                   <a:srgbClr val="000000"/>
                 </a:solidFill>

--- a/Дипломный проект/Дипломная работа Николаев В.А.pptx
+++ b/Дипломный проект/Дипломная работа Николаев В.А.pptx
@@ -11,7 +11,6 @@
     <p:sldId id="261" r:id="rId5"/>
     <p:sldId id="262" r:id="rId6"/>
     <p:sldId id="263" r:id="rId7"/>
-    <p:sldId id="264" r:id="rId8"/>
   </p:sldIdLst>
   <p:sldSz cx="12192000" cy="6858000"/>
   <p:notesSz cx="6858000" cy="9144000"/>
@@ -288,7 +287,7 @@
           <a:p>
             <a:fld id="{D6E302DD-AB53-48EE-857D-3B9B7649DF6B}" type="datetimeFigureOut">
               <a:rPr lang="ru-RU" smtClean="0"/>
-              <a:t>08.06.2024</a:t>
+              <a:t>12.06.2024</a:t>
             </a:fld>
             <a:endParaRPr lang="ru-RU"/>
           </a:p>
@@ -555,7 +554,7 @@
           <a:p>
             <a:fld id="{D6E302DD-AB53-48EE-857D-3B9B7649DF6B}" type="datetimeFigureOut">
               <a:rPr lang="ru-RU" smtClean="0"/>
-              <a:t>08.06.2024</a:t>
+              <a:t>12.06.2024</a:t>
             </a:fld>
             <a:endParaRPr lang="ru-RU"/>
           </a:p>
@@ -786,7 +785,7 @@
           <a:p>
             <a:fld id="{D6E302DD-AB53-48EE-857D-3B9B7649DF6B}" type="datetimeFigureOut">
               <a:rPr lang="ru-RU" smtClean="0"/>
-              <a:t>08.06.2024</a:t>
+              <a:t>12.06.2024</a:t>
             </a:fld>
             <a:endParaRPr lang="ru-RU"/>
           </a:p>
@@ -1096,7 +1095,7 @@
           <a:p>
             <a:fld id="{D6E302DD-AB53-48EE-857D-3B9B7649DF6B}" type="datetimeFigureOut">
               <a:rPr lang="ru-RU" smtClean="0"/>
-              <a:t>08.06.2024</a:t>
+              <a:t>12.06.2024</a:t>
             </a:fld>
             <a:endParaRPr lang="ru-RU"/>
           </a:p>
@@ -1569,7 +1568,7 @@
           <a:p>
             <a:fld id="{D6E302DD-AB53-48EE-857D-3B9B7649DF6B}" type="datetimeFigureOut">
               <a:rPr lang="ru-RU" smtClean="0"/>
-              <a:t>08.06.2024</a:t>
+              <a:t>12.06.2024</a:t>
             </a:fld>
             <a:endParaRPr lang="ru-RU"/>
           </a:p>
@@ -2116,7 +2115,7 @@
           <a:p>
             <a:fld id="{D6E302DD-AB53-48EE-857D-3B9B7649DF6B}" type="datetimeFigureOut">
               <a:rPr lang="ru-RU" smtClean="0"/>
-              <a:t>08.06.2024</a:t>
+              <a:t>12.06.2024</a:t>
             </a:fld>
             <a:endParaRPr lang="ru-RU"/>
           </a:p>
@@ -2890,7 +2889,7 @@
           <a:p>
             <a:fld id="{D6E302DD-AB53-48EE-857D-3B9B7649DF6B}" type="datetimeFigureOut">
               <a:rPr lang="ru-RU" smtClean="0"/>
-              <a:t>08.06.2024</a:t>
+              <a:t>12.06.2024</a:t>
             </a:fld>
             <a:endParaRPr lang="ru-RU"/>
           </a:p>
@@ -3065,7 +3064,7 @@
           <a:p>
             <a:fld id="{D6E302DD-AB53-48EE-857D-3B9B7649DF6B}" type="datetimeFigureOut">
               <a:rPr lang="ru-RU" smtClean="0"/>
-              <a:t>08.06.2024</a:t>
+              <a:t>12.06.2024</a:t>
             </a:fld>
             <a:endParaRPr lang="ru-RU"/>
           </a:p>
@@ -3288,7 +3287,7 @@
           <a:p>
             <a:fld id="{D6E302DD-AB53-48EE-857D-3B9B7649DF6B}" type="datetimeFigureOut">
               <a:rPr lang="ru-RU" smtClean="0"/>
-              <a:t>08.06.2024</a:t>
+              <a:t>12.06.2024</a:t>
             </a:fld>
             <a:endParaRPr lang="ru-RU"/>
           </a:p>
@@ -3468,7 +3467,7 @@
           <a:p>
             <a:fld id="{D6E302DD-AB53-48EE-857D-3B9B7649DF6B}" type="datetimeFigureOut">
               <a:rPr lang="ru-RU" smtClean="0"/>
-              <a:t>08.06.2024</a:t>
+              <a:t>12.06.2024</a:t>
             </a:fld>
             <a:endParaRPr lang="ru-RU"/>
           </a:p>
@@ -3757,7 +3756,7 @@
           <a:p>
             <a:fld id="{D6E302DD-AB53-48EE-857D-3B9B7649DF6B}" type="datetimeFigureOut">
               <a:rPr lang="ru-RU" smtClean="0"/>
-              <a:t>08.06.2024</a:t>
+              <a:t>12.06.2024</a:t>
             </a:fld>
             <a:endParaRPr lang="ru-RU"/>
           </a:p>
@@ -3999,7 +3998,7 @@
           <a:p>
             <a:fld id="{D6E302DD-AB53-48EE-857D-3B9B7649DF6B}" type="datetimeFigureOut">
               <a:rPr lang="ru-RU" smtClean="0"/>
-              <a:t>08.06.2024</a:t>
+              <a:t>12.06.2024</a:t>
             </a:fld>
             <a:endParaRPr lang="ru-RU"/>
           </a:p>
@@ -4378,7 +4377,7 @@
           <a:p>
             <a:fld id="{D6E302DD-AB53-48EE-857D-3B9B7649DF6B}" type="datetimeFigureOut">
               <a:rPr lang="ru-RU" smtClean="0"/>
-              <a:t>08.06.2024</a:t>
+              <a:t>12.06.2024</a:t>
             </a:fld>
             <a:endParaRPr lang="ru-RU"/>
           </a:p>
@@ -4496,7 +4495,7 @@
           <a:p>
             <a:fld id="{D6E302DD-AB53-48EE-857D-3B9B7649DF6B}" type="datetimeFigureOut">
               <a:rPr lang="ru-RU" smtClean="0"/>
-              <a:t>08.06.2024</a:t>
+              <a:t>12.06.2024</a:t>
             </a:fld>
             <a:endParaRPr lang="ru-RU"/>
           </a:p>
@@ -4591,7 +4590,7 @@
           <a:p>
             <a:fld id="{D6E302DD-AB53-48EE-857D-3B9B7649DF6B}" type="datetimeFigureOut">
               <a:rPr lang="ru-RU" smtClean="0"/>
-              <a:t>08.06.2024</a:t>
+              <a:t>12.06.2024</a:t>
             </a:fld>
             <a:endParaRPr lang="ru-RU"/>
           </a:p>
@@ -4840,7 +4839,7 @@
           <a:p>
             <a:fld id="{D6E302DD-AB53-48EE-857D-3B9B7649DF6B}" type="datetimeFigureOut">
               <a:rPr lang="ru-RU" smtClean="0"/>
-              <a:t>08.06.2024</a:t>
+              <a:t>12.06.2024</a:t>
             </a:fld>
             <a:endParaRPr lang="ru-RU"/>
           </a:p>
@@ -5097,7 +5096,7 @@
           <a:p>
             <a:fld id="{D6E302DD-AB53-48EE-857D-3B9B7649DF6B}" type="datetimeFigureOut">
               <a:rPr lang="ru-RU" smtClean="0"/>
-              <a:t>08.06.2024</a:t>
+              <a:t>12.06.2024</a:t>
             </a:fld>
             <a:endParaRPr lang="ru-RU"/>
           </a:p>
@@ -5340,7 +5339,7 @@
           <a:p>
             <a:fld id="{D6E302DD-AB53-48EE-857D-3B9B7649DF6B}" type="datetimeFigureOut">
               <a:rPr lang="ru-RU" smtClean="0"/>
-              <a:t>08.06.2024</a:t>
+              <a:t>12.06.2024</a:t>
             </a:fld>
             <a:endParaRPr lang="ru-RU"/>
           </a:p>
@@ -6652,7 +6651,23 @@
                 <a:ea typeface="Calibri" panose="020F0502020204030204" pitchFamily="34" charset="0"/>
                 <a:cs typeface="Calibri" panose="020F0502020204030204" pitchFamily="34" charset="0"/>
               </a:rPr>
-              <a:t>Разработанная в рамках данной дипломной работы компьютерная игра предназначена для организации досуга, снятия стресса, создания захватывающей и запоминающейся игровой вселенной с увлекательным геймплеем.</a:t>
+              <a:t>Разработанная в рамках </a:t>
+            </a:r>
+            <a:r>
+              <a:rPr lang="ru-RU" sz="2400" dirty="0" smtClean="0">
+                <a:latin typeface="Times New Roman" panose="02020603050405020304" pitchFamily="18" charset="0"/>
+                <a:ea typeface="Calibri" panose="020F0502020204030204" pitchFamily="34" charset="0"/>
+                <a:cs typeface="Calibri" panose="020F0502020204030204" pitchFamily="34" charset="0"/>
+              </a:rPr>
+              <a:t>данного дипломного проекта компьютерная </a:t>
+            </a:r>
+            <a:r>
+              <a:rPr lang="ru-RU" sz="2400" dirty="0">
+                <a:latin typeface="Times New Roman" panose="02020603050405020304" pitchFamily="18" charset="0"/>
+                <a:ea typeface="Calibri" panose="020F0502020204030204" pitchFamily="34" charset="0"/>
+                <a:cs typeface="Calibri" panose="020F0502020204030204" pitchFamily="34" charset="0"/>
+              </a:rPr>
+              <a:t>игра предназначена для организации досуга, снятия стресса, создания захватывающей и запоминающейся игровой вселенной с увлекательным геймплеем.</a:t>
             </a:r>
             <a:endParaRPr lang="ru-RU" sz="2400" dirty="0">
               <a:latin typeface="Times New Roman" panose="02020603050405020304" pitchFamily="18" charset="0"/>
@@ -8260,19 +8275,21 @@
       </p:sp>
       <p:pic>
         <p:nvPicPr>
-          <p:cNvPr id="6" name="Рисунок 5"/>
-          <p:cNvPicPr/>
+          <p:cNvPr id="2" name="Рисунок 1"/>
+          <p:cNvPicPr>
+            <a:picLocks noChangeAspect="1"/>
+          </p:cNvPicPr>
           <p:nvPr/>
         </p:nvPicPr>
         <p:blipFill rotWithShape="1">
           <a:blip r:embed="rId2"/>
-          <a:srcRect l="5163" t="2722" r="7054" b="4306"/>
+          <a:srcRect l="2585" t="11673" r="3546" b="5222"/>
           <a:stretch/>
         </p:blipFill>
         <p:spPr>
           <a:xfrm>
-            <a:off x="4097866" y="1718733"/>
-            <a:ext cx="3623734" cy="4936067"/>
+            <a:off x="2331989" y="1796334"/>
+            <a:ext cx="7295690" cy="4723499"/>
           </a:xfrm>
           <a:prstGeom prst="rect">
             <a:avLst/>
@@ -8283,480 +8300,6 @@
     <p:extLst>
       <p:ext uri="{BB962C8B-B14F-4D97-AF65-F5344CB8AC3E}">
         <p14:creationId xmlns:p14="http://schemas.microsoft.com/office/powerpoint/2010/main" val="2370411269"/>
-      </p:ext>
-    </p:extLst>
-  </p:cSld>
-  <p:clrMapOvr>
-    <a:masterClrMapping/>
-  </p:clrMapOvr>
-  <p:timing>
-    <p:tnLst>
-      <p:par>
-        <p:cTn id="1" dur="indefinite" restart="never" nodeType="tmRoot"/>
-      </p:par>
-    </p:tnLst>
-  </p:timing>
-</p:sld>
-</file>
-
-<file path=ppt/slides/slide7.xml><?xml version="1.0" encoding="utf-8"?>
-<p:sld xmlns:a="http://schemas.openxmlformats.org/drawingml/2006/main" xmlns:r="http://schemas.openxmlformats.org/officeDocument/2006/relationships" xmlns:p="http://schemas.openxmlformats.org/presentationml/2006/main">
-  <p:cSld>
-    <p:spTree>
-      <p:nvGrpSpPr>
-        <p:cNvPr id="1" name=""/>
-        <p:cNvGrpSpPr/>
-        <p:nvPr/>
-      </p:nvGrpSpPr>
-      <p:grpSpPr>
-        <a:xfrm>
-          <a:off x="0" y="0"/>
-          <a:ext cx="0" cy="0"/>
-          <a:chOff x="0" y="0"/>
-          <a:chExt cx="0" cy="0"/>
-        </a:xfrm>
-      </p:grpSpPr>
-      <p:sp>
-        <p:nvSpPr>
-          <p:cNvPr id="3" name="Подзаголовок 2"/>
-          <p:cNvSpPr>
-            <a:spLocks noGrp="1"/>
-          </p:cNvSpPr>
-          <p:nvPr>
-            <p:ph type="subTitle" idx="1"/>
-          </p:nvPr>
-        </p:nvSpPr>
-        <p:spPr>
-          <a:xfrm>
-            <a:off x="1371600" y="1790925"/>
-            <a:ext cx="9448800" cy="1837576"/>
-          </a:xfrm>
-        </p:spPr>
-        <p:txBody>
-          <a:bodyPr anchor="ctr">
-            <a:normAutofit/>
-          </a:bodyPr>
-          <a:lstStyle/>
-          <a:p>
-            <a:pPr algn="ctr"/>
-            <a:r>
-              <a:rPr lang="ru-RU" sz="3600" dirty="0" smtClean="0">
-                <a:latin typeface="Times New Roman" panose="02020603050405020304" pitchFamily="18" charset="0"/>
-                <a:cs typeface="Times New Roman" panose="02020603050405020304" pitchFamily="18" charset="0"/>
-              </a:rPr>
-              <a:t>Дипломный проект на тему</a:t>
-            </a:r>
-            <a:r>
-              <a:rPr lang="en-US" sz="3600" dirty="0" smtClean="0">
-                <a:latin typeface="Times New Roman" panose="02020603050405020304" pitchFamily="18" charset="0"/>
-                <a:cs typeface="Times New Roman" panose="02020603050405020304" pitchFamily="18" charset="0"/>
-              </a:rPr>
-              <a:t>:</a:t>
-            </a:r>
-            <a:r>
-              <a:rPr lang="ru-RU" sz="3600" dirty="0">
-                <a:latin typeface="Times New Roman" panose="02020603050405020304" pitchFamily="18" charset="0"/>
-                <a:cs typeface="Times New Roman" panose="02020603050405020304" pitchFamily="18" charset="0"/>
-              </a:rPr>
-              <a:t/>
-            </a:r>
-            <a:br>
-              <a:rPr lang="ru-RU" sz="3600" dirty="0">
-                <a:latin typeface="Times New Roman" panose="02020603050405020304" pitchFamily="18" charset="0"/>
-                <a:cs typeface="Times New Roman" panose="02020603050405020304" pitchFamily="18" charset="0"/>
-              </a:rPr>
-            </a:br>
-            <a:r>
-              <a:rPr lang="ru-RU" sz="3600" dirty="0" smtClean="0">
-                <a:latin typeface="Times New Roman" panose="02020603050405020304" pitchFamily="18" charset="0"/>
-                <a:cs typeface="Times New Roman" panose="02020603050405020304" pitchFamily="18" charset="0"/>
-              </a:rPr>
-              <a:t>Разработка </a:t>
-            </a:r>
-            <a:r>
-              <a:rPr lang="en-US" sz="3600" dirty="0">
-                <a:latin typeface="Times New Roman" panose="02020603050405020304" pitchFamily="18" charset="0"/>
-                <a:cs typeface="Times New Roman" panose="02020603050405020304" pitchFamily="18" charset="0"/>
-              </a:rPr>
-              <a:t>Top-Down </a:t>
-            </a:r>
-            <a:r>
-              <a:rPr lang="ru-RU" sz="3600" dirty="0">
-                <a:latin typeface="Times New Roman" panose="02020603050405020304" pitchFamily="18" charset="0"/>
-                <a:cs typeface="Times New Roman" panose="02020603050405020304" pitchFamily="18" charset="0"/>
-              </a:rPr>
-              <a:t>игры на движке </a:t>
-            </a:r>
-            <a:r>
-              <a:rPr lang="en-US" sz="3600" dirty="0" smtClean="0">
-                <a:latin typeface="Times New Roman" panose="02020603050405020304" pitchFamily="18" charset="0"/>
-                <a:cs typeface="Times New Roman" panose="02020603050405020304" pitchFamily="18" charset="0"/>
-              </a:rPr>
-              <a:t>Unity</a:t>
-            </a:r>
-            <a:endParaRPr lang="ru-RU" sz="3600" dirty="0"/>
-          </a:p>
-        </p:txBody>
-      </p:sp>
-      <p:sp>
-        <p:nvSpPr>
-          <p:cNvPr id="4" name="Подзаголовок 2"/>
-          <p:cNvSpPr txBox="1">
-            <a:spLocks/>
-          </p:cNvSpPr>
-          <p:nvPr/>
-        </p:nvSpPr>
-        <p:spPr>
-          <a:xfrm>
-            <a:off x="2254469" y="3886200"/>
-            <a:ext cx="7835462" cy="1584434"/>
-          </a:xfrm>
-          <a:prstGeom prst="rect">
-            <a:avLst/>
-          </a:prstGeom>
-        </p:spPr>
-        <p:txBody>
-          <a:bodyPr vert="horz" lIns="91440" tIns="45720" rIns="91440" bIns="45720" rtlCol="0">
-            <a:noAutofit/>
-          </a:bodyPr>
-          <a:lstStyle>
-            <a:lvl1pPr marL="0" indent="0" algn="l" defTabSz="914400" rtl="0" eaLnBrk="1" latinLnBrk="0" hangingPunct="1">
-              <a:lnSpc>
-                <a:spcPct val="90000"/>
-              </a:lnSpc>
-              <a:spcBef>
-                <a:spcPts val="1000"/>
-              </a:spcBef>
-              <a:buFont typeface="Arial" panose="020B0604020202020204" pitchFamily="34" charset="0"/>
-              <a:buNone/>
-              <a:defRPr sz="2000" kern="1200">
-                <a:solidFill>
-                  <a:schemeClr val="tx1"/>
-                </a:solidFill>
-                <a:latin typeface="+mn-lt"/>
-                <a:ea typeface="+mn-ea"/>
-                <a:cs typeface="+mn-cs"/>
-              </a:defRPr>
-            </a:lvl1pPr>
-            <a:lvl2pPr marL="457200" indent="0" algn="ctr" defTabSz="914400" rtl="0" eaLnBrk="1" latinLnBrk="0" hangingPunct="1">
-              <a:lnSpc>
-                <a:spcPct val="90000"/>
-              </a:lnSpc>
-              <a:spcBef>
-                <a:spcPts val="500"/>
-              </a:spcBef>
-              <a:buFont typeface="Arial" panose="020B0604020202020204" pitchFamily="34" charset="0"/>
-              <a:buNone/>
-              <a:defRPr sz="2000" kern="1200">
-                <a:solidFill>
-                  <a:schemeClr val="tx1"/>
-                </a:solidFill>
-                <a:latin typeface="+mn-lt"/>
-                <a:ea typeface="+mn-ea"/>
-                <a:cs typeface="+mn-cs"/>
-              </a:defRPr>
-            </a:lvl2pPr>
-            <a:lvl3pPr marL="914400" indent="0" algn="ctr" defTabSz="914400" rtl="0" eaLnBrk="1" latinLnBrk="0" hangingPunct="1">
-              <a:lnSpc>
-                <a:spcPct val="90000"/>
-              </a:lnSpc>
-              <a:spcBef>
-                <a:spcPts val="500"/>
-              </a:spcBef>
-              <a:buFont typeface="Arial" panose="020B0604020202020204" pitchFamily="34" charset="0"/>
-              <a:buNone/>
-              <a:defRPr sz="1800" kern="1200">
-                <a:solidFill>
-                  <a:schemeClr val="tx1"/>
-                </a:solidFill>
-                <a:latin typeface="+mn-lt"/>
-                <a:ea typeface="+mn-ea"/>
-                <a:cs typeface="+mn-cs"/>
-              </a:defRPr>
-            </a:lvl3pPr>
-            <a:lvl4pPr marL="1371600" indent="0" algn="ctr" defTabSz="914400" rtl="0" eaLnBrk="1" latinLnBrk="0" hangingPunct="1">
-              <a:lnSpc>
-                <a:spcPct val="90000"/>
-              </a:lnSpc>
-              <a:spcBef>
-                <a:spcPts val="500"/>
-              </a:spcBef>
-              <a:buFont typeface="Arial" panose="020B0604020202020204" pitchFamily="34" charset="0"/>
-              <a:buNone/>
-              <a:defRPr sz="1600" kern="1200">
-                <a:solidFill>
-                  <a:schemeClr val="tx1"/>
-                </a:solidFill>
-                <a:latin typeface="+mn-lt"/>
-                <a:ea typeface="+mn-ea"/>
-                <a:cs typeface="+mn-cs"/>
-              </a:defRPr>
-            </a:lvl4pPr>
-            <a:lvl5pPr marL="1828800" indent="0" algn="ctr" defTabSz="914400" rtl="0" eaLnBrk="1" latinLnBrk="0" hangingPunct="1">
-              <a:lnSpc>
-                <a:spcPct val="90000"/>
-              </a:lnSpc>
-              <a:spcBef>
-                <a:spcPts val="500"/>
-              </a:spcBef>
-              <a:buFont typeface="Arial" panose="020B0604020202020204" pitchFamily="34" charset="0"/>
-              <a:buNone/>
-              <a:defRPr sz="1600" kern="1200">
-                <a:solidFill>
-                  <a:schemeClr val="tx1"/>
-                </a:solidFill>
-                <a:latin typeface="+mn-lt"/>
-                <a:ea typeface="+mn-ea"/>
-                <a:cs typeface="+mn-cs"/>
-              </a:defRPr>
-            </a:lvl5pPr>
-            <a:lvl6pPr marL="2286000" indent="0" algn="ctr" defTabSz="914400" rtl="0" eaLnBrk="1" latinLnBrk="0" hangingPunct="1">
-              <a:lnSpc>
-                <a:spcPct val="90000"/>
-              </a:lnSpc>
-              <a:spcBef>
-                <a:spcPts val="500"/>
-              </a:spcBef>
-              <a:buFont typeface="Arial" panose="020B0604020202020204" pitchFamily="34" charset="0"/>
-              <a:buNone/>
-              <a:defRPr sz="1600" kern="1200">
-                <a:solidFill>
-                  <a:schemeClr val="tx1"/>
-                </a:solidFill>
-                <a:latin typeface="+mn-lt"/>
-                <a:ea typeface="+mn-ea"/>
-                <a:cs typeface="+mn-cs"/>
-              </a:defRPr>
-            </a:lvl6pPr>
-            <a:lvl7pPr marL="2743200" indent="0" algn="ctr" defTabSz="914400" rtl="0" eaLnBrk="1" latinLnBrk="0" hangingPunct="1">
-              <a:lnSpc>
-                <a:spcPct val="90000"/>
-              </a:lnSpc>
-              <a:spcBef>
-                <a:spcPts val="500"/>
-              </a:spcBef>
-              <a:buFont typeface="Arial" panose="020B0604020202020204" pitchFamily="34" charset="0"/>
-              <a:buNone/>
-              <a:defRPr sz="1600" kern="1200">
-                <a:solidFill>
-                  <a:schemeClr val="tx1"/>
-                </a:solidFill>
-                <a:latin typeface="+mn-lt"/>
-                <a:ea typeface="+mn-ea"/>
-                <a:cs typeface="+mn-cs"/>
-              </a:defRPr>
-            </a:lvl7pPr>
-            <a:lvl8pPr marL="3200400" indent="0" algn="ctr" defTabSz="914400" rtl="0" eaLnBrk="1" latinLnBrk="0" hangingPunct="1">
-              <a:lnSpc>
-                <a:spcPct val="90000"/>
-              </a:lnSpc>
-              <a:spcBef>
-                <a:spcPts val="500"/>
-              </a:spcBef>
-              <a:buFont typeface="Arial" panose="020B0604020202020204" pitchFamily="34" charset="0"/>
-              <a:buNone/>
-              <a:defRPr sz="1600" kern="1200">
-                <a:solidFill>
-                  <a:schemeClr val="tx1"/>
-                </a:solidFill>
-                <a:latin typeface="+mn-lt"/>
-                <a:ea typeface="+mn-ea"/>
-                <a:cs typeface="+mn-cs"/>
-              </a:defRPr>
-            </a:lvl8pPr>
-            <a:lvl9pPr marL="3657600" indent="0" algn="ctr" defTabSz="914400" rtl="0" eaLnBrk="1" latinLnBrk="0" hangingPunct="1">
-              <a:lnSpc>
-                <a:spcPct val="90000"/>
-              </a:lnSpc>
-              <a:spcBef>
-                <a:spcPts val="500"/>
-              </a:spcBef>
-              <a:buFont typeface="Arial" panose="020B0604020202020204" pitchFamily="34" charset="0"/>
-              <a:buNone/>
-              <a:defRPr sz="1600" kern="1200">
-                <a:solidFill>
-                  <a:schemeClr val="tx1"/>
-                </a:solidFill>
-                <a:latin typeface="+mn-lt"/>
-                <a:ea typeface="+mn-ea"/>
-                <a:cs typeface="+mn-cs"/>
-              </a:defRPr>
-            </a:lvl9pPr>
-          </a:lstStyle>
-          <a:p>
-            <a:pPr lvl="0">
-              <a:lnSpc>
-                <a:spcPts val="3579"/>
-              </a:lnSpc>
-              <a:spcBef>
-                <a:spcPts val="0"/>
-              </a:spcBef>
-            </a:pPr>
-            <a:r>
-              <a:rPr lang="en-US" sz="1600" b="1" dirty="0" smtClean="0">
-                <a:solidFill>
-                  <a:srgbClr val="000000"/>
-                </a:solidFill>
-                <a:latin typeface="Times New Roman" panose="02020603050405020304" pitchFamily="18" charset="0"/>
-                <a:cs typeface="Times New Roman" panose="02020603050405020304" pitchFamily="18" charset="0"/>
-              </a:rPr>
-              <a:t>Специальность</a:t>
-            </a:r>
-            <a:r>
-              <a:rPr lang="en-US" sz="1600" dirty="0" smtClean="0">
-                <a:solidFill>
-                  <a:srgbClr val="000000"/>
-                </a:solidFill>
-                <a:latin typeface="Times New Roman" panose="02020603050405020304" pitchFamily="18" charset="0"/>
-                <a:cs typeface="Times New Roman" panose="02020603050405020304" pitchFamily="18" charset="0"/>
-              </a:rPr>
-              <a:t>: </a:t>
-            </a:r>
-            <a:r>
-              <a:rPr lang="en-US" sz="1600" dirty="0">
-                <a:solidFill>
-                  <a:srgbClr val="000000"/>
-                </a:solidFill>
-                <a:latin typeface="Times New Roman" panose="02020603050405020304" pitchFamily="18" charset="0"/>
-                <a:cs typeface="Times New Roman" panose="02020603050405020304" pitchFamily="18" charset="0"/>
-              </a:rPr>
-              <a:t>09.02.07 – Информационные </a:t>
-            </a:r>
-            <a:r>
-              <a:rPr lang="ru-RU" sz="1600" dirty="0">
-                <a:solidFill>
-                  <a:srgbClr val="000000"/>
-                </a:solidFill>
-                <a:latin typeface="Times New Roman" panose="02020603050405020304" pitchFamily="18" charset="0"/>
-                <a:cs typeface="Times New Roman" panose="02020603050405020304" pitchFamily="18" charset="0"/>
-              </a:rPr>
-              <a:t>системы</a:t>
-            </a:r>
-            <a:r>
-              <a:rPr lang="en-US" sz="1600" dirty="0">
-                <a:solidFill>
-                  <a:srgbClr val="000000"/>
-                </a:solidFill>
-                <a:latin typeface="Times New Roman" panose="02020603050405020304" pitchFamily="18" charset="0"/>
-                <a:cs typeface="Times New Roman" panose="02020603050405020304" pitchFamily="18" charset="0"/>
-              </a:rPr>
-              <a:t> и </a:t>
-            </a:r>
-            <a:r>
-              <a:rPr lang="en-US" sz="1600" dirty="0" smtClean="0">
-                <a:solidFill>
-                  <a:srgbClr val="000000"/>
-                </a:solidFill>
-                <a:latin typeface="Times New Roman" panose="02020603050405020304" pitchFamily="18" charset="0"/>
-                <a:cs typeface="Times New Roman" panose="02020603050405020304" pitchFamily="18" charset="0"/>
-              </a:rPr>
-              <a:t>программирование</a:t>
-            </a:r>
-            <a:endParaRPr lang="ru-RU" sz="1600" b="1" dirty="0" smtClean="0">
-              <a:latin typeface="Times New Roman" panose="02020603050405020304" pitchFamily="18" charset="0"/>
-              <a:cs typeface="Times New Roman" panose="02020603050405020304" pitchFamily="18" charset="0"/>
-            </a:endParaRPr>
-          </a:p>
-          <a:p>
-            <a:r>
-              <a:rPr lang="ru-RU" sz="1600" b="1" dirty="0" smtClean="0">
-                <a:latin typeface="Times New Roman" panose="02020603050405020304" pitchFamily="18" charset="0"/>
-                <a:cs typeface="Times New Roman" panose="02020603050405020304" pitchFamily="18" charset="0"/>
-              </a:rPr>
-              <a:t>Студент</a:t>
-            </a:r>
-            <a:r>
-              <a:rPr lang="en-US" sz="1600" b="1" dirty="0" smtClean="0">
-                <a:latin typeface="Times New Roman" panose="02020603050405020304" pitchFamily="18" charset="0"/>
-                <a:cs typeface="Times New Roman" panose="02020603050405020304" pitchFamily="18" charset="0"/>
-              </a:rPr>
-              <a:t>:</a:t>
-            </a:r>
-            <a:r>
-              <a:rPr lang="ru-RU" sz="1600" b="1" dirty="0" smtClean="0">
-                <a:latin typeface="Times New Roman" panose="02020603050405020304" pitchFamily="18" charset="0"/>
-                <a:cs typeface="Times New Roman" panose="02020603050405020304" pitchFamily="18" charset="0"/>
-              </a:rPr>
-              <a:t> </a:t>
-            </a:r>
-            <a:r>
-              <a:rPr lang="ru-RU" sz="1600" dirty="0" smtClean="0">
-                <a:latin typeface="Times New Roman" panose="02020603050405020304" pitchFamily="18" charset="0"/>
-                <a:cs typeface="Times New Roman" panose="02020603050405020304" pitchFamily="18" charset="0"/>
-              </a:rPr>
-              <a:t>Николаев В.А.</a:t>
-            </a:r>
-          </a:p>
-          <a:p>
-            <a:r>
-              <a:rPr lang="ru-RU" sz="1600" b="1" dirty="0" smtClean="0">
-                <a:latin typeface="Times New Roman" panose="02020603050405020304" pitchFamily="18" charset="0"/>
-                <a:cs typeface="Times New Roman" panose="02020603050405020304" pitchFamily="18" charset="0"/>
-              </a:rPr>
-              <a:t>Группа</a:t>
-            </a:r>
-            <a:r>
-              <a:rPr lang="en-US" sz="1600" dirty="0" smtClean="0">
-                <a:latin typeface="Times New Roman" panose="02020603050405020304" pitchFamily="18" charset="0"/>
-                <a:cs typeface="Times New Roman" panose="02020603050405020304" pitchFamily="18" charset="0"/>
-              </a:rPr>
-              <a:t>: </a:t>
-            </a:r>
-            <a:r>
-              <a:rPr lang="ru-RU" sz="1600" dirty="0" smtClean="0">
-                <a:latin typeface="Times New Roman" panose="02020603050405020304" pitchFamily="18" charset="0"/>
-                <a:cs typeface="Times New Roman" panose="02020603050405020304" pitchFamily="18" charset="0"/>
-              </a:rPr>
-              <a:t>ИП-20-3</a:t>
-            </a:r>
-          </a:p>
-          <a:p>
-            <a:r>
-              <a:rPr lang="ru-RU" sz="1600" b="1" dirty="0">
-                <a:latin typeface="Times New Roman" panose="02020603050405020304" pitchFamily="18" charset="0"/>
-                <a:cs typeface="Times New Roman" panose="02020603050405020304" pitchFamily="18" charset="0"/>
-              </a:rPr>
-              <a:t>Р</a:t>
-            </a:r>
-            <a:r>
-              <a:rPr lang="ru-RU" sz="1600" b="1" dirty="0" smtClean="0">
-                <a:latin typeface="Times New Roman" panose="02020603050405020304" pitchFamily="18" charset="0"/>
-                <a:cs typeface="Times New Roman" panose="02020603050405020304" pitchFamily="18" charset="0"/>
-              </a:rPr>
-              <a:t>уководитель</a:t>
-            </a:r>
-            <a:r>
-              <a:rPr lang="en-US" sz="1600" b="1" dirty="0" smtClean="0">
-                <a:latin typeface="Times New Roman" panose="02020603050405020304" pitchFamily="18" charset="0"/>
-                <a:cs typeface="Times New Roman" panose="02020603050405020304" pitchFamily="18" charset="0"/>
-              </a:rPr>
-              <a:t>:</a:t>
-            </a:r>
-            <a:r>
-              <a:rPr lang="ru-RU" sz="1600" b="1" dirty="0" smtClean="0">
-                <a:latin typeface="Times New Roman" panose="02020603050405020304" pitchFamily="18" charset="0"/>
-                <a:cs typeface="Times New Roman" panose="02020603050405020304" pitchFamily="18" charset="0"/>
-              </a:rPr>
-              <a:t> </a:t>
-            </a:r>
-            <a:r>
-              <a:rPr lang="ru-RU" sz="1600" dirty="0" smtClean="0">
-                <a:latin typeface="Times New Roman" panose="02020603050405020304" pitchFamily="18" charset="0"/>
-                <a:cs typeface="Times New Roman" panose="02020603050405020304" pitchFamily="18" charset="0"/>
-              </a:rPr>
-              <a:t>Исаенко С.В.</a:t>
-            </a:r>
-            <a:endParaRPr lang="ru-RU" sz="1600" dirty="0">
-              <a:latin typeface="Times New Roman" panose="02020603050405020304" pitchFamily="18" charset="0"/>
-              <a:cs typeface="Times New Roman" panose="02020603050405020304" pitchFamily="18" charset="0"/>
-            </a:endParaRPr>
-          </a:p>
-        </p:txBody>
-      </p:sp>
-    </p:spTree>
-    <p:extLst>
-      <p:ext uri="{BB962C8B-B14F-4D97-AF65-F5344CB8AC3E}">
-        <p14:creationId xmlns:p14="http://schemas.microsoft.com/office/powerpoint/2010/main" val="3297833484"/>
       </p:ext>
     </p:extLst>
   </p:cSld>

--- a/Дипломный проект/Дипломная работа Николаев В.А.pptx
+++ b/Дипломный проект/Дипломная работа Николаев В.А.pptx
@@ -287,7 +287,7 @@
           <a:p>
             <a:fld id="{D6E302DD-AB53-48EE-857D-3B9B7649DF6B}" type="datetimeFigureOut">
               <a:rPr lang="ru-RU" smtClean="0"/>
-              <a:t>12.06.2024</a:t>
+              <a:t>16.06.2024</a:t>
             </a:fld>
             <a:endParaRPr lang="ru-RU"/>
           </a:p>
@@ -554,7 +554,7 @@
           <a:p>
             <a:fld id="{D6E302DD-AB53-48EE-857D-3B9B7649DF6B}" type="datetimeFigureOut">
               <a:rPr lang="ru-RU" smtClean="0"/>
-              <a:t>12.06.2024</a:t>
+              <a:t>16.06.2024</a:t>
             </a:fld>
             <a:endParaRPr lang="ru-RU"/>
           </a:p>
@@ -785,7 +785,7 @@
           <a:p>
             <a:fld id="{D6E302DD-AB53-48EE-857D-3B9B7649DF6B}" type="datetimeFigureOut">
               <a:rPr lang="ru-RU" smtClean="0"/>
-              <a:t>12.06.2024</a:t>
+              <a:t>16.06.2024</a:t>
             </a:fld>
             <a:endParaRPr lang="ru-RU"/>
           </a:p>
@@ -1095,7 +1095,7 @@
           <a:p>
             <a:fld id="{D6E302DD-AB53-48EE-857D-3B9B7649DF6B}" type="datetimeFigureOut">
               <a:rPr lang="ru-RU" smtClean="0"/>
-              <a:t>12.06.2024</a:t>
+              <a:t>16.06.2024</a:t>
             </a:fld>
             <a:endParaRPr lang="ru-RU"/>
           </a:p>
@@ -1568,7 +1568,7 @@
           <a:p>
             <a:fld id="{D6E302DD-AB53-48EE-857D-3B9B7649DF6B}" type="datetimeFigureOut">
               <a:rPr lang="ru-RU" smtClean="0"/>
-              <a:t>12.06.2024</a:t>
+              <a:t>16.06.2024</a:t>
             </a:fld>
             <a:endParaRPr lang="ru-RU"/>
           </a:p>
@@ -2115,7 +2115,7 @@
           <a:p>
             <a:fld id="{D6E302DD-AB53-48EE-857D-3B9B7649DF6B}" type="datetimeFigureOut">
               <a:rPr lang="ru-RU" smtClean="0"/>
-              <a:t>12.06.2024</a:t>
+              <a:t>16.06.2024</a:t>
             </a:fld>
             <a:endParaRPr lang="ru-RU"/>
           </a:p>
@@ -2889,7 +2889,7 @@
           <a:p>
             <a:fld id="{D6E302DD-AB53-48EE-857D-3B9B7649DF6B}" type="datetimeFigureOut">
               <a:rPr lang="ru-RU" smtClean="0"/>
-              <a:t>12.06.2024</a:t>
+              <a:t>16.06.2024</a:t>
             </a:fld>
             <a:endParaRPr lang="ru-RU"/>
           </a:p>
@@ -3064,7 +3064,7 @@
           <a:p>
             <a:fld id="{D6E302DD-AB53-48EE-857D-3B9B7649DF6B}" type="datetimeFigureOut">
               <a:rPr lang="ru-RU" smtClean="0"/>
-              <a:t>12.06.2024</a:t>
+              <a:t>16.06.2024</a:t>
             </a:fld>
             <a:endParaRPr lang="ru-RU"/>
           </a:p>
@@ -3287,7 +3287,7 @@
           <a:p>
             <a:fld id="{D6E302DD-AB53-48EE-857D-3B9B7649DF6B}" type="datetimeFigureOut">
               <a:rPr lang="ru-RU" smtClean="0"/>
-              <a:t>12.06.2024</a:t>
+              <a:t>16.06.2024</a:t>
             </a:fld>
             <a:endParaRPr lang="ru-RU"/>
           </a:p>
@@ -3467,7 +3467,7 @@
           <a:p>
             <a:fld id="{D6E302DD-AB53-48EE-857D-3B9B7649DF6B}" type="datetimeFigureOut">
               <a:rPr lang="ru-RU" smtClean="0"/>
-              <a:t>12.06.2024</a:t>
+              <a:t>16.06.2024</a:t>
             </a:fld>
             <a:endParaRPr lang="ru-RU"/>
           </a:p>
@@ -3756,7 +3756,7 @@
           <a:p>
             <a:fld id="{D6E302DD-AB53-48EE-857D-3B9B7649DF6B}" type="datetimeFigureOut">
               <a:rPr lang="ru-RU" smtClean="0"/>
-              <a:t>12.06.2024</a:t>
+              <a:t>16.06.2024</a:t>
             </a:fld>
             <a:endParaRPr lang="ru-RU"/>
           </a:p>
@@ -3998,7 +3998,7 @@
           <a:p>
             <a:fld id="{D6E302DD-AB53-48EE-857D-3B9B7649DF6B}" type="datetimeFigureOut">
               <a:rPr lang="ru-RU" smtClean="0"/>
-              <a:t>12.06.2024</a:t>
+              <a:t>16.06.2024</a:t>
             </a:fld>
             <a:endParaRPr lang="ru-RU"/>
           </a:p>
@@ -4377,7 +4377,7 @@
           <a:p>
             <a:fld id="{D6E302DD-AB53-48EE-857D-3B9B7649DF6B}" type="datetimeFigureOut">
               <a:rPr lang="ru-RU" smtClean="0"/>
-              <a:t>12.06.2024</a:t>
+              <a:t>16.06.2024</a:t>
             </a:fld>
             <a:endParaRPr lang="ru-RU"/>
           </a:p>
@@ -4495,7 +4495,7 @@
           <a:p>
             <a:fld id="{D6E302DD-AB53-48EE-857D-3B9B7649DF6B}" type="datetimeFigureOut">
               <a:rPr lang="ru-RU" smtClean="0"/>
-              <a:t>12.06.2024</a:t>
+              <a:t>16.06.2024</a:t>
             </a:fld>
             <a:endParaRPr lang="ru-RU"/>
           </a:p>
@@ -4590,7 +4590,7 @@
           <a:p>
             <a:fld id="{D6E302DD-AB53-48EE-857D-3B9B7649DF6B}" type="datetimeFigureOut">
               <a:rPr lang="ru-RU" smtClean="0"/>
-              <a:t>12.06.2024</a:t>
+              <a:t>16.06.2024</a:t>
             </a:fld>
             <a:endParaRPr lang="ru-RU"/>
           </a:p>
@@ -4839,7 +4839,7 @@
           <a:p>
             <a:fld id="{D6E302DD-AB53-48EE-857D-3B9B7649DF6B}" type="datetimeFigureOut">
               <a:rPr lang="ru-RU" smtClean="0"/>
-              <a:t>12.06.2024</a:t>
+              <a:t>16.06.2024</a:t>
             </a:fld>
             <a:endParaRPr lang="ru-RU"/>
           </a:p>
@@ -5096,7 +5096,7 @@
           <a:p>
             <a:fld id="{D6E302DD-AB53-48EE-857D-3B9B7649DF6B}" type="datetimeFigureOut">
               <a:rPr lang="ru-RU" smtClean="0"/>
-              <a:t>12.06.2024</a:t>
+              <a:t>16.06.2024</a:t>
             </a:fld>
             <a:endParaRPr lang="ru-RU"/>
           </a:p>
@@ -5339,7 +5339,7 @@
           <a:p>
             <a:fld id="{D6E302DD-AB53-48EE-857D-3B9B7649DF6B}" type="datetimeFigureOut">
               <a:rPr lang="ru-RU" smtClean="0"/>
-              <a:t>12.06.2024</a:t>
+              <a:t>16.06.2024</a:t>
             </a:fld>
             <a:endParaRPr lang="ru-RU"/>
           </a:p>
@@ -6187,6 +6187,74 @@
           </a:p>
         </p:txBody>
       </p:sp>
+      <p:pic>
+        <p:nvPicPr>
+          <p:cNvPr id="5" name="Picture 5"/>
+          <p:cNvPicPr>
+            <a:picLocks noChangeAspect="1" noChangeArrowheads="1"/>
+          </p:cNvPicPr>
+          <p:nvPr/>
+        </p:nvPicPr>
+        <p:blipFill>
+          <a:blip r:embed="rId2" cstate="print">
+            <a:extLst>
+              <a:ext uri="{28A0092B-C50C-407E-A947-70E740481C1C}">
+                <a14:useLocalDpi xmlns:a14="http://schemas.microsoft.com/office/drawing/2010/main" val="0"/>
+              </a:ext>
+            </a:extLst>
+          </a:blip>
+          <a:srcRect/>
+          <a:stretch>
+            <a:fillRect/>
+          </a:stretch>
+        </p:blipFill>
+        <p:spPr bwMode="auto">
+          <a:xfrm>
+            <a:off x="1450975" y="231906"/>
+            <a:ext cx="9290050" cy="2860340"/>
+          </a:xfrm>
+          <a:prstGeom prst="rect">
+            <a:avLst/>
+          </a:prstGeom>
+          <a:noFill/>
+          <a:ln>
+            <a:noFill/>
+          </a:ln>
+          <a:effectLst/>
+          <a:extLst>
+            <a:ext uri="{909E8E84-426E-40DD-AFC4-6F175D3DCCD1}">
+              <a14:hiddenFill xmlns:a14="http://schemas.microsoft.com/office/drawing/2010/main">
+                <a:blipFill dpi="0" rotWithShape="0">
+                  <a:blip/>
+                  <a:srcRect/>
+                  <a:stretch>
+                    <a:fillRect/>
+                  </a:stretch>
+                </a:blipFill>
+              </a14:hiddenFill>
+            </a:ext>
+            <a:ext uri="{91240B29-F687-4F45-9708-019B960494DF}">
+              <a14:hiddenLine xmlns:a14="http://schemas.microsoft.com/office/drawing/2010/main" w="9525">
+                <a:solidFill>
+                  <a:srgbClr val="3465A4"/>
+                </a:solidFill>
+                <a:round/>
+                <a:headEnd/>
+                <a:tailEnd/>
+              </a14:hiddenLine>
+            </a:ext>
+            <a:ext uri="{AF507438-7753-43E0-B8FC-AC1667EBCBE1}">
+              <a14:hiddenEffects xmlns:a14="http://schemas.microsoft.com/office/drawing/2010/main">
+                <a:effectLst>
+                  <a:outerShdw dist="35921" dir="2700000" algn="ctr" rotWithShape="0">
+                    <a:srgbClr val="808080"/>
+                  </a:outerShdw>
+                </a:effectLst>
+              </a14:hiddenEffects>
+            </a:ext>
+          </a:extLst>
+        </p:spPr>
+      </p:pic>
     </p:spTree>
     <p:extLst>
       <p:ext uri="{BB962C8B-B14F-4D97-AF65-F5344CB8AC3E}">

--- a/Дипломный проект/Дипломная работа Николаев В.А.pptx
+++ b/Дипломный проект/Дипломная работа Николаев В.А.pptx
@@ -11,6 +11,7 @@
     <p:sldId id="261" r:id="rId5"/>
     <p:sldId id="262" r:id="rId6"/>
     <p:sldId id="263" r:id="rId7"/>
+    <p:sldId id="267" r:id="rId8"/>
   </p:sldIdLst>
   <p:sldSz cx="12192000" cy="6858000"/>
   <p:notesSz cx="6858000" cy="9144000"/>
@@ -5750,443 +5751,6 @@
           <a:chExt cx="0" cy="0"/>
         </a:xfrm>
       </p:grpSpPr>
-      <p:sp>
-        <p:nvSpPr>
-          <p:cNvPr id="3" name="Подзаголовок 2"/>
-          <p:cNvSpPr>
-            <a:spLocks noGrp="1"/>
-          </p:cNvSpPr>
-          <p:nvPr>
-            <p:ph type="subTitle" idx="1"/>
-          </p:nvPr>
-        </p:nvSpPr>
-        <p:spPr>
-          <a:xfrm>
-            <a:off x="1371600" y="1790925"/>
-            <a:ext cx="9448800" cy="1837576"/>
-          </a:xfrm>
-        </p:spPr>
-        <p:txBody>
-          <a:bodyPr anchor="ctr">
-            <a:normAutofit/>
-          </a:bodyPr>
-          <a:lstStyle/>
-          <a:p>
-            <a:pPr algn="ctr"/>
-            <a:r>
-              <a:rPr lang="ru-RU" sz="3600" dirty="0" smtClean="0">
-                <a:latin typeface="Times New Roman" panose="02020603050405020304" pitchFamily="18" charset="0"/>
-                <a:cs typeface="Times New Roman" panose="02020603050405020304" pitchFamily="18" charset="0"/>
-              </a:rPr>
-              <a:t>Дипломный проект на тему</a:t>
-            </a:r>
-            <a:r>
-              <a:rPr lang="en-US" sz="3600" dirty="0" smtClean="0">
-                <a:latin typeface="Times New Roman" panose="02020603050405020304" pitchFamily="18" charset="0"/>
-                <a:cs typeface="Times New Roman" panose="02020603050405020304" pitchFamily="18" charset="0"/>
-              </a:rPr>
-              <a:t>:</a:t>
-            </a:r>
-            <a:r>
-              <a:rPr lang="ru-RU" sz="3600" dirty="0">
-                <a:latin typeface="Times New Roman" panose="02020603050405020304" pitchFamily="18" charset="0"/>
-                <a:cs typeface="Times New Roman" panose="02020603050405020304" pitchFamily="18" charset="0"/>
-              </a:rPr>
-              <a:t/>
-            </a:r>
-            <a:br>
-              <a:rPr lang="ru-RU" sz="3600" dirty="0">
-                <a:latin typeface="Times New Roman" panose="02020603050405020304" pitchFamily="18" charset="0"/>
-                <a:cs typeface="Times New Roman" panose="02020603050405020304" pitchFamily="18" charset="0"/>
-              </a:rPr>
-            </a:br>
-            <a:r>
-              <a:rPr lang="ru-RU" sz="3600" dirty="0" smtClean="0">
-                <a:latin typeface="Times New Roman" panose="02020603050405020304" pitchFamily="18" charset="0"/>
-                <a:cs typeface="Times New Roman" panose="02020603050405020304" pitchFamily="18" charset="0"/>
-              </a:rPr>
-              <a:t>Разработка </a:t>
-            </a:r>
-            <a:r>
-              <a:rPr lang="en-US" sz="3600" dirty="0">
-                <a:latin typeface="Times New Roman" panose="02020603050405020304" pitchFamily="18" charset="0"/>
-                <a:cs typeface="Times New Roman" panose="02020603050405020304" pitchFamily="18" charset="0"/>
-              </a:rPr>
-              <a:t>Top-Down </a:t>
-            </a:r>
-            <a:r>
-              <a:rPr lang="ru-RU" sz="3600" dirty="0">
-                <a:latin typeface="Times New Roman" panose="02020603050405020304" pitchFamily="18" charset="0"/>
-                <a:cs typeface="Times New Roman" panose="02020603050405020304" pitchFamily="18" charset="0"/>
-              </a:rPr>
-              <a:t>игры на движке </a:t>
-            </a:r>
-            <a:r>
-              <a:rPr lang="en-US" sz="3600" dirty="0" smtClean="0">
-                <a:latin typeface="Times New Roman" panose="02020603050405020304" pitchFamily="18" charset="0"/>
-                <a:cs typeface="Times New Roman" panose="02020603050405020304" pitchFamily="18" charset="0"/>
-              </a:rPr>
-              <a:t>Unity</a:t>
-            </a:r>
-            <a:endParaRPr lang="ru-RU" sz="3600" dirty="0"/>
-          </a:p>
-        </p:txBody>
-      </p:sp>
-      <p:sp>
-        <p:nvSpPr>
-          <p:cNvPr id="4" name="Подзаголовок 2"/>
-          <p:cNvSpPr txBox="1">
-            <a:spLocks/>
-          </p:cNvSpPr>
-          <p:nvPr/>
-        </p:nvSpPr>
-        <p:spPr>
-          <a:xfrm>
-            <a:off x="2254469" y="3886200"/>
-            <a:ext cx="7835462" cy="1584434"/>
-          </a:xfrm>
-          <a:prstGeom prst="rect">
-            <a:avLst/>
-          </a:prstGeom>
-        </p:spPr>
-        <p:txBody>
-          <a:bodyPr vert="horz" lIns="91440" tIns="45720" rIns="91440" bIns="45720" rtlCol="0">
-            <a:noAutofit/>
-          </a:bodyPr>
-          <a:lstStyle>
-            <a:lvl1pPr marL="0" indent="0" algn="l" defTabSz="914400" rtl="0" eaLnBrk="1" latinLnBrk="0" hangingPunct="1">
-              <a:lnSpc>
-                <a:spcPct val="90000"/>
-              </a:lnSpc>
-              <a:spcBef>
-                <a:spcPts val="1000"/>
-              </a:spcBef>
-              <a:buFont typeface="Arial" panose="020B0604020202020204" pitchFamily="34" charset="0"/>
-              <a:buNone/>
-              <a:defRPr sz="2000" kern="1200">
-                <a:solidFill>
-                  <a:schemeClr val="tx1"/>
-                </a:solidFill>
-                <a:latin typeface="+mn-lt"/>
-                <a:ea typeface="+mn-ea"/>
-                <a:cs typeface="+mn-cs"/>
-              </a:defRPr>
-            </a:lvl1pPr>
-            <a:lvl2pPr marL="457200" indent="0" algn="ctr" defTabSz="914400" rtl="0" eaLnBrk="1" latinLnBrk="0" hangingPunct="1">
-              <a:lnSpc>
-                <a:spcPct val="90000"/>
-              </a:lnSpc>
-              <a:spcBef>
-                <a:spcPts val="500"/>
-              </a:spcBef>
-              <a:buFont typeface="Arial" panose="020B0604020202020204" pitchFamily="34" charset="0"/>
-              <a:buNone/>
-              <a:defRPr sz="2000" kern="1200">
-                <a:solidFill>
-                  <a:schemeClr val="tx1"/>
-                </a:solidFill>
-                <a:latin typeface="+mn-lt"/>
-                <a:ea typeface="+mn-ea"/>
-                <a:cs typeface="+mn-cs"/>
-              </a:defRPr>
-            </a:lvl2pPr>
-            <a:lvl3pPr marL="914400" indent="0" algn="ctr" defTabSz="914400" rtl="0" eaLnBrk="1" latinLnBrk="0" hangingPunct="1">
-              <a:lnSpc>
-                <a:spcPct val="90000"/>
-              </a:lnSpc>
-              <a:spcBef>
-                <a:spcPts val="500"/>
-              </a:spcBef>
-              <a:buFont typeface="Arial" panose="020B0604020202020204" pitchFamily="34" charset="0"/>
-              <a:buNone/>
-              <a:defRPr sz="1800" kern="1200">
-                <a:solidFill>
-                  <a:schemeClr val="tx1"/>
-                </a:solidFill>
-                <a:latin typeface="+mn-lt"/>
-                <a:ea typeface="+mn-ea"/>
-                <a:cs typeface="+mn-cs"/>
-              </a:defRPr>
-            </a:lvl3pPr>
-            <a:lvl4pPr marL="1371600" indent="0" algn="ctr" defTabSz="914400" rtl="0" eaLnBrk="1" latinLnBrk="0" hangingPunct="1">
-              <a:lnSpc>
-                <a:spcPct val="90000"/>
-              </a:lnSpc>
-              <a:spcBef>
-                <a:spcPts val="500"/>
-              </a:spcBef>
-              <a:buFont typeface="Arial" panose="020B0604020202020204" pitchFamily="34" charset="0"/>
-              <a:buNone/>
-              <a:defRPr sz="1600" kern="1200">
-                <a:solidFill>
-                  <a:schemeClr val="tx1"/>
-                </a:solidFill>
-                <a:latin typeface="+mn-lt"/>
-                <a:ea typeface="+mn-ea"/>
-                <a:cs typeface="+mn-cs"/>
-              </a:defRPr>
-            </a:lvl4pPr>
-            <a:lvl5pPr marL="1828800" indent="0" algn="ctr" defTabSz="914400" rtl="0" eaLnBrk="1" latinLnBrk="0" hangingPunct="1">
-              <a:lnSpc>
-                <a:spcPct val="90000"/>
-              </a:lnSpc>
-              <a:spcBef>
-                <a:spcPts val="500"/>
-              </a:spcBef>
-              <a:buFont typeface="Arial" panose="020B0604020202020204" pitchFamily="34" charset="0"/>
-              <a:buNone/>
-              <a:defRPr sz="1600" kern="1200">
-                <a:solidFill>
-                  <a:schemeClr val="tx1"/>
-                </a:solidFill>
-                <a:latin typeface="+mn-lt"/>
-                <a:ea typeface="+mn-ea"/>
-                <a:cs typeface="+mn-cs"/>
-              </a:defRPr>
-            </a:lvl5pPr>
-            <a:lvl6pPr marL="2286000" indent="0" algn="ctr" defTabSz="914400" rtl="0" eaLnBrk="1" latinLnBrk="0" hangingPunct="1">
-              <a:lnSpc>
-                <a:spcPct val="90000"/>
-              </a:lnSpc>
-              <a:spcBef>
-                <a:spcPts val="500"/>
-              </a:spcBef>
-              <a:buFont typeface="Arial" panose="020B0604020202020204" pitchFamily="34" charset="0"/>
-              <a:buNone/>
-              <a:defRPr sz="1600" kern="1200">
-                <a:solidFill>
-                  <a:schemeClr val="tx1"/>
-                </a:solidFill>
-                <a:latin typeface="+mn-lt"/>
-                <a:ea typeface="+mn-ea"/>
-                <a:cs typeface="+mn-cs"/>
-              </a:defRPr>
-            </a:lvl6pPr>
-            <a:lvl7pPr marL="2743200" indent="0" algn="ctr" defTabSz="914400" rtl="0" eaLnBrk="1" latinLnBrk="0" hangingPunct="1">
-              <a:lnSpc>
-                <a:spcPct val="90000"/>
-              </a:lnSpc>
-              <a:spcBef>
-                <a:spcPts val="500"/>
-              </a:spcBef>
-              <a:buFont typeface="Arial" panose="020B0604020202020204" pitchFamily="34" charset="0"/>
-              <a:buNone/>
-              <a:defRPr sz="1600" kern="1200">
-                <a:solidFill>
-                  <a:schemeClr val="tx1"/>
-                </a:solidFill>
-                <a:latin typeface="+mn-lt"/>
-                <a:ea typeface="+mn-ea"/>
-                <a:cs typeface="+mn-cs"/>
-              </a:defRPr>
-            </a:lvl7pPr>
-            <a:lvl8pPr marL="3200400" indent="0" algn="ctr" defTabSz="914400" rtl="0" eaLnBrk="1" latinLnBrk="0" hangingPunct="1">
-              <a:lnSpc>
-                <a:spcPct val="90000"/>
-              </a:lnSpc>
-              <a:spcBef>
-                <a:spcPts val="500"/>
-              </a:spcBef>
-              <a:buFont typeface="Arial" panose="020B0604020202020204" pitchFamily="34" charset="0"/>
-              <a:buNone/>
-              <a:defRPr sz="1600" kern="1200">
-                <a:solidFill>
-                  <a:schemeClr val="tx1"/>
-                </a:solidFill>
-                <a:latin typeface="+mn-lt"/>
-                <a:ea typeface="+mn-ea"/>
-                <a:cs typeface="+mn-cs"/>
-              </a:defRPr>
-            </a:lvl8pPr>
-            <a:lvl9pPr marL="3657600" indent="0" algn="ctr" defTabSz="914400" rtl="0" eaLnBrk="1" latinLnBrk="0" hangingPunct="1">
-              <a:lnSpc>
-                <a:spcPct val="90000"/>
-              </a:lnSpc>
-              <a:spcBef>
-                <a:spcPts val="500"/>
-              </a:spcBef>
-              <a:buFont typeface="Arial" panose="020B0604020202020204" pitchFamily="34" charset="0"/>
-              <a:buNone/>
-              <a:defRPr sz="1600" kern="1200">
-                <a:solidFill>
-                  <a:schemeClr val="tx1"/>
-                </a:solidFill>
-                <a:latin typeface="+mn-lt"/>
-                <a:ea typeface="+mn-ea"/>
-                <a:cs typeface="+mn-cs"/>
-              </a:defRPr>
-            </a:lvl9pPr>
-          </a:lstStyle>
-          <a:p>
-            <a:pPr lvl="0">
-              <a:lnSpc>
-                <a:spcPts val="3579"/>
-              </a:lnSpc>
-              <a:spcBef>
-                <a:spcPts val="0"/>
-              </a:spcBef>
-            </a:pPr>
-            <a:r>
-              <a:rPr lang="en-US" sz="1600" b="1" dirty="0" smtClean="0">
-                <a:solidFill>
-                  <a:srgbClr val="000000"/>
-                </a:solidFill>
-                <a:latin typeface="Times New Roman" panose="02020603050405020304" pitchFamily="18" charset="0"/>
-                <a:cs typeface="Times New Roman" panose="02020603050405020304" pitchFamily="18" charset="0"/>
-              </a:rPr>
-              <a:t>Специальность</a:t>
-            </a:r>
-            <a:r>
-              <a:rPr lang="en-US" sz="1600" dirty="0" smtClean="0">
-                <a:solidFill>
-                  <a:srgbClr val="000000"/>
-                </a:solidFill>
-                <a:latin typeface="Times New Roman" panose="02020603050405020304" pitchFamily="18" charset="0"/>
-                <a:cs typeface="Times New Roman" panose="02020603050405020304" pitchFamily="18" charset="0"/>
-              </a:rPr>
-              <a:t>: </a:t>
-            </a:r>
-            <a:r>
-              <a:rPr lang="en-US" sz="1600" dirty="0">
-                <a:solidFill>
-                  <a:srgbClr val="000000"/>
-                </a:solidFill>
-                <a:latin typeface="Times New Roman" panose="02020603050405020304" pitchFamily="18" charset="0"/>
-                <a:cs typeface="Times New Roman" panose="02020603050405020304" pitchFamily="18" charset="0"/>
-              </a:rPr>
-              <a:t>09.02.07 – Информационные </a:t>
-            </a:r>
-            <a:r>
-              <a:rPr lang="ru-RU" sz="1600" dirty="0">
-                <a:solidFill>
-                  <a:srgbClr val="000000"/>
-                </a:solidFill>
-                <a:latin typeface="Times New Roman" panose="02020603050405020304" pitchFamily="18" charset="0"/>
-                <a:cs typeface="Times New Roman" panose="02020603050405020304" pitchFamily="18" charset="0"/>
-              </a:rPr>
-              <a:t>системы</a:t>
-            </a:r>
-            <a:r>
-              <a:rPr lang="en-US" sz="1600" dirty="0">
-                <a:solidFill>
-                  <a:srgbClr val="000000"/>
-                </a:solidFill>
-                <a:latin typeface="Times New Roman" panose="02020603050405020304" pitchFamily="18" charset="0"/>
-                <a:cs typeface="Times New Roman" panose="02020603050405020304" pitchFamily="18" charset="0"/>
-              </a:rPr>
-              <a:t> и </a:t>
-            </a:r>
-            <a:r>
-              <a:rPr lang="en-US" sz="1600" dirty="0" smtClean="0">
-                <a:solidFill>
-                  <a:srgbClr val="000000"/>
-                </a:solidFill>
-                <a:latin typeface="Times New Roman" panose="02020603050405020304" pitchFamily="18" charset="0"/>
-                <a:cs typeface="Times New Roman" panose="02020603050405020304" pitchFamily="18" charset="0"/>
-              </a:rPr>
-              <a:t>программирование</a:t>
-            </a:r>
-            <a:endParaRPr lang="ru-RU" sz="1600" b="1" dirty="0" smtClean="0">
-              <a:latin typeface="Times New Roman" panose="02020603050405020304" pitchFamily="18" charset="0"/>
-              <a:cs typeface="Times New Roman" panose="02020603050405020304" pitchFamily="18" charset="0"/>
-            </a:endParaRPr>
-          </a:p>
-          <a:p>
-            <a:r>
-              <a:rPr lang="ru-RU" sz="1600" b="1" dirty="0" smtClean="0">
-                <a:latin typeface="Times New Roman" panose="02020603050405020304" pitchFamily="18" charset="0"/>
-                <a:cs typeface="Times New Roman" panose="02020603050405020304" pitchFamily="18" charset="0"/>
-              </a:rPr>
-              <a:t>Студент</a:t>
-            </a:r>
-            <a:r>
-              <a:rPr lang="en-US" sz="1600" b="1" dirty="0" smtClean="0">
-                <a:latin typeface="Times New Roman" panose="02020603050405020304" pitchFamily="18" charset="0"/>
-                <a:cs typeface="Times New Roman" panose="02020603050405020304" pitchFamily="18" charset="0"/>
-              </a:rPr>
-              <a:t>:</a:t>
-            </a:r>
-            <a:r>
-              <a:rPr lang="ru-RU" sz="1600" b="1" dirty="0" smtClean="0">
-                <a:latin typeface="Times New Roman" panose="02020603050405020304" pitchFamily="18" charset="0"/>
-                <a:cs typeface="Times New Roman" panose="02020603050405020304" pitchFamily="18" charset="0"/>
-              </a:rPr>
-              <a:t> </a:t>
-            </a:r>
-            <a:r>
-              <a:rPr lang="ru-RU" sz="1600" dirty="0" smtClean="0">
-                <a:latin typeface="Times New Roman" panose="02020603050405020304" pitchFamily="18" charset="0"/>
-                <a:cs typeface="Times New Roman" panose="02020603050405020304" pitchFamily="18" charset="0"/>
-              </a:rPr>
-              <a:t>Николаев В.А.</a:t>
-            </a:r>
-          </a:p>
-          <a:p>
-            <a:r>
-              <a:rPr lang="ru-RU" sz="1600" b="1" dirty="0" smtClean="0">
-                <a:latin typeface="Times New Roman" panose="02020603050405020304" pitchFamily="18" charset="0"/>
-                <a:cs typeface="Times New Roman" panose="02020603050405020304" pitchFamily="18" charset="0"/>
-              </a:rPr>
-              <a:t>Группа</a:t>
-            </a:r>
-            <a:r>
-              <a:rPr lang="en-US" sz="1600" dirty="0" smtClean="0">
-                <a:latin typeface="Times New Roman" panose="02020603050405020304" pitchFamily="18" charset="0"/>
-                <a:cs typeface="Times New Roman" panose="02020603050405020304" pitchFamily="18" charset="0"/>
-              </a:rPr>
-              <a:t>: </a:t>
-            </a:r>
-            <a:r>
-              <a:rPr lang="ru-RU" sz="1600" dirty="0" smtClean="0">
-                <a:latin typeface="Times New Roman" panose="02020603050405020304" pitchFamily="18" charset="0"/>
-                <a:cs typeface="Times New Roman" panose="02020603050405020304" pitchFamily="18" charset="0"/>
-              </a:rPr>
-              <a:t>ИП-20-3</a:t>
-            </a:r>
-          </a:p>
-          <a:p>
-            <a:r>
-              <a:rPr lang="ru-RU" sz="1600" b="1" dirty="0">
-                <a:latin typeface="Times New Roman" panose="02020603050405020304" pitchFamily="18" charset="0"/>
-                <a:cs typeface="Times New Roman" panose="02020603050405020304" pitchFamily="18" charset="0"/>
-              </a:rPr>
-              <a:t>Р</a:t>
-            </a:r>
-            <a:r>
-              <a:rPr lang="ru-RU" sz="1600" b="1" dirty="0" smtClean="0">
-                <a:latin typeface="Times New Roman" panose="02020603050405020304" pitchFamily="18" charset="0"/>
-                <a:cs typeface="Times New Roman" panose="02020603050405020304" pitchFamily="18" charset="0"/>
-              </a:rPr>
-              <a:t>уководитель</a:t>
-            </a:r>
-            <a:r>
-              <a:rPr lang="en-US" sz="1600" b="1" dirty="0" smtClean="0">
-                <a:latin typeface="Times New Roman" panose="02020603050405020304" pitchFamily="18" charset="0"/>
-                <a:cs typeface="Times New Roman" panose="02020603050405020304" pitchFamily="18" charset="0"/>
-              </a:rPr>
-              <a:t>:</a:t>
-            </a:r>
-            <a:r>
-              <a:rPr lang="ru-RU" sz="1600" b="1" dirty="0" smtClean="0">
-                <a:latin typeface="Times New Roman" panose="02020603050405020304" pitchFamily="18" charset="0"/>
-                <a:cs typeface="Times New Roman" panose="02020603050405020304" pitchFamily="18" charset="0"/>
-              </a:rPr>
-              <a:t> </a:t>
-            </a:r>
-            <a:r>
-              <a:rPr lang="ru-RU" sz="1600" dirty="0" smtClean="0">
-                <a:latin typeface="Times New Roman" panose="02020603050405020304" pitchFamily="18" charset="0"/>
-                <a:cs typeface="Times New Roman" panose="02020603050405020304" pitchFamily="18" charset="0"/>
-              </a:rPr>
-              <a:t>Исаенко С.В.</a:t>
-            </a:r>
-            <a:endParaRPr lang="ru-RU" sz="1600" dirty="0">
-              <a:latin typeface="Times New Roman" panose="02020603050405020304" pitchFamily="18" charset="0"/>
-              <a:cs typeface="Times New Roman" panose="02020603050405020304" pitchFamily="18" charset="0"/>
-            </a:endParaRPr>
-          </a:p>
-        </p:txBody>
-      </p:sp>
       <p:pic>
         <p:nvPicPr>
           <p:cNvPr id="5" name="Picture 5"/>
@@ -6255,6 +5819,443 @@
           </a:extLst>
         </p:spPr>
       </p:pic>
+      <p:sp>
+        <p:nvSpPr>
+          <p:cNvPr id="3" name="Подзаголовок 2"/>
+          <p:cNvSpPr>
+            <a:spLocks noGrp="1"/>
+          </p:cNvSpPr>
+          <p:nvPr>
+            <p:ph type="subTitle" idx="1"/>
+          </p:nvPr>
+        </p:nvSpPr>
+        <p:spPr>
+          <a:xfrm>
+            <a:off x="1371600" y="1790925"/>
+            <a:ext cx="9448800" cy="1837576"/>
+          </a:xfrm>
+        </p:spPr>
+        <p:txBody>
+          <a:bodyPr anchor="ctr">
+            <a:normAutofit/>
+          </a:bodyPr>
+          <a:lstStyle/>
+          <a:p>
+            <a:pPr algn="ctr"/>
+            <a:r>
+              <a:rPr lang="ru-RU" sz="3600" dirty="0" smtClean="0">
+                <a:latin typeface="Times New Roman" panose="02020603050405020304" pitchFamily="18" charset="0"/>
+                <a:cs typeface="Times New Roman" panose="02020603050405020304" pitchFamily="18" charset="0"/>
+              </a:rPr>
+              <a:t>Дипломный проект на тему</a:t>
+            </a:r>
+            <a:r>
+              <a:rPr lang="en-US" sz="3600" dirty="0" smtClean="0">
+                <a:latin typeface="Times New Roman" panose="02020603050405020304" pitchFamily="18" charset="0"/>
+                <a:cs typeface="Times New Roman" panose="02020603050405020304" pitchFamily="18" charset="0"/>
+              </a:rPr>
+              <a:t>:</a:t>
+            </a:r>
+            <a:r>
+              <a:rPr lang="ru-RU" sz="3600" dirty="0">
+                <a:latin typeface="Times New Roman" panose="02020603050405020304" pitchFamily="18" charset="0"/>
+                <a:cs typeface="Times New Roman" panose="02020603050405020304" pitchFamily="18" charset="0"/>
+              </a:rPr>
+              <a:t/>
+            </a:r>
+            <a:br>
+              <a:rPr lang="ru-RU" sz="3600" dirty="0">
+                <a:latin typeface="Times New Roman" panose="02020603050405020304" pitchFamily="18" charset="0"/>
+                <a:cs typeface="Times New Roman" panose="02020603050405020304" pitchFamily="18" charset="0"/>
+              </a:rPr>
+            </a:br>
+            <a:r>
+              <a:rPr lang="ru-RU" sz="3600" dirty="0" smtClean="0">
+                <a:latin typeface="Times New Roman" panose="02020603050405020304" pitchFamily="18" charset="0"/>
+                <a:cs typeface="Times New Roman" panose="02020603050405020304" pitchFamily="18" charset="0"/>
+              </a:rPr>
+              <a:t>Разработка </a:t>
+            </a:r>
+            <a:r>
+              <a:rPr lang="en-US" sz="3600" dirty="0">
+                <a:latin typeface="Times New Roman" panose="02020603050405020304" pitchFamily="18" charset="0"/>
+                <a:cs typeface="Times New Roman" panose="02020603050405020304" pitchFamily="18" charset="0"/>
+              </a:rPr>
+              <a:t>Top-Down </a:t>
+            </a:r>
+            <a:r>
+              <a:rPr lang="ru-RU" sz="3600" dirty="0">
+                <a:latin typeface="Times New Roman" panose="02020603050405020304" pitchFamily="18" charset="0"/>
+                <a:cs typeface="Times New Roman" panose="02020603050405020304" pitchFamily="18" charset="0"/>
+              </a:rPr>
+              <a:t>игры на движке </a:t>
+            </a:r>
+            <a:r>
+              <a:rPr lang="en-US" sz="3600" dirty="0" smtClean="0">
+                <a:latin typeface="Times New Roman" panose="02020603050405020304" pitchFamily="18" charset="0"/>
+                <a:cs typeface="Times New Roman" panose="02020603050405020304" pitchFamily="18" charset="0"/>
+              </a:rPr>
+              <a:t>Unity</a:t>
+            </a:r>
+            <a:endParaRPr lang="ru-RU" sz="3600" dirty="0"/>
+          </a:p>
+        </p:txBody>
+      </p:sp>
+      <p:sp>
+        <p:nvSpPr>
+          <p:cNvPr id="4" name="Подзаголовок 2"/>
+          <p:cNvSpPr txBox="1">
+            <a:spLocks/>
+          </p:cNvSpPr>
+          <p:nvPr/>
+        </p:nvSpPr>
+        <p:spPr>
+          <a:xfrm>
+            <a:off x="2254469" y="3886200"/>
+            <a:ext cx="7835462" cy="1584434"/>
+          </a:xfrm>
+          <a:prstGeom prst="rect">
+            <a:avLst/>
+          </a:prstGeom>
+        </p:spPr>
+        <p:txBody>
+          <a:bodyPr vert="horz" lIns="91440" tIns="45720" rIns="91440" bIns="45720" rtlCol="0">
+            <a:noAutofit/>
+          </a:bodyPr>
+          <a:lstStyle>
+            <a:lvl1pPr marL="0" indent="0" algn="l" defTabSz="914400" rtl="0" eaLnBrk="1" latinLnBrk="0" hangingPunct="1">
+              <a:lnSpc>
+                <a:spcPct val="90000"/>
+              </a:lnSpc>
+              <a:spcBef>
+                <a:spcPts val="1000"/>
+              </a:spcBef>
+              <a:buFont typeface="Arial" panose="020B0604020202020204" pitchFamily="34" charset="0"/>
+              <a:buNone/>
+              <a:defRPr sz="2000" kern="1200">
+                <a:solidFill>
+                  <a:schemeClr val="tx1"/>
+                </a:solidFill>
+                <a:latin typeface="+mn-lt"/>
+                <a:ea typeface="+mn-ea"/>
+                <a:cs typeface="+mn-cs"/>
+              </a:defRPr>
+            </a:lvl1pPr>
+            <a:lvl2pPr marL="457200" indent="0" algn="ctr" defTabSz="914400" rtl="0" eaLnBrk="1" latinLnBrk="0" hangingPunct="1">
+              <a:lnSpc>
+                <a:spcPct val="90000"/>
+              </a:lnSpc>
+              <a:spcBef>
+                <a:spcPts val="500"/>
+              </a:spcBef>
+              <a:buFont typeface="Arial" panose="020B0604020202020204" pitchFamily="34" charset="0"/>
+              <a:buNone/>
+              <a:defRPr sz="2000" kern="1200">
+                <a:solidFill>
+                  <a:schemeClr val="tx1"/>
+                </a:solidFill>
+                <a:latin typeface="+mn-lt"/>
+                <a:ea typeface="+mn-ea"/>
+                <a:cs typeface="+mn-cs"/>
+              </a:defRPr>
+            </a:lvl2pPr>
+            <a:lvl3pPr marL="914400" indent="0" algn="ctr" defTabSz="914400" rtl="0" eaLnBrk="1" latinLnBrk="0" hangingPunct="1">
+              <a:lnSpc>
+                <a:spcPct val="90000"/>
+              </a:lnSpc>
+              <a:spcBef>
+                <a:spcPts val="500"/>
+              </a:spcBef>
+              <a:buFont typeface="Arial" panose="020B0604020202020204" pitchFamily="34" charset="0"/>
+              <a:buNone/>
+              <a:defRPr sz="1800" kern="1200">
+                <a:solidFill>
+                  <a:schemeClr val="tx1"/>
+                </a:solidFill>
+                <a:latin typeface="+mn-lt"/>
+                <a:ea typeface="+mn-ea"/>
+                <a:cs typeface="+mn-cs"/>
+              </a:defRPr>
+            </a:lvl3pPr>
+            <a:lvl4pPr marL="1371600" indent="0" algn="ctr" defTabSz="914400" rtl="0" eaLnBrk="1" latinLnBrk="0" hangingPunct="1">
+              <a:lnSpc>
+                <a:spcPct val="90000"/>
+              </a:lnSpc>
+              <a:spcBef>
+                <a:spcPts val="500"/>
+              </a:spcBef>
+              <a:buFont typeface="Arial" panose="020B0604020202020204" pitchFamily="34" charset="0"/>
+              <a:buNone/>
+              <a:defRPr sz="1600" kern="1200">
+                <a:solidFill>
+                  <a:schemeClr val="tx1"/>
+                </a:solidFill>
+                <a:latin typeface="+mn-lt"/>
+                <a:ea typeface="+mn-ea"/>
+                <a:cs typeface="+mn-cs"/>
+              </a:defRPr>
+            </a:lvl4pPr>
+            <a:lvl5pPr marL="1828800" indent="0" algn="ctr" defTabSz="914400" rtl="0" eaLnBrk="1" latinLnBrk="0" hangingPunct="1">
+              <a:lnSpc>
+                <a:spcPct val="90000"/>
+              </a:lnSpc>
+              <a:spcBef>
+                <a:spcPts val="500"/>
+              </a:spcBef>
+              <a:buFont typeface="Arial" panose="020B0604020202020204" pitchFamily="34" charset="0"/>
+              <a:buNone/>
+              <a:defRPr sz="1600" kern="1200">
+                <a:solidFill>
+                  <a:schemeClr val="tx1"/>
+                </a:solidFill>
+                <a:latin typeface="+mn-lt"/>
+                <a:ea typeface="+mn-ea"/>
+                <a:cs typeface="+mn-cs"/>
+              </a:defRPr>
+            </a:lvl5pPr>
+            <a:lvl6pPr marL="2286000" indent="0" algn="ctr" defTabSz="914400" rtl="0" eaLnBrk="1" latinLnBrk="0" hangingPunct="1">
+              <a:lnSpc>
+                <a:spcPct val="90000"/>
+              </a:lnSpc>
+              <a:spcBef>
+                <a:spcPts val="500"/>
+              </a:spcBef>
+              <a:buFont typeface="Arial" panose="020B0604020202020204" pitchFamily="34" charset="0"/>
+              <a:buNone/>
+              <a:defRPr sz="1600" kern="1200">
+                <a:solidFill>
+                  <a:schemeClr val="tx1"/>
+                </a:solidFill>
+                <a:latin typeface="+mn-lt"/>
+                <a:ea typeface="+mn-ea"/>
+                <a:cs typeface="+mn-cs"/>
+              </a:defRPr>
+            </a:lvl6pPr>
+            <a:lvl7pPr marL="2743200" indent="0" algn="ctr" defTabSz="914400" rtl="0" eaLnBrk="1" latinLnBrk="0" hangingPunct="1">
+              <a:lnSpc>
+                <a:spcPct val="90000"/>
+              </a:lnSpc>
+              <a:spcBef>
+                <a:spcPts val="500"/>
+              </a:spcBef>
+              <a:buFont typeface="Arial" panose="020B0604020202020204" pitchFamily="34" charset="0"/>
+              <a:buNone/>
+              <a:defRPr sz="1600" kern="1200">
+                <a:solidFill>
+                  <a:schemeClr val="tx1"/>
+                </a:solidFill>
+                <a:latin typeface="+mn-lt"/>
+                <a:ea typeface="+mn-ea"/>
+                <a:cs typeface="+mn-cs"/>
+              </a:defRPr>
+            </a:lvl7pPr>
+            <a:lvl8pPr marL="3200400" indent="0" algn="ctr" defTabSz="914400" rtl="0" eaLnBrk="1" latinLnBrk="0" hangingPunct="1">
+              <a:lnSpc>
+                <a:spcPct val="90000"/>
+              </a:lnSpc>
+              <a:spcBef>
+                <a:spcPts val="500"/>
+              </a:spcBef>
+              <a:buFont typeface="Arial" panose="020B0604020202020204" pitchFamily="34" charset="0"/>
+              <a:buNone/>
+              <a:defRPr sz="1600" kern="1200">
+                <a:solidFill>
+                  <a:schemeClr val="tx1"/>
+                </a:solidFill>
+                <a:latin typeface="+mn-lt"/>
+                <a:ea typeface="+mn-ea"/>
+                <a:cs typeface="+mn-cs"/>
+              </a:defRPr>
+            </a:lvl8pPr>
+            <a:lvl9pPr marL="3657600" indent="0" algn="ctr" defTabSz="914400" rtl="0" eaLnBrk="1" latinLnBrk="0" hangingPunct="1">
+              <a:lnSpc>
+                <a:spcPct val="90000"/>
+              </a:lnSpc>
+              <a:spcBef>
+                <a:spcPts val="500"/>
+              </a:spcBef>
+              <a:buFont typeface="Arial" panose="020B0604020202020204" pitchFamily="34" charset="0"/>
+              <a:buNone/>
+              <a:defRPr sz="1600" kern="1200">
+                <a:solidFill>
+                  <a:schemeClr val="tx1"/>
+                </a:solidFill>
+                <a:latin typeface="+mn-lt"/>
+                <a:ea typeface="+mn-ea"/>
+                <a:cs typeface="+mn-cs"/>
+              </a:defRPr>
+            </a:lvl9pPr>
+          </a:lstStyle>
+          <a:p>
+            <a:pPr lvl="0">
+              <a:lnSpc>
+                <a:spcPts val="3579"/>
+              </a:lnSpc>
+              <a:spcBef>
+                <a:spcPts val="0"/>
+              </a:spcBef>
+            </a:pPr>
+            <a:r>
+              <a:rPr lang="en-US" sz="1600" b="1" dirty="0" smtClean="0">
+                <a:solidFill>
+                  <a:srgbClr val="000000"/>
+                </a:solidFill>
+                <a:latin typeface="Times New Roman" panose="02020603050405020304" pitchFamily="18" charset="0"/>
+                <a:cs typeface="Times New Roman" panose="02020603050405020304" pitchFamily="18" charset="0"/>
+              </a:rPr>
+              <a:t>Специальность</a:t>
+            </a:r>
+            <a:r>
+              <a:rPr lang="en-US" sz="1600" dirty="0" smtClean="0">
+                <a:solidFill>
+                  <a:srgbClr val="000000"/>
+                </a:solidFill>
+                <a:latin typeface="Times New Roman" panose="02020603050405020304" pitchFamily="18" charset="0"/>
+                <a:cs typeface="Times New Roman" panose="02020603050405020304" pitchFamily="18" charset="0"/>
+              </a:rPr>
+              <a:t>: </a:t>
+            </a:r>
+            <a:r>
+              <a:rPr lang="en-US" sz="1600" dirty="0">
+                <a:solidFill>
+                  <a:srgbClr val="000000"/>
+                </a:solidFill>
+                <a:latin typeface="Times New Roman" panose="02020603050405020304" pitchFamily="18" charset="0"/>
+                <a:cs typeface="Times New Roman" panose="02020603050405020304" pitchFamily="18" charset="0"/>
+              </a:rPr>
+              <a:t>09.02.07 – Информационные </a:t>
+            </a:r>
+            <a:r>
+              <a:rPr lang="ru-RU" sz="1600" dirty="0">
+                <a:solidFill>
+                  <a:srgbClr val="000000"/>
+                </a:solidFill>
+                <a:latin typeface="Times New Roman" panose="02020603050405020304" pitchFamily="18" charset="0"/>
+                <a:cs typeface="Times New Roman" panose="02020603050405020304" pitchFamily="18" charset="0"/>
+              </a:rPr>
+              <a:t>системы</a:t>
+            </a:r>
+            <a:r>
+              <a:rPr lang="en-US" sz="1600" dirty="0">
+                <a:solidFill>
+                  <a:srgbClr val="000000"/>
+                </a:solidFill>
+                <a:latin typeface="Times New Roman" panose="02020603050405020304" pitchFamily="18" charset="0"/>
+                <a:cs typeface="Times New Roman" panose="02020603050405020304" pitchFamily="18" charset="0"/>
+              </a:rPr>
+              <a:t> и </a:t>
+            </a:r>
+            <a:r>
+              <a:rPr lang="en-US" sz="1600" dirty="0" smtClean="0">
+                <a:solidFill>
+                  <a:srgbClr val="000000"/>
+                </a:solidFill>
+                <a:latin typeface="Times New Roman" panose="02020603050405020304" pitchFamily="18" charset="0"/>
+                <a:cs typeface="Times New Roman" panose="02020603050405020304" pitchFamily="18" charset="0"/>
+              </a:rPr>
+              <a:t>программирование</a:t>
+            </a:r>
+            <a:endParaRPr lang="ru-RU" sz="1600" b="1" dirty="0" smtClean="0">
+              <a:latin typeface="Times New Roman" panose="02020603050405020304" pitchFamily="18" charset="0"/>
+              <a:cs typeface="Times New Roman" panose="02020603050405020304" pitchFamily="18" charset="0"/>
+            </a:endParaRPr>
+          </a:p>
+          <a:p>
+            <a:r>
+              <a:rPr lang="ru-RU" sz="1600" b="1" dirty="0" smtClean="0">
+                <a:latin typeface="Times New Roman" panose="02020603050405020304" pitchFamily="18" charset="0"/>
+                <a:cs typeface="Times New Roman" panose="02020603050405020304" pitchFamily="18" charset="0"/>
+              </a:rPr>
+              <a:t>Студент</a:t>
+            </a:r>
+            <a:r>
+              <a:rPr lang="en-US" sz="1600" b="1" dirty="0" smtClean="0">
+                <a:latin typeface="Times New Roman" panose="02020603050405020304" pitchFamily="18" charset="0"/>
+                <a:cs typeface="Times New Roman" panose="02020603050405020304" pitchFamily="18" charset="0"/>
+              </a:rPr>
+              <a:t>:</a:t>
+            </a:r>
+            <a:r>
+              <a:rPr lang="ru-RU" sz="1600" b="1" dirty="0" smtClean="0">
+                <a:latin typeface="Times New Roman" panose="02020603050405020304" pitchFamily="18" charset="0"/>
+                <a:cs typeface="Times New Roman" panose="02020603050405020304" pitchFamily="18" charset="0"/>
+              </a:rPr>
+              <a:t> </a:t>
+            </a:r>
+            <a:r>
+              <a:rPr lang="ru-RU" sz="1600" dirty="0" smtClean="0">
+                <a:latin typeface="Times New Roman" panose="02020603050405020304" pitchFamily="18" charset="0"/>
+                <a:cs typeface="Times New Roman" panose="02020603050405020304" pitchFamily="18" charset="0"/>
+              </a:rPr>
+              <a:t>Николаев В.А.</a:t>
+            </a:r>
+          </a:p>
+          <a:p>
+            <a:r>
+              <a:rPr lang="ru-RU" sz="1600" b="1" dirty="0" smtClean="0">
+                <a:latin typeface="Times New Roman" panose="02020603050405020304" pitchFamily="18" charset="0"/>
+                <a:cs typeface="Times New Roman" panose="02020603050405020304" pitchFamily="18" charset="0"/>
+              </a:rPr>
+              <a:t>Группа</a:t>
+            </a:r>
+            <a:r>
+              <a:rPr lang="en-US" sz="1600" dirty="0" smtClean="0">
+                <a:latin typeface="Times New Roman" panose="02020603050405020304" pitchFamily="18" charset="0"/>
+                <a:cs typeface="Times New Roman" panose="02020603050405020304" pitchFamily="18" charset="0"/>
+              </a:rPr>
+              <a:t>: </a:t>
+            </a:r>
+            <a:r>
+              <a:rPr lang="ru-RU" sz="1600" dirty="0" smtClean="0">
+                <a:latin typeface="Times New Roman" panose="02020603050405020304" pitchFamily="18" charset="0"/>
+                <a:cs typeface="Times New Roman" panose="02020603050405020304" pitchFamily="18" charset="0"/>
+              </a:rPr>
+              <a:t>ИП-20-3</a:t>
+            </a:r>
+          </a:p>
+          <a:p>
+            <a:r>
+              <a:rPr lang="ru-RU" sz="1600" b="1" dirty="0">
+                <a:latin typeface="Times New Roman" panose="02020603050405020304" pitchFamily="18" charset="0"/>
+                <a:cs typeface="Times New Roman" panose="02020603050405020304" pitchFamily="18" charset="0"/>
+              </a:rPr>
+              <a:t>Р</a:t>
+            </a:r>
+            <a:r>
+              <a:rPr lang="ru-RU" sz="1600" b="1" dirty="0" smtClean="0">
+                <a:latin typeface="Times New Roman" panose="02020603050405020304" pitchFamily="18" charset="0"/>
+                <a:cs typeface="Times New Roman" panose="02020603050405020304" pitchFamily="18" charset="0"/>
+              </a:rPr>
+              <a:t>уководитель</a:t>
+            </a:r>
+            <a:r>
+              <a:rPr lang="en-US" sz="1600" b="1" dirty="0" smtClean="0">
+                <a:latin typeface="Times New Roman" panose="02020603050405020304" pitchFamily="18" charset="0"/>
+                <a:cs typeface="Times New Roman" panose="02020603050405020304" pitchFamily="18" charset="0"/>
+              </a:rPr>
+              <a:t>:</a:t>
+            </a:r>
+            <a:r>
+              <a:rPr lang="ru-RU" sz="1600" b="1" dirty="0" smtClean="0">
+                <a:latin typeface="Times New Roman" panose="02020603050405020304" pitchFamily="18" charset="0"/>
+                <a:cs typeface="Times New Roman" panose="02020603050405020304" pitchFamily="18" charset="0"/>
+              </a:rPr>
+              <a:t> </a:t>
+            </a:r>
+            <a:r>
+              <a:rPr lang="ru-RU" sz="1600" dirty="0" smtClean="0">
+                <a:latin typeface="Times New Roman" panose="02020603050405020304" pitchFamily="18" charset="0"/>
+                <a:cs typeface="Times New Roman" panose="02020603050405020304" pitchFamily="18" charset="0"/>
+              </a:rPr>
+              <a:t>Исаенко С.В.</a:t>
+            </a:r>
+            <a:endParaRPr lang="ru-RU" sz="1600" dirty="0">
+              <a:latin typeface="Times New Roman" panose="02020603050405020304" pitchFamily="18" charset="0"/>
+              <a:cs typeface="Times New Roman" panose="02020603050405020304" pitchFamily="18" charset="0"/>
+            </a:endParaRPr>
+          </a:p>
+        </p:txBody>
+      </p:sp>
     </p:spTree>
     <p:extLst>
       <p:ext uri="{BB962C8B-B14F-4D97-AF65-F5344CB8AC3E}">
@@ -8368,6 +8369,718 @@
     <p:extLst>
       <p:ext uri="{BB962C8B-B14F-4D97-AF65-F5344CB8AC3E}">
         <p14:creationId xmlns:p14="http://schemas.microsoft.com/office/powerpoint/2010/main" val="2370411269"/>
+      </p:ext>
+    </p:extLst>
+  </p:cSld>
+  <p:clrMapOvr>
+    <a:masterClrMapping/>
+  </p:clrMapOvr>
+  <p:timing>
+    <p:tnLst>
+      <p:par>
+        <p:cTn id="1" dur="indefinite" restart="never" nodeType="tmRoot"/>
+      </p:par>
+    </p:tnLst>
+  </p:timing>
+</p:sld>
+</file>
+
+<file path=ppt/slides/slide7.xml><?xml version="1.0" encoding="utf-8"?>
+<p:sld xmlns:a="http://schemas.openxmlformats.org/drawingml/2006/main" xmlns:r="http://schemas.openxmlformats.org/officeDocument/2006/relationships" xmlns:p="http://schemas.openxmlformats.org/presentationml/2006/main">
+  <p:cSld>
+    <p:spTree>
+      <p:nvGrpSpPr>
+        <p:cNvPr id="1" name=""/>
+        <p:cNvGrpSpPr/>
+        <p:nvPr/>
+      </p:nvGrpSpPr>
+      <p:grpSpPr>
+        <a:xfrm>
+          <a:off x="0" y="0"/>
+          <a:ext cx="0" cy="0"/>
+          <a:chOff x="0" y="0"/>
+          <a:chExt cx="0" cy="0"/>
+        </a:xfrm>
+      </p:grpSpPr>
+      <p:sp>
+        <p:nvSpPr>
+          <p:cNvPr id="3" name="Объект 2"/>
+          <p:cNvSpPr>
+            <a:spLocks noGrp="1"/>
+          </p:cNvSpPr>
+          <p:nvPr>
+            <p:ph idx="1"/>
+          </p:nvPr>
+        </p:nvSpPr>
+        <p:spPr>
+          <a:xfrm>
+            <a:off x="0" y="1584434"/>
+            <a:ext cx="12192000" cy="5273566"/>
+          </a:xfrm>
+        </p:spPr>
+        <p:txBody>
+          <a:bodyPr/>
+          <a:lstStyle/>
+          <a:p>
+            <a:pPr marL="0" indent="450000" algn="just">
+              <a:lnSpc>
+                <a:spcPct val="150000"/>
+              </a:lnSpc>
+              <a:spcBef>
+                <a:spcPts val="0"/>
+              </a:spcBef>
+              <a:buNone/>
+            </a:pPr>
+            <a:r>
+              <a:rPr lang="ru-RU" sz="2400" dirty="0" smtClean="0">
+                <a:solidFill>
+                  <a:srgbClr val="000000"/>
+                </a:solidFill>
+                <a:uFill>
+                  <a:solidFill>
+                    <a:srgbClr val="000000"/>
+                  </a:solidFill>
+                </a:uFill>
+                <a:latin typeface="Times New Roman" panose="02020603050405020304" pitchFamily="18" charset="0"/>
+                <a:ea typeface="Arial Unicode MS"/>
+                <a:cs typeface="Arial Unicode MS"/>
+              </a:rPr>
+              <a:t>Данная игра была сделана, </a:t>
+            </a:r>
+            <a:r>
+              <a:rPr lang="ru-RU" sz="2400" dirty="0" smtClean="0">
+                <a:latin typeface="Times New Roman" panose="02020603050405020304" pitchFamily="18" charset="0"/>
+                <a:ea typeface="Calibri" panose="020F0502020204030204" pitchFamily="34" charset="0"/>
+                <a:cs typeface="Calibri" panose="020F0502020204030204" pitchFamily="34" charset="0"/>
+              </a:rPr>
+              <a:t>потому что позволяет попрактиковаться в написании кода и существенно расширить кругозор и стек разработчика. Также создание игр всегда очень весело и интересно, потому что позволяет воплотить в жизнь свои различные задумки. </a:t>
+            </a:r>
+            <a:r>
+              <a:rPr lang="en-US" sz="2000" dirty="0">
+                <a:solidFill>
+                  <a:srgbClr val="FFFFFF"/>
+                </a:solidFill>
+                <a:latin typeface="Open Sans"/>
+              </a:rPr>
+              <a:t>В </a:t>
+            </a:r>
+            <a:endParaRPr lang="ru-RU" sz="2000" dirty="0" smtClean="0">
+              <a:solidFill>
+                <a:srgbClr val="FFFFFF"/>
+              </a:solidFill>
+              <a:latin typeface="Open Sans"/>
+            </a:endParaRPr>
+          </a:p>
+          <a:p>
+            <a:pPr marL="0" indent="450000" algn="just">
+              <a:lnSpc>
+                <a:spcPct val="150000"/>
+              </a:lnSpc>
+              <a:spcBef>
+                <a:spcPts val="0"/>
+              </a:spcBef>
+              <a:buNone/>
+            </a:pPr>
+            <a:r>
+              <a:rPr lang="ru-RU" sz="2400" dirty="0" smtClean="0">
+                <a:solidFill>
+                  <a:srgbClr val="000000"/>
+                </a:solidFill>
+                <a:uFill>
+                  <a:solidFill>
+                    <a:srgbClr val="000000"/>
+                  </a:solidFill>
+                </a:uFill>
+                <a:latin typeface="Times New Roman" panose="02020603050405020304" pitchFamily="18" charset="0"/>
+              </a:rPr>
+              <a:t>В б</a:t>
+            </a:r>
+            <a:r>
+              <a:rPr lang="en-US" sz="2400" dirty="0" smtClean="0">
+                <a:solidFill>
+                  <a:srgbClr val="000000"/>
+                </a:solidFill>
+                <a:uFill>
+                  <a:solidFill>
+                    <a:srgbClr val="000000"/>
+                  </a:solidFill>
+                </a:uFill>
+                <a:latin typeface="Times New Roman" panose="02020603050405020304" pitchFamily="18" charset="0"/>
+                <a:ea typeface="Arial Unicode MS"/>
+                <a:cs typeface="Arial Unicode MS"/>
+              </a:rPr>
+              <a:t>удущем </a:t>
+            </a:r>
+            <a:r>
+              <a:rPr lang="en-US" sz="2400" dirty="0">
+                <a:solidFill>
+                  <a:srgbClr val="000000"/>
+                </a:solidFill>
+                <a:uFill>
+                  <a:solidFill>
+                    <a:srgbClr val="000000"/>
+                  </a:solidFill>
+                </a:uFill>
+                <a:latin typeface="Times New Roman" panose="02020603050405020304" pitchFamily="18" charset="0"/>
+                <a:ea typeface="Arial Unicode MS"/>
+                <a:cs typeface="Arial Unicode MS"/>
+              </a:rPr>
+              <a:t>я планирую </a:t>
+            </a:r>
+            <a:r>
+              <a:rPr lang="ru-RU" sz="2400" dirty="0" smtClean="0">
+                <a:solidFill>
+                  <a:srgbClr val="000000"/>
+                </a:solidFill>
+                <a:uFill>
+                  <a:solidFill>
+                    <a:srgbClr val="000000"/>
+                  </a:solidFill>
+                </a:uFill>
+                <a:latin typeface="Times New Roman" panose="02020603050405020304" pitchFamily="18" charset="0"/>
+                <a:ea typeface="Arial Unicode MS"/>
+                <a:cs typeface="Arial Unicode MS"/>
+              </a:rPr>
+              <a:t>и </a:t>
+            </a:r>
+            <a:r>
+              <a:rPr lang="en-US" sz="2400" dirty="0" smtClean="0">
+                <a:solidFill>
+                  <a:srgbClr val="000000"/>
+                </a:solidFill>
+                <a:uFill>
+                  <a:solidFill>
+                    <a:srgbClr val="000000"/>
+                  </a:solidFill>
+                </a:uFill>
+                <a:latin typeface="Times New Roman" panose="02020603050405020304" pitchFamily="18" charset="0"/>
+                <a:ea typeface="Arial Unicode MS"/>
+                <a:cs typeface="Arial Unicode MS"/>
+              </a:rPr>
+              <a:t>дальше </a:t>
+            </a:r>
+            <a:r>
+              <a:rPr lang="en-US" sz="2400" dirty="0">
+                <a:solidFill>
+                  <a:srgbClr val="000000"/>
+                </a:solidFill>
+                <a:uFill>
+                  <a:solidFill>
+                    <a:srgbClr val="000000"/>
+                  </a:solidFill>
+                </a:uFill>
+                <a:latin typeface="Times New Roman" panose="02020603050405020304" pitchFamily="18" charset="0"/>
+                <a:ea typeface="Arial Unicode MS"/>
+                <a:cs typeface="Arial Unicode MS"/>
+              </a:rPr>
+              <a:t>развивать данный </a:t>
+            </a:r>
+            <a:r>
+              <a:rPr lang="en-US" sz="2400" dirty="0" smtClean="0">
+                <a:solidFill>
+                  <a:srgbClr val="000000"/>
+                </a:solidFill>
+                <a:uFill>
+                  <a:solidFill>
+                    <a:srgbClr val="000000"/>
+                  </a:solidFill>
+                </a:uFill>
+                <a:latin typeface="Times New Roman" panose="02020603050405020304" pitchFamily="18" charset="0"/>
+                <a:ea typeface="Arial Unicode MS"/>
+                <a:cs typeface="Arial Unicode MS"/>
+              </a:rPr>
+              <a:t>проект:</a:t>
+            </a:r>
+          </a:p>
+          <a:p>
+            <a:pPr marL="0" indent="450000" algn="just">
+              <a:lnSpc>
+                <a:spcPct val="150000"/>
+              </a:lnSpc>
+              <a:spcBef>
+                <a:spcPts val="0"/>
+              </a:spcBef>
+            </a:pPr>
+            <a:r>
+              <a:rPr lang="ru-RU" sz="2400" dirty="0">
+                <a:solidFill>
+                  <a:srgbClr val="000000"/>
+                </a:solidFill>
+                <a:uFill>
+                  <a:solidFill>
+                    <a:srgbClr val="000000"/>
+                  </a:solidFill>
+                </a:uFill>
+                <a:latin typeface="Times New Roman" panose="02020603050405020304" pitchFamily="18" charset="0"/>
+                <a:ea typeface="Arial Unicode MS"/>
+                <a:cs typeface="Arial Unicode MS"/>
+              </a:rPr>
+              <a:t>У</a:t>
+            </a:r>
+            <a:r>
+              <a:rPr lang="en-US" sz="2400" dirty="0" smtClean="0">
+                <a:solidFill>
+                  <a:srgbClr val="000000"/>
+                </a:solidFill>
+                <a:uFill>
+                  <a:solidFill>
+                    <a:srgbClr val="000000"/>
+                  </a:solidFill>
+                </a:uFill>
+                <a:latin typeface="Times New Roman" panose="02020603050405020304" pitchFamily="18" charset="0"/>
+                <a:ea typeface="Arial Unicode MS"/>
+                <a:cs typeface="Arial Unicode MS"/>
+              </a:rPr>
+              <a:t>лучшить дизайн</a:t>
+            </a:r>
+            <a:r>
+              <a:rPr lang="en-US" sz="2400" dirty="0">
+                <a:solidFill>
+                  <a:srgbClr val="000000"/>
+                </a:solidFill>
+                <a:uFill>
+                  <a:solidFill>
+                    <a:srgbClr val="000000"/>
+                  </a:solidFill>
+                </a:uFill>
+                <a:latin typeface="Times New Roman" panose="02020603050405020304" pitchFamily="18" charset="0"/>
+                <a:ea typeface="Arial Unicode MS"/>
+                <a:cs typeface="Arial Unicode MS"/>
+              </a:rPr>
+              <a:t>;</a:t>
+            </a:r>
+            <a:endParaRPr lang="en-US" sz="2400" dirty="0" smtClean="0">
+              <a:solidFill>
+                <a:srgbClr val="000000"/>
+              </a:solidFill>
+              <a:uFill>
+                <a:solidFill>
+                  <a:srgbClr val="000000"/>
+                </a:solidFill>
+              </a:uFill>
+              <a:latin typeface="Times New Roman" panose="02020603050405020304" pitchFamily="18" charset="0"/>
+              <a:ea typeface="Arial Unicode MS"/>
+              <a:cs typeface="Arial Unicode MS"/>
+            </a:endParaRPr>
+          </a:p>
+          <a:p>
+            <a:pPr marL="0" indent="450000" algn="just">
+              <a:lnSpc>
+                <a:spcPct val="150000"/>
+              </a:lnSpc>
+              <a:spcBef>
+                <a:spcPts val="0"/>
+              </a:spcBef>
+            </a:pPr>
+            <a:r>
+              <a:rPr lang="ru-RU" sz="2400" dirty="0" smtClean="0">
+                <a:solidFill>
+                  <a:srgbClr val="000000"/>
+                </a:solidFill>
+                <a:uFill>
+                  <a:solidFill>
+                    <a:srgbClr val="000000"/>
+                  </a:solidFill>
+                </a:uFill>
+                <a:latin typeface="Times New Roman" panose="02020603050405020304" pitchFamily="18" charset="0"/>
+                <a:ea typeface="Arial Unicode MS"/>
+                <a:cs typeface="Arial Unicode MS"/>
+              </a:rPr>
+              <a:t>Добавить сюжет</a:t>
+            </a:r>
+            <a:r>
+              <a:rPr lang="en-US" sz="2400" dirty="0">
+                <a:solidFill>
+                  <a:srgbClr val="000000"/>
+                </a:solidFill>
+                <a:uFill>
+                  <a:solidFill>
+                    <a:srgbClr val="000000"/>
+                  </a:solidFill>
+                </a:uFill>
+                <a:latin typeface="Times New Roman" panose="02020603050405020304" pitchFamily="18" charset="0"/>
+                <a:ea typeface="Arial Unicode MS"/>
+                <a:cs typeface="Arial Unicode MS"/>
+              </a:rPr>
+              <a:t>;</a:t>
+            </a:r>
+            <a:endParaRPr lang="ru-RU" sz="2400" dirty="0" smtClean="0">
+              <a:solidFill>
+                <a:srgbClr val="000000"/>
+              </a:solidFill>
+              <a:uFill>
+                <a:solidFill>
+                  <a:srgbClr val="000000"/>
+                </a:solidFill>
+              </a:uFill>
+              <a:latin typeface="Times New Roman" panose="02020603050405020304" pitchFamily="18" charset="0"/>
+              <a:ea typeface="Arial Unicode MS"/>
+              <a:cs typeface="Arial Unicode MS"/>
+            </a:endParaRPr>
+          </a:p>
+          <a:p>
+            <a:pPr marL="0" indent="450000" algn="just">
+              <a:lnSpc>
+                <a:spcPct val="150000"/>
+              </a:lnSpc>
+              <a:spcBef>
+                <a:spcPts val="0"/>
+              </a:spcBef>
+            </a:pPr>
+            <a:r>
+              <a:rPr lang="ru-RU" sz="2400" dirty="0" smtClean="0">
+                <a:solidFill>
+                  <a:srgbClr val="000000"/>
+                </a:solidFill>
+                <a:uFill>
+                  <a:solidFill>
+                    <a:srgbClr val="000000"/>
+                  </a:solidFill>
+                </a:uFill>
+                <a:latin typeface="Times New Roman" panose="02020603050405020304" pitchFamily="18" charset="0"/>
+                <a:ea typeface="Arial Unicode MS"/>
+                <a:cs typeface="Arial Unicode MS"/>
+              </a:rPr>
+              <a:t>Добавить различны</a:t>
+            </a:r>
+            <a:r>
+              <a:rPr lang="ru-RU" sz="2400" dirty="0">
+                <a:solidFill>
+                  <a:srgbClr val="000000"/>
+                </a:solidFill>
+                <a:uFill>
+                  <a:solidFill>
+                    <a:srgbClr val="000000"/>
+                  </a:solidFill>
+                </a:uFill>
+                <a:latin typeface="Times New Roman" panose="02020603050405020304" pitchFamily="18" charset="0"/>
+                <a:ea typeface="Arial Unicode MS"/>
+                <a:cs typeface="Arial Unicode MS"/>
+              </a:rPr>
+              <a:t>е</a:t>
+            </a:r>
+            <a:r>
+              <a:rPr lang="ru-RU" sz="2400" dirty="0" smtClean="0">
+                <a:solidFill>
+                  <a:srgbClr val="000000"/>
+                </a:solidFill>
+                <a:uFill>
+                  <a:solidFill>
+                    <a:srgbClr val="000000"/>
+                  </a:solidFill>
+                </a:uFill>
+                <a:latin typeface="Times New Roman" panose="02020603050405020304" pitchFamily="18" charset="0"/>
+                <a:ea typeface="Arial Unicode MS"/>
+                <a:cs typeface="Arial Unicode MS"/>
+              </a:rPr>
+              <a:t> навыки</a:t>
+            </a:r>
+            <a:r>
+              <a:rPr lang="en-US" sz="2400" dirty="0" smtClean="0">
+                <a:solidFill>
+                  <a:srgbClr val="000000"/>
+                </a:solidFill>
+                <a:uFill>
+                  <a:solidFill>
+                    <a:srgbClr val="000000"/>
+                  </a:solidFill>
+                </a:uFill>
+                <a:latin typeface="Times New Roman" panose="02020603050405020304" pitchFamily="18" charset="0"/>
+                <a:ea typeface="Arial Unicode MS"/>
+                <a:cs typeface="Arial Unicode MS"/>
+              </a:rPr>
+              <a:t>;</a:t>
+            </a:r>
+          </a:p>
+          <a:p>
+            <a:pPr marL="0" indent="450000" algn="just">
+              <a:lnSpc>
+                <a:spcPct val="150000"/>
+              </a:lnSpc>
+              <a:spcBef>
+                <a:spcPts val="0"/>
+              </a:spcBef>
+            </a:pPr>
+            <a:r>
+              <a:rPr lang="ru-RU" sz="2400" dirty="0" smtClean="0">
+                <a:solidFill>
+                  <a:srgbClr val="000000"/>
+                </a:solidFill>
+                <a:uFill>
+                  <a:solidFill>
+                    <a:srgbClr val="000000"/>
+                  </a:solidFill>
+                </a:uFill>
+                <a:latin typeface="Times New Roman" panose="02020603050405020304" pitchFamily="18" charset="0"/>
+                <a:ea typeface="Arial Unicode MS"/>
+                <a:cs typeface="Arial Unicode MS"/>
+              </a:rPr>
+              <a:t>Д</a:t>
+            </a:r>
+            <a:r>
+              <a:rPr lang="en-US" sz="2400" dirty="0" smtClean="0">
+                <a:solidFill>
+                  <a:srgbClr val="000000"/>
+                </a:solidFill>
+                <a:uFill>
+                  <a:solidFill>
+                    <a:srgbClr val="000000"/>
+                  </a:solidFill>
+                </a:uFill>
+                <a:latin typeface="Times New Roman" panose="02020603050405020304" pitchFamily="18" charset="0"/>
+                <a:ea typeface="Arial Unicode MS"/>
+                <a:cs typeface="Arial Unicode MS"/>
+              </a:rPr>
+              <a:t>обавить </a:t>
+            </a:r>
+            <a:r>
+              <a:rPr lang="en-US" sz="2400" dirty="0">
+                <a:solidFill>
+                  <a:srgbClr val="000000"/>
+                </a:solidFill>
+                <a:uFill>
+                  <a:solidFill>
+                    <a:srgbClr val="000000"/>
+                  </a:solidFill>
+                </a:uFill>
+                <a:latin typeface="Times New Roman" panose="02020603050405020304" pitchFamily="18" charset="0"/>
+                <a:ea typeface="Arial Unicode MS"/>
+                <a:cs typeface="Arial Unicode MS"/>
+              </a:rPr>
+              <a:t>в проект много функции, которые удовлетворят потребности пользователя.</a:t>
+            </a:r>
+          </a:p>
+          <a:p>
+            <a:pPr marL="0" indent="450000" algn="just">
+              <a:lnSpc>
+                <a:spcPct val="150000"/>
+              </a:lnSpc>
+              <a:spcBef>
+                <a:spcPts val="0"/>
+              </a:spcBef>
+              <a:spcAft>
+                <a:spcPts val="0"/>
+              </a:spcAft>
+              <a:buNone/>
+            </a:pPr>
+            <a:endParaRPr lang="ru-RU" sz="2400" dirty="0">
+              <a:solidFill>
+                <a:srgbClr val="000000"/>
+              </a:solidFill>
+              <a:uFill>
+                <a:solidFill>
+                  <a:srgbClr val="000000"/>
+                </a:solidFill>
+              </a:uFill>
+              <a:latin typeface="Times New Roman" panose="02020603050405020304" pitchFamily="18" charset="0"/>
+              <a:ea typeface="Arial Unicode MS"/>
+              <a:cs typeface="Arial Unicode MS"/>
+            </a:endParaRPr>
+          </a:p>
+        </p:txBody>
+      </p:sp>
+      <p:sp>
+        <p:nvSpPr>
+          <p:cNvPr id="4" name="Подзаголовок 2"/>
+          <p:cNvSpPr txBox="1">
+            <a:spLocks/>
+          </p:cNvSpPr>
+          <p:nvPr/>
+        </p:nvSpPr>
+        <p:spPr>
+          <a:xfrm>
+            <a:off x="5502166" y="0"/>
+            <a:ext cx="6689834" cy="1079938"/>
+          </a:xfrm>
+          <a:prstGeom prst="rect">
+            <a:avLst/>
+          </a:prstGeom>
+        </p:spPr>
+        <p:txBody>
+          <a:bodyPr vert="horz" lIns="91440" tIns="45720" rIns="91440" bIns="45720" rtlCol="0" anchor="ctr">
+            <a:normAutofit/>
+          </a:bodyPr>
+          <a:lstStyle>
+            <a:lvl1pPr marL="0" indent="0" algn="l" defTabSz="914400" rtl="0" eaLnBrk="1" latinLnBrk="0" hangingPunct="1">
+              <a:lnSpc>
+                <a:spcPct val="90000"/>
+              </a:lnSpc>
+              <a:spcBef>
+                <a:spcPts val="1000"/>
+              </a:spcBef>
+              <a:buFont typeface="Arial" panose="020B0604020202020204" pitchFamily="34" charset="0"/>
+              <a:buNone/>
+              <a:defRPr sz="2000" kern="1200">
+                <a:solidFill>
+                  <a:schemeClr val="tx1"/>
+                </a:solidFill>
+                <a:latin typeface="+mn-lt"/>
+                <a:ea typeface="+mn-ea"/>
+                <a:cs typeface="+mn-cs"/>
+              </a:defRPr>
+            </a:lvl1pPr>
+            <a:lvl2pPr marL="457200" indent="0" algn="ctr" defTabSz="914400" rtl="0" eaLnBrk="1" latinLnBrk="0" hangingPunct="1">
+              <a:lnSpc>
+                <a:spcPct val="90000"/>
+              </a:lnSpc>
+              <a:spcBef>
+                <a:spcPts val="500"/>
+              </a:spcBef>
+              <a:buFont typeface="Arial" panose="020B0604020202020204" pitchFamily="34" charset="0"/>
+              <a:buNone/>
+              <a:defRPr sz="2000" kern="1200">
+                <a:solidFill>
+                  <a:schemeClr val="tx1"/>
+                </a:solidFill>
+                <a:latin typeface="+mn-lt"/>
+                <a:ea typeface="+mn-ea"/>
+                <a:cs typeface="+mn-cs"/>
+              </a:defRPr>
+            </a:lvl2pPr>
+            <a:lvl3pPr marL="914400" indent="0" algn="ctr" defTabSz="914400" rtl="0" eaLnBrk="1" latinLnBrk="0" hangingPunct="1">
+              <a:lnSpc>
+                <a:spcPct val="90000"/>
+              </a:lnSpc>
+              <a:spcBef>
+                <a:spcPts val="500"/>
+              </a:spcBef>
+              <a:buFont typeface="Arial" panose="020B0604020202020204" pitchFamily="34" charset="0"/>
+              <a:buNone/>
+              <a:defRPr sz="1800" kern="1200">
+                <a:solidFill>
+                  <a:schemeClr val="tx1"/>
+                </a:solidFill>
+                <a:latin typeface="+mn-lt"/>
+                <a:ea typeface="+mn-ea"/>
+                <a:cs typeface="+mn-cs"/>
+              </a:defRPr>
+            </a:lvl3pPr>
+            <a:lvl4pPr marL="1371600" indent="0" algn="ctr" defTabSz="914400" rtl="0" eaLnBrk="1" latinLnBrk="0" hangingPunct="1">
+              <a:lnSpc>
+                <a:spcPct val="90000"/>
+              </a:lnSpc>
+              <a:spcBef>
+                <a:spcPts val="500"/>
+              </a:spcBef>
+              <a:buFont typeface="Arial" panose="020B0604020202020204" pitchFamily="34" charset="0"/>
+              <a:buNone/>
+              <a:defRPr sz="1600" kern="1200">
+                <a:solidFill>
+                  <a:schemeClr val="tx1"/>
+                </a:solidFill>
+                <a:latin typeface="+mn-lt"/>
+                <a:ea typeface="+mn-ea"/>
+                <a:cs typeface="+mn-cs"/>
+              </a:defRPr>
+            </a:lvl4pPr>
+            <a:lvl5pPr marL="1828800" indent="0" algn="ctr" defTabSz="914400" rtl="0" eaLnBrk="1" latinLnBrk="0" hangingPunct="1">
+              <a:lnSpc>
+                <a:spcPct val="90000"/>
+              </a:lnSpc>
+              <a:spcBef>
+                <a:spcPts val="500"/>
+              </a:spcBef>
+              <a:buFont typeface="Arial" panose="020B0604020202020204" pitchFamily="34" charset="0"/>
+              <a:buNone/>
+              <a:defRPr sz="1600" kern="1200">
+                <a:solidFill>
+                  <a:schemeClr val="tx1"/>
+                </a:solidFill>
+                <a:latin typeface="+mn-lt"/>
+                <a:ea typeface="+mn-ea"/>
+                <a:cs typeface="+mn-cs"/>
+              </a:defRPr>
+            </a:lvl5pPr>
+            <a:lvl6pPr marL="2286000" indent="0" algn="ctr" defTabSz="914400" rtl="0" eaLnBrk="1" latinLnBrk="0" hangingPunct="1">
+              <a:lnSpc>
+                <a:spcPct val="90000"/>
+              </a:lnSpc>
+              <a:spcBef>
+                <a:spcPts val="500"/>
+              </a:spcBef>
+              <a:buFont typeface="Arial" panose="020B0604020202020204" pitchFamily="34" charset="0"/>
+              <a:buNone/>
+              <a:defRPr sz="1600" kern="1200">
+                <a:solidFill>
+                  <a:schemeClr val="tx1"/>
+                </a:solidFill>
+                <a:latin typeface="+mn-lt"/>
+                <a:ea typeface="+mn-ea"/>
+                <a:cs typeface="+mn-cs"/>
+              </a:defRPr>
+            </a:lvl6pPr>
+            <a:lvl7pPr marL="2743200" indent="0" algn="ctr" defTabSz="914400" rtl="0" eaLnBrk="1" latinLnBrk="0" hangingPunct="1">
+              <a:lnSpc>
+                <a:spcPct val="90000"/>
+              </a:lnSpc>
+              <a:spcBef>
+                <a:spcPts val="500"/>
+              </a:spcBef>
+              <a:buFont typeface="Arial" panose="020B0604020202020204" pitchFamily="34" charset="0"/>
+              <a:buNone/>
+              <a:defRPr sz="1600" kern="1200">
+                <a:solidFill>
+                  <a:schemeClr val="tx1"/>
+                </a:solidFill>
+                <a:latin typeface="+mn-lt"/>
+                <a:ea typeface="+mn-ea"/>
+                <a:cs typeface="+mn-cs"/>
+              </a:defRPr>
+            </a:lvl7pPr>
+            <a:lvl8pPr marL="3200400" indent="0" algn="ctr" defTabSz="914400" rtl="0" eaLnBrk="1" latinLnBrk="0" hangingPunct="1">
+              <a:lnSpc>
+                <a:spcPct val="90000"/>
+              </a:lnSpc>
+              <a:spcBef>
+                <a:spcPts val="500"/>
+              </a:spcBef>
+              <a:buFont typeface="Arial" panose="020B0604020202020204" pitchFamily="34" charset="0"/>
+              <a:buNone/>
+              <a:defRPr sz="1600" kern="1200">
+                <a:solidFill>
+                  <a:schemeClr val="tx1"/>
+                </a:solidFill>
+                <a:latin typeface="+mn-lt"/>
+                <a:ea typeface="+mn-ea"/>
+                <a:cs typeface="+mn-cs"/>
+              </a:defRPr>
+            </a:lvl8pPr>
+            <a:lvl9pPr marL="3657600" indent="0" algn="ctr" defTabSz="914400" rtl="0" eaLnBrk="1" latinLnBrk="0" hangingPunct="1">
+              <a:lnSpc>
+                <a:spcPct val="90000"/>
+              </a:lnSpc>
+              <a:spcBef>
+                <a:spcPts val="500"/>
+              </a:spcBef>
+              <a:buFont typeface="Arial" panose="020B0604020202020204" pitchFamily="34" charset="0"/>
+              <a:buNone/>
+              <a:defRPr sz="1600" kern="1200">
+                <a:solidFill>
+                  <a:schemeClr val="tx1"/>
+                </a:solidFill>
+                <a:latin typeface="+mn-lt"/>
+                <a:ea typeface="+mn-ea"/>
+                <a:cs typeface="+mn-cs"/>
+              </a:defRPr>
+            </a:lvl9pPr>
+          </a:lstStyle>
+          <a:p>
+            <a:pPr algn="ctr"/>
+            <a:r>
+              <a:rPr lang="ru-RU" sz="4400" b="1" dirty="0" smtClean="0">
+                <a:latin typeface="Times New Roman" panose="02020603050405020304" pitchFamily="18" charset="0"/>
+                <a:cs typeface="Times New Roman" panose="02020603050405020304" pitchFamily="18" charset="0"/>
+              </a:rPr>
+              <a:t>Заключение</a:t>
+            </a:r>
+            <a:endParaRPr lang="ru-RU" sz="4400" dirty="0"/>
+          </a:p>
+        </p:txBody>
+      </p:sp>
+    </p:spTree>
+    <p:extLst>
+      <p:ext uri="{BB962C8B-B14F-4D97-AF65-F5344CB8AC3E}">
+        <p14:creationId xmlns:p14="http://schemas.microsoft.com/office/powerpoint/2010/main" val="2088823611"/>
       </p:ext>
     </p:extLst>
   </p:cSld>

--- a/Дипломный проект/Дипломная работа Николаев В.А.pptx
+++ b/Дипломный проект/Дипломная работа Николаев В.А.pptx
@@ -288,7 +288,7 @@
           <a:p>
             <a:fld id="{D6E302DD-AB53-48EE-857D-3B9B7649DF6B}" type="datetimeFigureOut">
               <a:rPr lang="ru-RU" smtClean="0"/>
-              <a:t>16.06.2024</a:t>
+              <a:t>17.06.2024</a:t>
             </a:fld>
             <a:endParaRPr lang="ru-RU"/>
           </a:p>
@@ -555,7 +555,7 @@
           <a:p>
             <a:fld id="{D6E302DD-AB53-48EE-857D-3B9B7649DF6B}" type="datetimeFigureOut">
               <a:rPr lang="ru-RU" smtClean="0"/>
-              <a:t>16.06.2024</a:t>
+              <a:t>17.06.2024</a:t>
             </a:fld>
             <a:endParaRPr lang="ru-RU"/>
           </a:p>
@@ -786,7 +786,7 @@
           <a:p>
             <a:fld id="{D6E302DD-AB53-48EE-857D-3B9B7649DF6B}" type="datetimeFigureOut">
               <a:rPr lang="ru-RU" smtClean="0"/>
-              <a:t>16.06.2024</a:t>
+              <a:t>17.06.2024</a:t>
             </a:fld>
             <a:endParaRPr lang="ru-RU"/>
           </a:p>
@@ -1096,7 +1096,7 @@
           <a:p>
             <a:fld id="{D6E302DD-AB53-48EE-857D-3B9B7649DF6B}" type="datetimeFigureOut">
               <a:rPr lang="ru-RU" smtClean="0"/>
-              <a:t>16.06.2024</a:t>
+              <a:t>17.06.2024</a:t>
             </a:fld>
             <a:endParaRPr lang="ru-RU"/>
           </a:p>
@@ -1569,7 +1569,7 @@
           <a:p>
             <a:fld id="{D6E302DD-AB53-48EE-857D-3B9B7649DF6B}" type="datetimeFigureOut">
               <a:rPr lang="ru-RU" smtClean="0"/>
-              <a:t>16.06.2024</a:t>
+              <a:t>17.06.2024</a:t>
             </a:fld>
             <a:endParaRPr lang="ru-RU"/>
           </a:p>
@@ -2116,7 +2116,7 @@
           <a:p>
             <a:fld id="{D6E302DD-AB53-48EE-857D-3B9B7649DF6B}" type="datetimeFigureOut">
               <a:rPr lang="ru-RU" smtClean="0"/>
-              <a:t>16.06.2024</a:t>
+              <a:t>17.06.2024</a:t>
             </a:fld>
             <a:endParaRPr lang="ru-RU"/>
           </a:p>
@@ -2890,7 +2890,7 @@
           <a:p>
             <a:fld id="{D6E302DD-AB53-48EE-857D-3B9B7649DF6B}" type="datetimeFigureOut">
               <a:rPr lang="ru-RU" smtClean="0"/>
-              <a:t>16.06.2024</a:t>
+              <a:t>17.06.2024</a:t>
             </a:fld>
             <a:endParaRPr lang="ru-RU"/>
           </a:p>
@@ -3065,7 +3065,7 @@
           <a:p>
             <a:fld id="{D6E302DD-AB53-48EE-857D-3B9B7649DF6B}" type="datetimeFigureOut">
               <a:rPr lang="ru-RU" smtClean="0"/>
-              <a:t>16.06.2024</a:t>
+              <a:t>17.06.2024</a:t>
             </a:fld>
             <a:endParaRPr lang="ru-RU"/>
           </a:p>
@@ -3288,7 +3288,7 @@
           <a:p>
             <a:fld id="{D6E302DD-AB53-48EE-857D-3B9B7649DF6B}" type="datetimeFigureOut">
               <a:rPr lang="ru-RU" smtClean="0"/>
-              <a:t>16.06.2024</a:t>
+              <a:t>17.06.2024</a:t>
             </a:fld>
             <a:endParaRPr lang="ru-RU"/>
           </a:p>
@@ -3468,7 +3468,7 @@
           <a:p>
             <a:fld id="{D6E302DD-AB53-48EE-857D-3B9B7649DF6B}" type="datetimeFigureOut">
               <a:rPr lang="ru-RU" smtClean="0"/>
-              <a:t>16.06.2024</a:t>
+              <a:t>17.06.2024</a:t>
             </a:fld>
             <a:endParaRPr lang="ru-RU"/>
           </a:p>
@@ -3757,7 +3757,7 @@
           <a:p>
             <a:fld id="{D6E302DD-AB53-48EE-857D-3B9B7649DF6B}" type="datetimeFigureOut">
               <a:rPr lang="ru-RU" smtClean="0"/>
-              <a:t>16.06.2024</a:t>
+              <a:t>17.06.2024</a:t>
             </a:fld>
             <a:endParaRPr lang="ru-RU"/>
           </a:p>
@@ -3999,7 +3999,7 @@
           <a:p>
             <a:fld id="{D6E302DD-AB53-48EE-857D-3B9B7649DF6B}" type="datetimeFigureOut">
               <a:rPr lang="ru-RU" smtClean="0"/>
-              <a:t>16.06.2024</a:t>
+              <a:t>17.06.2024</a:t>
             </a:fld>
             <a:endParaRPr lang="ru-RU"/>
           </a:p>
@@ -4378,7 +4378,7 @@
           <a:p>
             <a:fld id="{D6E302DD-AB53-48EE-857D-3B9B7649DF6B}" type="datetimeFigureOut">
               <a:rPr lang="ru-RU" smtClean="0"/>
-              <a:t>16.06.2024</a:t>
+              <a:t>17.06.2024</a:t>
             </a:fld>
             <a:endParaRPr lang="ru-RU"/>
           </a:p>
@@ -4496,7 +4496,7 @@
           <a:p>
             <a:fld id="{D6E302DD-AB53-48EE-857D-3B9B7649DF6B}" type="datetimeFigureOut">
               <a:rPr lang="ru-RU" smtClean="0"/>
-              <a:t>16.06.2024</a:t>
+              <a:t>17.06.2024</a:t>
             </a:fld>
             <a:endParaRPr lang="ru-RU"/>
           </a:p>
@@ -4591,7 +4591,7 @@
           <a:p>
             <a:fld id="{D6E302DD-AB53-48EE-857D-3B9B7649DF6B}" type="datetimeFigureOut">
               <a:rPr lang="ru-RU" smtClean="0"/>
-              <a:t>16.06.2024</a:t>
+              <a:t>17.06.2024</a:t>
             </a:fld>
             <a:endParaRPr lang="ru-RU"/>
           </a:p>
@@ -4840,7 +4840,7 @@
           <a:p>
             <a:fld id="{D6E302DD-AB53-48EE-857D-3B9B7649DF6B}" type="datetimeFigureOut">
               <a:rPr lang="ru-RU" smtClean="0"/>
-              <a:t>16.06.2024</a:t>
+              <a:t>17.06.2024</a:t>
             </a:fld>
             <a:endParaRPr lang="ru-RU"/>
           </a:p>
@@ -5097,7 +5097,7 @@
           <a:p>
             <a:fld id="{D6E302DD-AB53-48EE-857D-3B9B7649DF6B}" type="datetimeFigureOut">
               <a:rPr lang="ru-RU" smtClean="0"/>
-              <a:t>16.06.2024</a:t>
+              <a:t>17.06.2024</a:t>
             </a:fld>
             <a:endParaRPr lang="ru-RU"/>
           </a:p>
@@ -5340,7 +5340,7 @@
           <a:p>
             <a:fld id="{D6E302DD-AB53-48EE-857D-3B9B7649DF6B}" type="datetimeFigureOut">
               <a:rPr lang="ru-RU" smtClean="0"/>
-              <a:t>16.06.2024</a:t>
+              <a:t>17.06.2024</a:t>
             </a:fld>
             <a:endParaRPr lang="ru-RU"/>
           </a:p>
